--- a/deliverables/final_presentation.pptx
+++ b/deliverables/final_presentation.pptx
@@ -20,8 +20,11 @@
     <p:sldId id="268" r:id="rId19"/>
     <p:sldId id="269" r:id="rId20"/>
     <p:sldId id="270" r:id="rId21"/>
+    <p:sldId id="271" r:id="rId22"/>
+    <p:sldId id="272" r:id="rId23"/>
+    <p:sldId id="273" r:id="rId24"/>
   </p:sldIdLst>
-  <p:sldSz cx="9144000" cy="6858000" type="screen4x3"/>
+  <p:sldSz cx="12191695" cy="6858000" type="screen4x3"/>
   <p:notesSz cx="6858000" cy="9144000"/>
   <p:defaultTextStyle>
     <a:defPPr>
@@ -3104,20 +3107,198 @@
       <p:grpSpPr/>
       <p:sp>
         <p:nvSpPr>
-          <p:cNvPr id="2" name="Title 1"/>
-          <p:cNvSpPr>
-            <a:spLocks noGrp="1"/>
-          </p:cNvSpPr>
-          <p:nvPr>
-            <p:ph type="ctrTitle"/>
-          </p:nvPr>
-        </p:nvSpPr>
-        <p:spPr/>
-        <p:txBody>
-          <a:bodyPr/>
-          <a:lstStyle/>
-          <a:p>
-            <a:r>
+          <p:cNvPr id="2" name="Rectangle 1"/>
+          <p:cNvSpPr/>
+          <p:nvPr/>
+        </p:nvSpPr>
+        <p:spPr>
+          <a:xfrm>
+            <a:off x="0" y="0"/>
+            <a:ext cx="12191695" cy="6858000"/>
+          </a:xfrm>
+          <a:prstGeom prst="rect">
+            <a:avLst/>
+          </a:prstGeom>
+          <a:solidFill>
+            <a:srgbClr val="102539"/>
+          </a:solidFill>
+          <a:ln>
+            <a:noFill/>
+          </a:ln>
+        </p:spPr>
+        <p:style>
+          <a:lnRef idx="1">
+            <a:schemeClr val="accent1"/>
+          </a:lnRef>
+          <a:fillRef idx="3">
+            <a:schemeClr val="accent1"/>
+          </a:fillRef>
+          <a:effectRef idx="2">
+            <a:schemeClr val="accent1"/>
+          </a:effectRef>
+          <a:fontRef idx="minor">
+            <a:schemeClr val="lt1"/>
+          </a:fontRef>
+        </p:style>
+        <p:txBody>
+          <a:bodyPr rtlCol="0" anchor="ctr"/>
+          <a:lstStyle/>
+          <a:p>
+            <a:pPr algn="ctr"/>
+          </a:p>
+        </p:txBody>
+      </p:sp>
+      <p:sp>
+        <p:nvSpPr>
+          <p:cNvPr id="3" name="Oval 2"/>
+          <p:cNvSpPr/>
+          <p:nvPr/>
+        </p:nvSpPr>
+        <p:spPr>
+          <a:xfrm>
+            <a:off x="9875520" y="-914400"/>
+            <a:ext cx="2743200" cy="2743200"/>
+          </a:xfrm>
+          <a:prstGeom prst="ellipse">
+            <a:avLst/>
+          </a:prstGeom>
+          <a:solidFill>
+            <a:srgbClr val="2EC4B6"/>
+          </a:solidFill>
+          <a:ln>
+            <a:noFill/>
+          </a:ln>
+        </p:spPr>
+        <p:style>
+          <a:lnRef idx="1">
+            <a:schemeClr val="accent1"/>
+          </a:lnRef>
+          <a:fillRef idx="3">
+            <a:schemeClr val="accent1"/>
+          </a:fillRef>
+          <a:effectRef idx="2">
+            <a:schemeClr val="accent1"/>
+          </a:effectRef>
+          <a:fontRef idx="minor">
+            <a:schemeClr val="lt1"/>
+          </a:fontRef>
+        </p:style>
+        <p:txBody>
+          <a:bodyPr rtlCol="0" anchor="ctr"/>
+          <a:lstStyle/>
+          <a:p>
+            <a:pPr algn="ctr"/>
+          </a:p>
+        </p:txBody>
+      </p:sp>
+      <p:sp>
+        <p:nvSpPr>
+          <p:cNvPr id="4" name="Oval 3"/>
+          <p:cNvSpPr/>
+          <p:nvPr/>
+        </p:nvSpPr>
+        <p:spPr>
+          <a:xfrm>
+            <a:off x="-1097280" y="5303520"/>
+            <a:ext cx="2926080" cy="2926080"/>
+          </a:xfrm>
+          <a:prstGeom prst="ellipse">
+            <a:avLst/>
+          </a:prstGeom>
+          <a:solidFill>
+            <a:srgbClr val="00A8E8"/>
+          </a:solidFill>
+          <a:ln>
+            <a:noFill/>
+          </a:ln>
+        </p:spPr>
+        <p:style>
+          <a:lnRef idx="1">
+            <a:schemeClr val="accent1"/>
+          </a:lnRef>
+          <a:fillRef idx="3">
+            <a:schemeClr val="accent1"/>
+          </a:fillRef>
+          <a:effectRef idx="2">
+            <a:schemeClr val="accent1"/>
+          </a:effectRef>
+          <a:fontRef idx="minor">
+            <a:schemeClr val="lt1"/>
+          </a:fontRef>
+        </p:style>
+        <p:txBody>
+          <a:bodyPr rtlCol="0" anchor="ctr"/>
+          <a:lstStyle/>
+          <a:p>
+            <a:pPr algn="ctr"/>
+          </a:p>
+        </p:txBody>
+      </p:sp>
+      <p:sp>
+        <p:nvSpPr>
+          <p:cNvPr id="5" name="TextBox 4"/>
+          <p:cNvSpPr txBox="1"/>
+          <p:nvPr/>
+        </p:nvSpPr>
+        <p:spPr>
+          <a:xfrm>
+            <a:off x="640080" y="365760"/>
+            <a:ext cx="5029200" cy="365760"/>
+          </a:xfrm>
+          <a:prstGeom prst="rect">
+            <a:avLst/>
+          </a:prstGeom>
+          <a:noFill/>
+        </p:spPr>
+        <p:txBody>
+          <a:bodyPr wrap="none">
+            <a:spAutoFit/>
+          </a:bodyPr>
+          <a:lstStyle/>
+          <a:p>
+            <a:pPr algn="l"/>
+            <a:r>
+              <a:rPr sz="1200" b="1">
+                <a:solidFill>
+                  <a:srgbClr val="D6E7F5"/>
+                </a:solidFill>
+                <a:latin typeface="Avenir Next"/>
+              </a:rPr>
+              <a:t>INSY 674 Final Project</a:t>
+            </a:r>
+          </a:p>
+        </p:txBody>
+      </p:sp>
+      <p:sp>
+        <p:nvSpPr>
+          <p:cNvPr id="6" name="TextBox 5"/>
+          <p:cNvSpPr txBox="1"/>
+          <p:nvPr/>
+        </p:nvSpPr>
+        <p:spPr>
+          <a:xfrm>
+            <a:off x="640080" y="731520"/>
+            <a:ext cx="10881360" cy="1097280"/>
+          </a:xfrm>
+          <a:prstGeom prst="rect">
+            <a:avLst/>
+          </a:prstGeom>
+          <a:noFill/>
+        </p:spPr>
+        <p:txBody>
+          <a:bodyPr wrap="none">
+            <a:spAutoFit/>
+          </a:bodyPr>
+          <a:lstStyle/>
+          <a:p>
+            <a:pPr algn="l"/>
+            <a:r>
+              <a:rPr sz="4600" b="1">
+                <a:solidFill>
+                  <a:srgbClr val="F8FBFF"/>
+                </a:solidFill>
+                <a:latin typeface="Avenir Next"/>
+              </a:rPr>
               <a:t>Customer Lifetime Value Prediction</a:t>
             </a:r>
           </a:p>
@@ -3125,64 +3306,70 @@
       </p:sp>
       <p:sp>
         <p:nvSpPr>
-          <p:cNvPr id="3" name="Subtitle 2"/>
-          <p:cNvSpPr>
-            <a:spLocks noGrp="1"/>
-          </p:cNvSpPr>
-          <p:nvPr>
-            <p:ph type="subTitle" idx="1"/>
-          </p:nvPr>
-        </p:nvSpPr>
-        <p:spPr/>
-        <p:txBody>
-          <a:bodyPr/>
-          <a:lstStyle/>
-          <a:p>
-            <a:pPr>
-              <a:defRPr sz="1600"/>
-            </a:pPr>
-            <a:r>
-              <a:t>Final Project Presentation (15 minutes)</a:t>
-            </a:r>
-          </a:p>
-          <a:p>
-            <a:pPr>
-              <a:defRPr sz="1600"/>
-            </a:pPr>
-            <a:r>
-              <a:t>Team: The Starks</a:t>
-            </a:r>
-          </a:p>
-          <a:p>
-            <a:pPr>
-              <a:defRPr sz="1600"/>
-            </a:pPr>
-            <a:r>
-              <a:t>Othmane Zizi (261255341) | GitHub: @othmane-zizi-pro</a:t>
-            </a:r>
-          </a:p>
-          <a:p>
-            <a:pPr>
-              <a:defRPr sz="1600"/>
-            </a:pPr>
-            <a:r>
-              <a:t>Fares Joni (261254593) | GitHub: @FaresJ81</a:t>
-            </a:r>
-          </a:p>
-          <a:p>
-            <a:pPr>
-              <a:defRPr sz="1600"/>
-            </a:pPr>
-            <a:r>
-              <a:t>Tanmay Giri (261272443) | GitHub: @tanmaysgiri</a:t>
-            </a:r>
-          </a:p>
-          <a:p>
-            <a:pPr>
-              <a:defRPr sz="1600"/>
-            </a:pPr>
-            <a:r>
-              <a:t>Repository: https://github.com/othmane-zizi-pro/nwa</a:t>
+          <p:cNvPr id="7" name="TextBox 6"/>
+          <p:cNvSpPr txBox="1"/>
+          <p:nvPr/>
+        </p:nvSpPr>
+        <p:spPr>
+          <a:xfrm>
+            <a:off x="822960" y="2011680"/>
+            <a:ext cx="10515600" cy="2377440"/>
+          </a:xfrm>
+          <a:prstGeom prst="rect">
+            <a:avLst/>
+          </a:prstGeom>
+          <a:noFill/>
+        </p:spPr>
+        <p:txBody>
+          <a:bodyPr wrap="none">
+            <a:spAutoFit/>
+          </a:bodyPr>
+          <a:lstStyle/>
+          <a:p>
+            <a:pPr algn="ctr"/>
+            <a:r>
+              <a:rPr sz="2200" b="0">
+                <a:solidFill>
+                  <a:srgbClr val="DCEBF6"/>
+                </a:solidFill>
+                <a:latin typeface="Avenir Next"/>
+              </a:rPr>
+              <a:t>Predictive modeling, explainability, causal inference, and monitoring for an end-to-end enterprise data science workflow.</a:t>
+            </a:r>
+          </a:p>
+        </p:txBody>
+      </p:sp>
+      <p:sp>
+        <p:nvSpPr>
+          <p:cNvPr id="8" name="TextBox 7"/>
+          <p:cNvSpPr txBox="1"/>
+          <p:nvPr/>
+        </p:nvSpPr>
+        <p:spPr>
+          <a:xfrm>
+            <a:off x="822960" y="5943600"/>
+            <a:ext cx="10515600" cy="457200"/>
+          </a:xfrm>
+          <a:prstGeom prst="rect">
+            <a:avLst/>
+          </a:prstGeom>
+          <a:noFill/>
+        </p:spPr>
+        <p:txBody>
+          <a:bodyPr wrap="none">
+            <a:spAutoFit/>
+          </a:bodyPr>
+          <a:lstStyle/>
+          <a:p>
+            <a:pPr algn="ctr"/>
+            <a:r>
+              <a:rPr sz="1400" b="0">
+                <a:solidFill>
+                  <a:srgbClr val="DCEBF6"/>
+                </a:solidFill>
+                <a:latin typeface="Avenir Next"/>
+              </a:rPr>
+              <a:t>Othmane Zizi (261255341) | Fares Joni (261254593) | Tanmay Giri (261272443) | https://github.com/othmane-zizi-pro/nwa</a:t>
             </a:r>
           </a:p>
         </p:txBody>
@@ -3207,35 +3394,213 @@
       <p:grpSpPr/>
       <p:sp>
         <p:nvSpPr>
-          <p:cNvPr id="2" name="Title 1"/>
-          <p:cNvSpPr>
-            <a:spLocks noGrp="1"/>
-          </p:cNvSpPr>
-          <p:nvPr>
-            <p:ph type="title"/>
-          </p:nvPr>
-        </p:nvSpPr>
-        <p:spPr/>
-        <p:txBody>
-          <a:bodyPr/>
-          <a:lstStyle/>
-          <a:p>
-            <a:r>
-              <a:t>10. Section Divider: Causal Inference</a:t>
-            </a:r>
-          </a:p>
-        </p:txBody>
-      </p:sp>
-      <p:sp>
-        <p:nvSpPr>
-          <p:cNvPr id="3" name="TextBox 2"/>
+          <p:cNvPr id="2" name="Rectangle 1"/>
+          <p:cNvSpPr/>
+          <p:nvPr/>
+        </p:nvSpPr>
+        <p:spPr>
+          <a:xfrm>
+            <a:off x="0" y="0"/>
+            <a:ext cx="12191695" cy="6858000"/>
+          </a:xfrm>
+          <a:prstGeom prst="rect">
+            <a:avLst/>
+          </a:prstGeom>
+          <a:solidFill>
+            <a:srgbClr val="F8F5F1"/>
+          </a:solidFill>
+          <a:ln>
+            <a:noFill/>
+          </a:ln>
+        </p:spPr>
+        <p:style>
+          <a:lnRef idx="1">
+            <a:schemeClr val="accent1"/>
+          </a:lnRef>
+          <a:fillRef idx="3">
+            <a:schemeClr val="accent1"/>
+          </a:fillRef>
+          <a:effectRef idx="2">
+            <a:schemeClr val="accent1"/>
+          </a:effectRef>
+          <a:fontRef idx="minor">
+            <a:schemeClr val="lt1"/>
+          </a:fontRef>
+        </p:style>
+        <p:txBody>
+          <a:bodyPr rtlCol="0" anchor="ctr"/>
+          <a:lstStyle/>
+          <a:p>
+            <a:pPr algn="ctr"/>
+          </a:p>
+        </p:txBody>
+      </p:sp>
+      <p:sp>
+        <p:nvSpPr>
+          <p:cNvPr id="3" name="Oval 2"/>
+          <p:cNvSpPr/>
+          <p:nvPr/>
+        </p:nvSpPr>
+        <p:spPr>
+          <a:xfrm>
+            <a:off x="9875520" y="-914400"/>
+            <a:ext cx="2743200" cy="2743200"/>
+          </a:xfrm>
+          <a:prstGeom prst="ellipse">
+            <a:avLst/>
+          </a:prstGeom>
+          <a:solidFill>
+            <a:srgbClr val="2EC4B6"/>
+          </a:solidFill>
+          <a:ln>
+            <a:noFill/>
+          </a:ln>
+        </p:spPr>
+        <p:style>
+          <a:lnRef idx="1">
+            <a:schemeClr val="accent1"/>
+          </a:lnRef>
+          <a:fillRef idx="3">
+            <a:schemeClr val="accent1"/>
+          </a:fillRef>
+          <a:effectRef idx="2">
+            <a:schemeClr val="accent1"/>
+          </a:effectRef>
+          <a:fontRef idx="minor">
+            <a:schemeClr val="lt1"/>
+          </a:fontRef>
+        </p:style>
+        <p:txBody>
+          <a:bodyPr rtlCol="0" anchor="ctr"/>
+          <a:lstStyle/>
+          <a:p>
+            <a:pPr algn="ctr"/>
+          </a:p>
+        </p:txBody>
+      </p:sp>
+      <p:sp>
+        <p:nvSpPr>
+          <p:cNvPr id="4" name="Oval 3"/>
+          <p:cNvSpPr/>
+          <p:nvPr/>
+        </p:nvSpPr>
+        <p:spPr>
+          <a:xfrm>
+            <a:off x="-1097280" y="5303520"/>
+            <a:ext cx="2926080" cy="2926080"/>
+          </a:xfrm>
+          <a:prstGeom prst="ellipse">
+            <a:avLst/>
+          </a:prstGeom>
+          <a:solidFill>
+            <a:srgbClr val="00A8E8"/>
+          </a:solidFill>
+          <a:ln>
+            <a:noFill/>
+          </a:ln>
+        </p:spPr>
+        <p:style>
+          <a:lnRef idx="1">
+            <a:schemeClr val="accent1"/>
+          </a:lnRef>
+          <a:fillRef idx="3">
+            <a:schemeClr val="accent1"/>
+          </a:fillRef>
+          <a:effectRef idx="2">
+            <a:schemeClr val="accent1"/>
+          </a:effectRef>
+          <a:fontRef idx="minor">
+            <a:schemeClr val="lt1"/>
+          </a:fontRef>
+        </p:style>
+        <p:txBody>
+          <a:bodyPr rtlCol="0" anchor="ctr"/>
+          <a:lstStyle/>
+          <a:p>
+            <a:pPr algn="ctr"/>
+          </a:p>
+        </p:txBody>
+      </p:sp>
+      <p:sp>
+        <p:nvSpPr>
+          <p:cNvPr id="5" name="TextBox 4"/>
           <p:cNvSpPr txBox="1"/>
           <p:nvPr/>
         </p:nvSpPr>
         <p:spPr>
           <a:xfrm>
-            <a:off x="457200" y="1188720"/>
-            <a:ext cx="11430000" cy="5303520"/>
+            <a:off x="640080" y="365760"/>
+            <a:ext cx="5029200" cy="365760"/>
+          </a:xfrm>
+          <a:prstGeom prst="rect">
+            <a:avLst/>
+          </a:prstGeom>
+          <a:noFill/>
+        </p:spPr>
+        <p:txBody>
+          <a:bodyPr wrap="none">
+            <a:spAutoFit/>
+          </a:bodyPr>
+          <a:lstStyle/>
+          <a:p>
+            <a:pPr algn="l"/>
+            <a:r>
+              <a:rPr sz="1200" b="1">
+                <a:solidFill>
+                  <a:srgbClr val="236F96"/>
+                </a:solidFill>
+                <a:latin typeface="Avenir Next"/>
+              </a:rPr>
+              <a:t>Explainability</a:t>
+            </a:r>
+          </a:p>
+        </p:txBody>
+      </p:sp>
+      <p:sp>
+        <p:nvSpPr>
+          <p:cNvPr id="6" name="TextBox 5"/>
+          <p:cNvSpPr txBox="1"/>
+          <p:nvPr/>
+        </p:nvSpPr>
+        <p:spPr>
+          <a:xfrm>
+            <a:off x="640080" y="731520"/>
+            <a:ext cx="10881360" cy="1097280"/>
+          </a:xfrm>
+          <a:prstGeom prst="rect">
+            <a:avLst/>
+          </a:prstGeom>
+          <a:noFill/>
+        </p:spPr>
+        <p:txBody>
+          <a:bodyPr wrap="none">
+            <a:spAutoFit/>
+          </a:bodyPr>
+          <a:lstStyle/>
+          <a:p>
+            <a:pPr algn="l"/>
+            <a:r>
+              <a:rPr sz="3600" b="1">
+                <a:solidFill>
+                  <a:srgbClr val="0C1821"/>
+                </a:solidFill>
+                <a:latin typeface="Avenir Next"/>
+              </a:rPr>
+              <a:t>SHAP Explainability (5.9.6)</a:t>
+            </a:r>
+          </a:p>
+        </p:txBody>
+      </p:sp>
+      <p:sp>
+        <p:nvSpPr>
+          <p:cNvPr id="7" name="TextBox 6"/>
+          <p:cNvSpPr txBox="1"/>
+          <p:nvPr/>
+        </p:nvSpPr>
+        <p:spPr>
+          <a:xfrm>
+            <a:off x="731520" y="1828800"/>
+            <a:ext cx="6949440" cy="4389120"/>
           </a:xfrm>
           <a:prstGeom prst="rect">
             <a:avLst/>
@@ -3249,22 +3614,94 @@
           <a:lstStyle/>
           <a:p>
             <a:pPr>
-              <a:defRPr sz="2200"/>
+              <a:spcAft>
+                <a:spcPts val="800"/>
+              </a:spcAft>
+              <a:defRPr sz="2200" b="0">
+                <a:solidFill>
+                  <a:srgbClr val="12222F"/>
+                </a:solidFill>
+                <a:latin typeface="Avenir Next"/>
+              </a:defRPr>
             </a:pPr>
             <a:r>
-              <a:t>Second phase required by assignment: CausalML analysis on treatment effects.</a:t>
+              <a:t>SHAP confirms direction and magnitude of global drivers.</a:t>
             </a:r>
           </a:p>
           <a:p>
             <a:pPr>
-              <a:defRPr sz="2200"/>
+              <a:spcAft>
+                <a:spcPts val="800"/>
+              </a:spcAft>
+              <a:defRPr sz="2200" b="0">
+                <a:solidFill>
+                  <a:srgbClr val="12222F"/>
+                </a:solidFill>
+                <a:latin typeface="Avenir Next"/>
+              </a:defRPr>
             </a:pPr>
             <a:r>
-              <a:t>Goal: move from prediction to intervention impact estimation.</a:t>
-            </a:r>
-          </a:p>
-        </p:txBody>
-      </p:sp>
+              <a:t>Monetary and frequency behavior dominate prediction contributions.</a:t>
+            </a:r>
+          </a:p>
+          <a:p>
+            <a:pPr>
+              <a:spcAft>
+                <a:spcPts val="800"/>
+              </a:spcAft>
+              <a:defRPr sz="2200" b="0">
+                <a:solidFill>
+                  <a:srgbClr val="12222F"/>
+                </a:solidFill>
+                <a:latin typeface="Avenir Next"/>
+              </a:defRPr>
+            </a:pPr>
+            <a:r>
+              <a:t>Interpretability supports stakeholder trust and campaign governance.</a:t>
+            </a:r>
+          </a:p>
+          <a:p>
+            <a:pPr>
+              <a:spcAft>
+                <a:spcPts val="800"/>
+              </a:spcAft>
+              <a:defRPr sz="2200" b="0">
+                <a:solidFill>
+                  <a:srgbClr val="12222F"/>
+                </a:solidFill>
+                <a:latin typeface="Avenir Next"/>
+              </a:defRPr>
+            </a:pPr>
+            <a:r>
+              <a:t>Lift@10% = 6.69x over random targeting.</a:t>
+            </a:r>
+          </a:p>
+        </p:txBody>
+      </p:sp>
+      <p:pic>
+        <p:nvPicPr>
+          <p:cNvPr id="8" name="Picture 7" descr="shap_summary.png"/>
+          <p:cNvPicPr>
+            <a:picLocks noChangeAspect="1"/>
+          </p:cNvPicPr>
+          <p:nvPr/>
+        </p:nvPicPr>
+        <p:blipFill>
+          <a:blip r:embed="rId2"/>
+          <a:stretch>
+            <a:fillRect/>
+          </a:stretch>
+        </p:blipFill>
+        <p:spPr>
+          <a:xfrm>
+            <a:off x="7863840" y="2905304"/>
+            <a:ext cx="3840480" cy="2236110"/>
+          </a:xfrm>
+          <a:prstGeom prst="rect">
+            <a:avLst/>
+          </a:prstGeom>
+        </p:spPr>
+      </p:pic>
     </p:spTree>
   </p:cSld>
   <p:clrMapOvr>
@@ -3285,35 +3722,143 @@
       <p:grpSpPr/>
       <p:sp>
         <p:nvSpPr>
-          <p:cNvPr id="2" name="Title 1"/>
-          <p:cNvSpPr>
-            <a:spLocks noGrp="1"/>
-          </p:cNvSpPr>
-          <p:nvPr>
-            <p:ph type="title"/>
-          </p:nvPr>
-        </p:nvSpPr>
-        <p:spPr/>
-        <p:txBody>
-          <a:bodyPr/>
-          <a:lstStyle/>
-          <a:p>
-            <a:r>
-              <a:t>11. Causal Phase Setup</a:t>
-            </a:r>
-          </a:p>
-        </p:txBody>
-      </p:sp>
-      <p:sp>
-        <p:nvSpPr>
-          <p:cNvPr id="3" name="TextBox 2"/>
+          <p:cNvPr id="2" name="Rectangle 1"/>
+          <p:cNvSpPr/>
+          <p:nvPr/>
+        </p:nvSpPr>
+        <p:spPr>
+          <a:xfrm>
+            <a:off x="0" y="0"/>
+            <a:ext cx="12191695" cy="6858000"/>
+          </a:xfrm>
+          <a:prstGeom prst="rect">
+            <a:avLst/>
+          </a:prstGeom>
+          <a:solidFill>
+            <a:srgbClr val="102539"/>
+          </a:solidFill>
+          <a:ln>
+            <a:noFill/>
+          </a:ln>
+        </p:spPr>
+        <p:style>
+          <a:lnRef idx="1">
+            <a:schemeClr val="accent1"/>
+          </a:lnRef>
+          <a:fillRef idx="3">
+            <a:schemeClr val="accent1"/>
+          </a:fillRef>
+          <a:effectRef idx="2">
+            <a:schemeClr val="accent1"/>
+          </a:effectRef>
+          <a:fontRef idx="minor">
+            <a:schemeClr val="lt1"/>
+          </a:fontRef>
+        </p:style>
+        <p:txBody>
+          <a:bodyPr rtlCol="0" anchor="ctr"/>
+          <a:lstStyle/>
+          <a:p>
+            <a:pPr algn="ctr"/>
+          </a:p>
+        </p:txBody>
+      </p:sp>
+      <p:sp>
+        <p:nvSpPr>
+          <p:cNvPr id="3" name="Oval 2"/>
+          <p:cNvSpPr/>
+          <p:nvPr/>
+        </p:nvSpPr>
+        <p:spPr>
+          <a:xfrm>
+            <a:off x="9875520" y="-914400"/>
+            <a:ext cx="2743200" cy="2743200"/>
+          </a:xfrm>
+          <a:prstGeom prst="ellipse">
+            <a:avLst/>
+          </a:prstGeom>
+          <a:solidFill>
+            <a:srgbClr val="2EC4B6"/>
+          </a:solidFill>
+          <a:ln>
+            <a:noFill/>
+          </a:ln>
+        </p:spPr>
+        <p:style>
+          <a:lnRef idx="1">
+            <a:schemeClr val="accent1"/>
+          </a:lnRef>
+          <a:fillRef idx="3">
+            <a:schemeClr val="accent1"/>
+          </a:fillRef>
+          <a:effectRef idx="2">
+            <a:schemeClr val="accent1"/>
+          </a:effectRef>
+          <a:fontRef idx="minor">
+            <a:schemeClr val="lt1"/>
+          </a:fontRef>
+        </p:style>
+        <p:txBody>
+          <a:bodyPr rtlCol="0" anchor="ctr"/>
+          <a:lstStyle/>
+          <a:p>
+            <a:pPr algn="ctr"/>
+          </a:p>
+        </p:txBody>
+      </p:sp>
+      <p:sp>
+        <p:nvSpPr>
+          <p:cNvPr id="4" name="Oval 3"/>
+          <p:cNvSpPr/>
+          <p:nvPr/>
+        </p:nvSpPr>
+        <p:spPr>
+          <a:xfrm>
+            <a:off x="-1097280" y="5303520"/>
+            <a:ext cx="2926080" cy="2926080"/>
+          </a:xfrm>
+          <a:prstGeom prst="ellipse">
+            <a:avLst/>
+          </a:prstGeom>
+          <a:solidFill>
+            <a:srgbClr val="00A8E8"/>
+          </a:solidFill>
+          <a:ln>
+            <a:noFill/>
+          </a:ln>
+        </p:spPr>
+        <p:style>
+          <a:lnRef idx="1">
+            <a:schemeClr val="accent1"/>
+          </a:lnRef>
+          <a:fillRef idx="3">
+            <a:schemeClr val="accent1"/>
+          </a:fillRef>
+          <a:effectRef idx="2">
+            <a:schemeClr val="accent1"/>
+          </a:effectRef>
+          <a:fontRef idx="minor">
+            <a:schemeClr val="lt1"/>
+          </a:fontRef>
+        </p:style>
+        <p:txBody>
+          <a:bodyPr rtlCol="0" anchor="ctr"/>
+          <a:lstStyle/>
+          <a:p>
+            <a:pPr algn="ctr"/>
+          </a:p>
+        </p:txBody>
+      </p:sp>
+      <p:sp>
+        <p:nvSpPr>
+          <p:cNvPr id="5" name="TextBox 4"/>
           <p:cNvSpPr txBox="1"/>
           <p:nvPr/>
         </p:nvSpPr>
         <p:spPr>
           <a:xfrm>
-            <a:off x="457200" y="1188720"/>
-            <a:ext cx="11430000" cy="5303520"/>
+            <a:off x="640080" y="365760"/>
+            <a:ext cx="5029200" cy="365760"/>
           </a:xfrm>
           <a:prstGeom prst="rect">
             <a:avLst/>
@@ -3321,40 +3866,90 @@
           <a:noFill/>
         </p:spPr>
         <p:txBody>
-          <a:bodyPr wrap="square">
+          <a:bodyPr wrap="none">
             <a:spAutoFit/>
           </a:bodyPr>
           <a:lstStyle/>
           <a:p>
-            <a:pPr>
-              <a:defRPr sz="2200"/>
-            </a:pPr>
-            <a:r>
-              <a:t>Outcome (target): log1p(CLV).</a:t>
-            </a:r>
-          </a:p>
-          <a:p>
-            <a:pPr>
-              <a:defRPr sz="2200"/>
-            </a:pPr>
-            <a:r>
-              <a:t>Treatment: campaign vs control assignment.</a:t>
-            </a:r>
-          </a:p>
-          <a:p>
-            <a:pPr>
-              <a:defRPr sz="2200"/>
-            </a:pPr>
-            <a:r>
-              <a:t>Controls: RFM + behavioral feature set.</a:t>
-            </a:r>
-          </a:p>
-          <a:p>
-            <a:pPr>
-              <a:defRPr sz="2200"/>
-            </a:pPr>
-            <a:r>
-              <a:t>Required models: LRSRegressor and XGBTRegressor.</a:t>
+            <a:pPr algn="l"/>
+            <a:r>
+              <a:rPr sz="1200" b="1">
+                <a:solidFill>
+                  <a:srgbClr val="D6E7F5"/>
+                </a:solidFill>
+                <a:latin typeface="Avenir Next"/>
+              </a:rPr>
+              <a:t>Phase 2</a:t>
+            </a:r>
+          </a:p>
+        </p:txBody>
+      </p:sp>
+      <p:sp>
+        <p:nvSpPr>
+          <p:cNvPr id="6" name="TextBox 5"/>
+          <p:cNvSpPr txBox="1"/>
+          <p:nvPr/>
+        </p:nvSpPr>
+        <p:spPr>
+          <a:xfrm>
+            <a:off x="640080" y="731520"/>
+            <a:ext cx="10881360" cy="1097280"/>
+          </a:xfrm>
+          <a:prstGeom prst="rect">
+            <a:avLst/>
+          </a:prstGeom>
+          <a:noFill/>
+        </p:spPr>
+        <p:txBody>
+          <a:bodyPr wrap="none">
+            <a:spAutoFit/>
+          </a:bodyPr>
+          <a:lstStyle/>
+          <a:p>
+            <a:pPr algn="l"/>
+            <a:r>
+              <a:rPr sz="4600" b="1">
+                <a:solidFill>
+                  <a:srgbClr val="F8FBFF"/>
+                </a:solidFill>
+                <a:latin typeface="Avenir Next"/>
+              </a:rPr>
+              <a:t>CausalML Phase</a:t>
+            </a:r>
+          </a:p>
+        </p:txBody>
+      </p:sp>
+      <p:sp>
+        <p:nvSpPr>
+          <p:cNvPr id="7" name="TextBox 6"/>
+          <p:cNvSpPr txBox="1"/>
+          <p:nvPr/>
+        </p:nvSpPr>
+        <p:spPr>
+          <a:xfrm>
+            <a:off x="822960" y="2011680"/>
+            <a:ext cx="10515600" cy="2377440"/>
+          </a:xfrm>
+          <a:prstGeom prst="rect">
+            <a:avLst/>
+          </a:prstGeom>
+          <a:noFill/>
+        </p:spPr>
+        <p:txBody>
+          <a:bodyPr wrap="none">
+            <a:spAutoFit/>
+          </a:bodyPr>
+          <a:lstStyle/>
+          <a:p>
+            <a:pPr algn="ctr"/>
+            <a:r>
+              <a:rPr sz="2200" b="0">
+                <a:solidFill>
+                  <a:srgbClr val="DCEBF6"/>
+                </a:solidFill>
+                <a:latin typeface="Avenir Next"/>
+              </a:rPr>
+              <a:t>From prediction to intervention impact estimation</a:t>
             </a:r>
           </a:p>
         </p:txBody>
@@ -3379,239 +3974,505 @@
       <p:grpSpPr/>
       <p:sp>
         <p:nvSpPr>
-          <p:cNvPr id="2" name="Title 1"/>
-          <p:cNvSpPr>
-            <a:spLocks noGrp="1"/>
-          </p:cNvSpPr>
-          <p:nvPr>
-            <p:ph type="title"/>
-          </p:nvPr>
-        </p:nvSpPr>
-        <p:spPr/>
-        <p:txBody>
-          <a:bodyPr/>
-          <a:lstStyle/>
-          <a:p>
-            <a:r>
-              <a:t>12. Causal Results</a:t>
-            </a:r>
-          </a:p>
-        </p:txBody>
-      </p:sp>
-      <p:graphicFrame>
-        <p:nvGraphicFramePr>
-          <p:cNvPr id="3" name="Table 2"/>
-          <p:cNvGraphicFramePr>
-            <a:graphicFrameLocks noGrp="1"/>
-          </p:cNvGraphicFramePr>
-          <p:nvPr/>
-        </p:nvGraphicFramePr>
-        <p:xfrm>
-          <a:off x="365760" y="1280160"/>
-          <a:ext cx="11430000" cy="4846320"/>
-        </p:xfrm>
-        <a:graphic>
-          <a:graphicData uri="http://schemas.openxmlformats.org/drawingml/2006/table">
-            <a:tbl>
-              <a:tblPr firstRow="1" bandRow="1">
-                <a:tableStyleId>{5C22544A-7EE6-4342-B048-85BDC9FD1C3A}</a:tableStyleId>
-              </a:tblPr>
-              <a:tblGrid>
-                <a:gridCol w="2857500"/>
-                <a:gridCol w="2857500"/>
-                <a:gridCol w="2857500"/>
-                <a:gridCol w="2857500"/>
-              </a:tblGrid>
-              <a:tr h="1615440">
-                <a:tc>
-                  <a:txBody>
-                    <a:bodyPr/>
-                    <a:lstStyle/>
-                    <a:p>
-                      <a:pPr>
-                        <a:defRPr b="1" sz="1500"/>
-                      </a:pPr>
-                      <a:r>
-                        <a:t>Model</a:t>
-                      </a:r>
-                    </a:p>
-                  </a:txBody>
-                  <a:tcPr/>
-                </a:tc>
-                <a:tc>
-                  <a:txBody>
-                    <a:bodyPr/>
-                    <a:lstStyle/>
-                    <a:p>
-                      <a:pPr>
-                        <a:defRPr b="1" sz="1500"/>
-                      </a:pPr>
-                      <a:r>
-                        <a:t>ATE (log1p CLV)</a:t>
-                      </a:r>
-                    </a:p>
-                  </a:txBody>
-                  <a:tcPr/>
-                </a:tc>
-                <a:tc>
-                  <a:txBody>
-                    <a:bodyPr/>
-                    <a:lstStyle/>
-                    <a:p>
-                      <a:pPr>
-                        <a:defRPr b="1" sz="1500"/>
-                      </a:pPr>
-                      <a:r>
-                        <a:t>CI Lower</a:t>
-                      </a:r>
-                    </a:p>
-                  </a:txBody>
-                  <a:tcPr/>
-                </a:tc>
-                <a:tc>
-                  <a:txBody>
-                    <a:bodyPr/>
-                    <a:lstStyle/>
-                    <a:p>
-                      <a:pPr>
-                        <a:defRPr b="1" sz="1500"/>
-                      </a:pPr>
-                      <a:r>
-                        <a:t>CI Upper</a:t>
-                      </a:r>
-                    </a:p>
-                  </a:txBody>
-                  <a:tcPr/>
-                </a:tc>
-              </a:tr>
-              <a:tr h="1615440">
-                <a:tc>
-                  <a:txBody>
-                    <a:bodyPr/>
-                    <a:lstStyle/>
-                    <a:p>
-                      <a:pPr>
-                        <a:defRPr sz="1300"/>
-                      </a:pPr>
-                      <a:r>
-                        <a:t>LRSRegressor</a:t>
-                      </a:r>
-                    </a:p>
-                  </a:txBody>
-                  <a:tcPr/>
-                </a:tc>
-                <a:tc>
-                  <a:txBody>
-                    <a:bodyPr/>
-                    <a:lstStyle/>
-                    <a:p>
-                      <a:pPr>
-                        <a:defRPr sz="1300"/>
-                      </a:pPr>
-                      <a:r>
-                        <a:t>-0.1785</a:t>
-                      </a:r>
-                    </a:p>
-                  </a:txBody>
-                  <a:tcPr/>
-                </a:tc>
-                <a:tc>
-                  <a:txBody>
-                    <a:bodyPr/>
-                    <a:lstStyle/>
-                    <a:p>
-                      <a:pPr>
-                        <a:defRPr sz="1300"/>
-                      </a:pPr>
-                      <a:r>
-                        <a:t>-0.3783</a:t>
-                      </a:r>
-                    </a:p>
-                  </a:txBody>
-                  <a:tcPr/>
-                </a:tc>
-                <a:tc>
-                  <a:txBody>
-                    <a:bodyPr/>
-                    <a:lstStyle/>
-                    <a:p>
-                      <a:pPr>
-                        <a:defRPr sz="1300"/>
-                      </a:pPr>
-                      <a:r>
-                        <a:t>0.0213</a:t>
-                      </a:r>
-                    </a:p>
-                  </a:txBody>
-                  <a:tcPr/>
-                </a:tc>
-              </a:tr>
-              <a:tr h="1615440">
-                <a:tc>
-                  <a:txBody>
-                    <a:bodyPr/>
-                    <a:lstStyle/>
-                    <a:p>
-                      <a:pPr>
-                        <a:defRPr sz="1300"/>
-                      </a:pPr>
-                      <a:r>
-                        <a:t>XGBTRegressor</a:t>
-                      </a:r>
-                    </a:p>
-                  </a:txBody>
-                  <a:tcPr/>
-                </a:tc>
-                <a:tc>
-                  <a:txBody>
-                    <a:bodyPr/>
-                    <a:lstStyle/>
-                    <a:p>
-                      <a:pPr>
-                        <a:defRPr sz="1300"/>
-                      </a:pPr>
-                      <a:r>
-                        <a:t>-0.1673</a:t>
-                      </a:r>
-                    </a:p>
-                  </a:txBody>
-                  <a:tcPr/>
-                </a:tc>
-                <a:tc>
-                  <a:txBody>
-                    <a:bodyPr/>
-                    <a:lstStyle/>
-                    <a:p>
-                      <a:pPr>
-                        <a:defRPr sz="1300"/>
-                      </a:pPr>
-                      <a:r>
-                        <a:t>-0.2575</a:t>
-                      </a:r>
-                    </a:p>
-                  </a:txBody>
-                  <a:tcPr/>
-                </a:tc>
-                <a:tc>
-                  <a:txBody>
-                    <a:bodyPr/>
-                    <a:lstStyle/>
-                    <a:p>
-                      <a:pPr>
-                        <a:defRPr sz="1300"/>
-                      </a:pPr>
-                      <a:r>
-                        <a:t>-0.0770</a:t>
-                      </a:r>
-                    </a:p>
-                  </a:txBody>
-                  <a:tcPr/>
-                </a:tc>
-              </a:tr>
-            </a:tbl>
-          </a:graphicData>
-        </a:graphic>
-      </p:graphicFrame>
+          <p:cNvPr id="2" name="Rectangle 1"/>
+          <p:cNvSpPr/>
+          <p:nvPr/>
+        </p:nvSpPr>
+        <p:spPr>
+          <a:xfrm>
+            <a:off x="0" y="0"/>
+            <a:ext cx="12191695" cy="6858000"/>
+          </a:xfrm>
+          <a:prstGeom prst="rect">
+            <a:avLst/>
+          </a:prstGeom>
+          <a:solidFill>
+            <a:srgbClr val="F8F5F1"/>
+          </a:solidFill>
+          <a:ln>
+            <a:noFill/>
+          </a:ln>
+        </p:spPr>
+        <p:style>
+          <a:lnRef idx="1">
+            <a:schemeClr val="accent1"/>
+          </a:lnRef>
+          <a:fillRef idx="3">
+            <a:schemeClr val="accent1"/>
+          </a:fillRef>
+          <a:effectRef idx="2">
+            <a:schemeClr val="accent1"/>
+          </a:effectRef>
+          <a:fontRef idx="minor">
+            <a:schemeClr val="lt1"/>
+          </a:fontRef>
+        </p:style>
+        <p:txBody>
+          <a:bodyPr rtlCol="0" anchor="ctr"/>
+          <a:lstStyle/>
+          <a:p>
+            <a:pPr algn="ctr"/>
+          </a:p>
+        </p:txBody>
+      </p:sp>
+      <p:sp>
+        <p:nvSpPr>
+          <p:cNvPr id="3" name="Oval 2"/>
+          <p:cNvSpPr/>
+          <p:nvPr/>
+        </p:nvSpPr>
+        <p:spPr>
+          <a:xfrm>
+            <a:off x="9875520" y="-914400"/>
+            <a:ext cx="2743200" cy="2743200"/>
+          </a:xfrm>
+          <a:prstGeom prst="ellipse">
+            <a:avLst/>
+          </a:prstGeom>
+          <a:solidFill>
+            <a:srgbClr val="2EC4B6"/>
+          </a:solidFill>
+          <a:ln>
+            <a:noFill/>
+          </a:ln>
+        </p:spPr>
+        <p:style>
+          <a:lnRef idx="1">
+            <a:schemeClr val="accent1"/>
+          </a:lnRef>
+          <a:fillRef idx="3">
+            <a:schemeClr val="accent1"/>
+          </a:fillRef>
+          <a:effectRef idx="2">
+            <a:schemeClr val="accent1"/>
+          </a:effectRef>
+          <a:fontRef idx="minor">
+            <a:schemeClr val="lt1"/>
+          </a:fontRef>
+        </p:style>
+        <p:txBody>
+          <a:bodyPr rtlCol="0" anchor="ctr"/>
+          <a:lstStyle/>
+          <a:p>
+            <a:pPr algn="ctr"/>
+          </a:p>
+        </p:txBody>
+      </p:sp>
+      <p:sp>
+        <p:nvSpPr>
+          <p:cNvPr id="4" name="Oval 3"/>
+          <p:cNvSpPr/>
+          <p:nvPr/>
+        </p:nvSpPr>
+        <p:spPr>
+          <a:xfrm>
+            <a:off x="-1097280" y="5303520"/>
+            <a:ext cx="2926080" cy="2926080"/>
+          </a:xfrm>
+          <a:prstGeom prst="ellipse">
+            <a:avLst/>
+          </a:prstGeom>
+          <a:solidFill>
+            <a:srgbClr val="00A8E8"/>
+          </a:solidFill>
+          <a:ln>
+            <a:noFill/>
+          </a:ln>
+        </p:spPr>
+        <p:style>
+          <a:lnRef idx="1">
+            <a:schemeClr val="accent1"/>
+          </a:lnRef>
+          <a:fillRef idx="3">
+            <a:schemeClr val="accent1"/>
+          </a:fillRef>
+          <a:effectRef idx="2">
+            <a:schemeClr val="accent1"/>
+          </a:effectRef>
+          <a:fontRef idx="minor">
+            <a:schemeClr val="lt1"/>
+          </a:fontRef>
+        </p:style>
+        <p:txBody>
+          <a:bodyPr rtlCol="0" anchor="ctr"/>
+          <a:lstStyle/>
+          <a:p>
+            <a:pPr algn="ctr"/>
+          </a:p>
+        </p:txBody>
+      </p:sp>
+      <p:sp>
+        <p:nvSpPr>
+          <p:cNvPr id="5" name="TextBox 4"/>
+          <p:cNvSpPr txBox="1"/>
+          <p:nvPr/>
+        </p:nvSpPr>
+        <p:spPr>
+          <a:xfrm>
+            <a:off x="640080" y="365760"/>
+            <a:ext cx="5029200" cy="365760"/>
+          </a:xfrm>
+          <a:prstGeom prst="rect">
+            <a:avLst/>
+          </a:prstGeom>
+          <a:noFill/>
+        </p:spPr>
+        <p:txBody>
+          <a:bodyPr wrap="none">
+            <a:spAutoFit/>
+          </a:bodyPr>
+          <a:lstStyle/>
+          <a:p>
+            <a:pPr algn="l"/>
+            <a:r>
+              <a:rPr sz="1200" b="1">
+                <a:solidFill>
+                  <a:srgbClr val="236F96"/>
+                </a:solidFill>
+                <a:latin typeface="Avenir Next"/>
+              </a:rPr>
+              <a:t>Causal Setup</a:t>
+            </a:r>
+          </a:p>
+        </p:txBody>
+      </p:sp>
+      <p:sp>
+        <p:nvSpPr>
+          <p:cNvPr id="6" name="TextBox 5"/>
+          <p:cNvSpPr txBox="1"/>
+          <p:nvPr/>
+        </p:nvSpPr>
+        <p:spPr>
+          <a:xfrm>
+            <a:off x="640080" y="731520"/>
+            <a:ext cx="10881360" cy="1097280"/>
+          </a:xfrm>
+          <a:prstGeom prst="rect">
+            <a:avLst/>
+          </a:prstGeom>
+          <a:noFill/>
+        </p:spPr>
+        <p:txBody>
+          <a:bodyPr wrap="none">
+            <a:spAutoFit/>
+          </a:bodyPr>
+          <a:lstStyle/>
+          <a:p>
+            <a:pPr algn="l"/>
+            <a:r>
+              <a:rPr sz="3600" b="1">
+                <a:solidFill>
+                  <a:srgbClr val="0C1821"/>
+                </a:solidFill>
+                <a:latin typeface="Avenir Next"/>
+              </a:rPr>
+              <a:t>Target, Treatment, Controls</a:t>
+            </a:r>
+          </a:p>
+        </p:txBody>
+      </p:sp>
+      <p:sp>
+        <p:nvSpPr>
+          <p:cNvPr id="7" name="Rounded Rectangle 6"/>
+          <p:cNvSpPr/>
+          <p:nvPr/>
+        </p:nvSpPr>
+        <p:spPr>
+          <a:xfrm>
+            <a:off x="640080" y="1828800"/>
+            <a:ext cx="5577840" cy="4389120"/>
+          </a:xfrm>
+          <a:prstGeom prst="roundRect">
+            <a:avLst/>
+          </a:prstGeom>
+          <a:solidFill>
+            <a:srgbClr val="FFFFFF"/>
+          </a:solidFill>
+          <a:ln w="12700">
+            <a:solidFill>
+              <a:srgbClr val="E9F0F6"/>
+            </a:solidFill>
+          </a:ln>
+        </p:spPr>
+        <p:style>
+          <a:lnRef idx="1">
+            <a:schemeClr val="accent1"/>
+          </a:lnRef>
+          <a:fillRef idx="3">
+            <a:schemeClr val="accent1"/>
+          </a:fillRef>
+          <a:effectRef idx="2">
+            <a:schemeClr val="accent1"/>
+          </a:effectRef>
+          <a:fontRef idx="minor">
+            <a:schemeClr val="lt1"/>
+          </a:fontRef>
+        </p:style>
+        <p:txBody>
+          <a:bodyPr rtlCol="0" anchor="ctr"/>
+          <a:lstStyle/>
+          <a:p>
+            <a:pPr algn="ctr"/>
+          </a:p>
+        </p:txBody>
+      </p:sp>
+      <p:sp>
+        <p:nvSpPr>
+          <p:cNvPr id="8" name="Rounded Rectangle 7"/>
+          <p:cNvSpPr/>
+          <p:nvPr/>
+        </p:nvSpPr>
+        <p:spPr>
+          <a:xfrm>
+            <a:off x="6355080" y="1828800"/>
+            <a:ext cx="5166360" cy="4389120"/>
+          </a:xfrm>
+          <a:prstGeom prst="roundRect">
+            <a:avLst/>
+          </a:prstGeom>
+          <a:solidFill>
+            <a:srgbClr val="FFFFFF"/>
+          </a:solidFill>
+          <a:ln w="12700">
+            <a:solidFill>
+              <a:srgbClr val="E9F0F6"/>
+            </a:solidFill>
+          </a:ln>
+        </p:spPr>
+        <p:style>
+          <a:lnRef idx="1">
+            <a:schemeClr val="accent1"/>
+          </a:lnRef>
+          <a:fillRef idx="3">
+            <a:schemeClr val="accent1"/>
+          </a:fillRef>
+          <a:effectRef idx="2">
+            <a:schemeClr val="accent1"/>
+          </a:effectRef>
+          <a:fontRef idx="minor">
+            <a:schemeClr val="lt1"/>
+          </a:fontRef>
+        </p:style>
+        <p:txBody>
+          <a:bodyPr rtlCol="0" anchor="ctr"/>
+          <a:lstStyle/>
+          <a:p>
+            <a:pPr algn="ctr"/>
+          </a:p>
+        </p:txBody>
+      </p:sp>
+      <p:sp>
+        <p:nvSpPr>
+          <p:cNvPr id="9" name="TextBox 8"/>
+          <p:cNvSpPr txBox="1"/>
+          <p:nvPr/>
+        </p:nvSpPr>
+        <p:spPr>
+          <a:xfrm>
+            <a:off x="914400" y="2011680"/>
+            <a:ext cx="5029200" cy="457200"/>
+          </a:xfrm>
+          <a:prstGeom prst="rect">
+            <a:avLst/>
+          </a:prstGeom>
+          <a:noFill/>
+        </p:spPr>
+        <p:txBody>
+          <a:bodyPr wrap="none">
+            <a:spAutoFit/>
+          </a:bodyPr>
+          <a:lstStyle/>
+          <a:p>
+            <a:pPr algn="l"/>
+            <a:r>
+              <a:rPr sz="2400" b="1">
+                <a:solidFill>
+                  <a:srgbClr val="0C1821"/>
+                </a:solidFill>
+                <a:latin typeface="Avenir Next"/>
+              </a:rPr>
+              <a:t>Definitions</a:t>
+            </a:r>
+          </a:p>
+        </p:txBody>
+      </p:sp>
+      <p:sp>
+        <p:nvSpPr>
+          <p:cNvPr id="10" name="TextBox 9"/>
+          <p:cNvSpPr txBox="1"/>
+          <p:nvPr/>
+        </p:nvSpPr>
+        <p:spPr>
+          <a:xfrm>
+            <a:off x="6629400" y="2011680"/>
+            <a:ext cx="4480560" cy="457200"/>
+          </a:xfrm>
+          <a:prstGeom prst="rect">
+            <a:avLst/>
+          </a:prstGeom>
+          <a:noFill/>
+        </p:spPr>
+        <p:txBody>
+          <a:bodyPr wrap="none">
+            <a:spAutoFit/>
+          </a:bodyPr>
+          <a:lstStyle/>
+          <a:p>
+            <a:pPr algn="l"/>
+            <a:r>
+              <a:rPr sz="2400" b="1">
+                <a:solidFill>
+                  <a:srgbClr val="0C1821"/>
+                </a:solidFill>
+                <a:latin typeface="Avenir Next"/>
+              </a:rPr>
+              <a:t>Required Methods</a:t>
+            </a:r>
+          </a:p>
+        </p:txBody>
+      </p:sp>
+      <p:sp>
+        <p:nvSpPr>
+          <p:cNvPr id="11" name="TextBox 10"/>
+          <p:cNvSpPr txBox="1"/>
+          <p:nvPr/>
+        </p:nvSpPr>
+        <p:spPr>
+          <a:xfrm>
+            <a:off x="914400" y="2560320"/>
+            <a:ext cx="5029200" cy="3474720"/>
+          </a:xfrm>
+          <a:prstGeom prst="rect">
+            <a:avLst/>
+          </a:prstGeom>
+          <a:noFill/>
+        </p:spPr>
+        <p:txBody>
+          <a:bodyPr wrap="square">
+            <a:spAutoFit/>
+          </a:bodyPr>
+          <a:lstStyle/>
+          <a:p>
+            <a:pPr>
+              <a:spcAft>
+                <a:spcPts val="800"/>
+              </a:spcAft>
+              <a:defRPr sz="2200" b="0">
+                <a:solidFill>
+                  <a:srgbClr val="12222F"/>
+                </a:solidFill>
+                <a:latin typeface="Avenir Next"/>
+              </a:defRPr>
+            </a:pPr>
+            <a:r>
+              <a:t>Outcome: log1p(CLV).</a:t>
+            </a:r>
+          </a:p>
+          <a:p>
+            <a:pPr>
+              <a:spcAft>
+                <a:spcPts val="800"/>
+              </a:spcAft>
+              <a:defRPr sz="2200" b="0">
+                <a:solidFill>
+                  <a:srgbClr val="12222F"/>
+                </a:solidFill>
+                <a:latin typeface="Avenir Next"/>
+              </a:defRPr>
+            </a:pPr>
+            <a:r>
+              <a:t>Treatment: campaign vs control assignment.</a:t>
+            </a:r>
+          </a:p>
+          <a:p>
+            <a:pPr>
+              <a:spcAft>
+                <a:spcPts val="800"/>
+              </a:spcAft>
+              <a:defRPr sz="2200" b="0">
+                <a:solidFill>
+                  <a:srgbClr val="12222F"/>
+                </a:solidFill>
+                <a:latin typeface="Avenir Next"/>
+              </a:defRPr>
+            </a:pPr>
+            <a:r>
+              <a:t>Controls: RFM + behavioral features.</a:t>
+            </a:r>
+          </a:p>
+        </p:txBody>
+      </p:sp>
+      <p:sp>
+        <p:nvSpPr>
+          <p:cNvPr id="12" name="TextBox 11"/>
+          <p:cNvSpPr txBox="1"/>
+          <p:nvPr/>
+        </p:nvSpPr>
+        <p:spPr>
+          <a:xfrm>
+            <a:off x="6629400" y="2560320"/>
+            <a:ext cx="4480560" cy="3474720"/>
+          </a:xfrm>
+          <a:prstGeom prst="rect">
+            <a:avLst/>
+          </a:prstGeom>
+          <a:noFill/>
+        </p:spPr>
+        <p:txBody>
+          <a:bodyPr wrap="square">
+            <a:spAutoFit/>
+          </a:bodyPr>
+          <a:lstStyle/>
+          <a:p>
+            <a:pPr>
+              <a:spcAft>
+                <a:spcPts val="800"/>
+              </a:spcAft>
+              <a:defRPr sz="2200" b="0">
+                <a:solidFill>
+                  <a:srgbClr val="12222F"/>
+                </a:solidFill>
+                <a:latin typeface="Avenir Next"/>
+              </a:defRPr>
+            </a:pPr>
+            <a:r>
+              <a:t>LRSRegressor (S-learner style).</a:t>
+            </a:r>
+          </a:p>
+          <a:p>
+            <a:pPr>
+              <a:spcAft>
+                <a:spcPts val="800"/>
+              </a:spcAft>
+              <a:defRPr sz="2200" b="0">
+                <a:solidFill>
+                  <a:srgbClr val="12222F"/>
+                </a:solidFill>
+                <a:latin typeface="Avenir Next"/>
+              </a:defRPr>
+            </a:pPr>
+            <a:r>
+              <a:t>XGBTRegressor (T-learner style).</a:t>
+            </a:r>
+          </a:p>
+          <a:p>
+            <a:pPr>
+              <a:spcAft>
+                <a:spcPts val="800"/>
+              </a:spcAft>
+              <a:defRPr sz="2200" b="0">
+                <a:solidFill>
+                  <a:srgbClr val="12222F"/>
+                </a:solidFill>
+                <a:latin typeface="Avenir Next"/>
+              </a:defRPr>
+            </a:pPr>
+            <a:r>
+              <a:t>Feature importance and CATE distribution analyzed in notebook 06.</a:t>
+            </a:r>
+          </a:p>
+        </p:txBody>
+      </p:sp>
     </p:spTree>
   </p:cSld>
   <p:clrMapOvr>
@@ -3632,35 +4493,143 @@
       <p:grpSpPr/>
       <p:sp>
         <p:nvSpPr>
-          <p:cNvPr id="2" name="Title 1"/>
-          <p:cNvSpPr>
-            <a:spLocks noGrp="1"/>
-          </p:cNvSpPr>
-          <p:nvPr>
-            <p:ph type="title"/>
-          </p:nvPr>
-        </p:nvSpPr>
-        <p:spPr/>
-        <p:txBody>
-          <a:bodyPr/>
-          <a:lstStyle/>
-          <a:p>
-            <a:r>
-              <a:t>13. Threats to Validity (5.9.7)</a:t>
-            </a:r>
-          </a:p>
-        </p:txBody>
-      </p:sp>
-      <p:sp>
-        <p:nvSpPr>
-          <p:cNvPr id="3" name="TextBox 2"/>
+          <p:cNvPr id="2" name="Rectangle 1"/>
+          <p:cNvSpPr/>
+          <p:nvPr/>
+        </p:nvSpPr>
+        <p:spPr>
+          <a:xfrm>
+            <a:off x="0" y="0"/>
+            <a:ext cx="12191695" cy="6858000"/>
+          </a:xfrm>
+          <a:prstGeom prst="rect">
+            <a:avLst/>
+          </a:prstGeom>
+          <a:solidFill>
+            <a:srgbClr val="F8F5F1"/>
+          </a:solidFill>
+          <a:ln>
+            <a:noFill/>
+          </a:ln>
+        </p:spPr>
+        <p:style>
+          <a:lnRef idx="1">
+            <a:schemeClr val="accent1"/>
+          </a:lnRef>
+          <a:fillRef idx="3">
+            <a:schemeClr val="accent1"/>
+          </a:fillRef>
+          <a:effectRef idx="2">
+            <a:schemeClr val="accent1"/>
+          </a:effectRef>
+          <a:fontRef idx="minor">
+            <a:schemeClr val="lt1"/>
+          </a:fontRef>
+        </p:style>
+        <p:txBody>
+          <a:bodyPr rtlCol="0" anchor="ctr"/>
+          <a:lstStyle/>
+          <a:p>
+            <a:pPr algn="ctr"/>
+          </a:p>
+        </p:txBody>
+      </p:sp>
+      <p:sp>
+        <p:nvSpPr>
+          <p:cNvPr id="3" name="Oval 2"/>
+          <p:cNvSpPr/>
+          <p:nvPr/>
+        </p:nvSpPr>
+        <p:spPr>
+          <a:xfrm>
+            <a:off x="9875520" y="-914400"/>
+            <a:ext cx="2743200" cy="2743200"/>
+          </a:xfrm>
+          <a:prstGeom prst="ellipse">
+            <a:avLst/>
+          </a:prstGeom>
+          <a:solidFill>
+            <a:srgbClr val="2EC4B6"/>
+          </a:solidFill>
+          <a:ln>
+            <a:noFill/>
+          </a:ln>
+        </p:spPr>
+        <p:style>
+          <a:lnRef idx="1">
+            <a:schemeClr val="accent1"/>
+          </a:lnRef>
+          <a:fillRef idx="3">
+            <a:schemeClr val="accent1"/>
+          </a:fillRef>
+          <a:effectRef idx="2">
+            <a:schemeClr val="accent1"/>
+          </a:effectRef>
+          <a:fontRef idx="minor">
+            <a:schemeClr val="lt1"/>
+          </a:fontRef>
+        </p:style>
+        <p:txBody>
+          <a:bodyPr rtlCol="0" anchor="ctr"/>
+          <a:lstStyle/>
+          <a:p>
+            <a:pPr algn="ctr"/>
+          </a:p>
+        </p:txBody>
+      </p:sp>
+      <p:sp>
+        <p:nvSpPr>
+          <p:cNvPr id="4" name="Oval 3"/>
+          <p:cNvSpPr/>
+          <p:nvPr/>
+        </p:nvSpPr>
+        <p:spPr>
+          <a:xfrm>
+            <a:off x="-1097280" y="5303520"/>
+            <a:ext cx="2926080" cy="2926080"/>
+          </a:xfrm>
+          <a:prstGeom prst="ellipse">
+            <a:avLst/>
+          </a:prstGeom>
+          <a:solidFill>
+            <a:srgbClr val="00A8E8"/>
+          </a:solidFill>
+          <a:ln>
+            <a:noFill/>
+          </a:ln>
+        </p:spPr>
+        <p:style>
+          <a:lnRef idx="1">
+            <a:schemeClr val="accent1"/>
+          </a:lnRef>
+          <a:fillRef idx="3">
+            <a:schemeClr val="accent1"/>
+          </a:fillRef>
+          <a:effectRef idx="2">
+            <a:schemeClr val="accent1"/>
+          </a:effectRef>
+          <a:fontRef idx="minor">
+            <a:schemeClr val="lt1"/>
+          </a:fontRef>
+        </p:style>
+        <p:txBody>
+          <a:bodyPr rtlCol="0" anchor="ctr"/>
+          <a:lstStyle/>
+          <a:p>
+            <a:pPr algn="ctr"/>
+          </a:p>
+        </p:txBody>
+      </p:sp>
+      <p:sp>
+        <p:nvSpPr>
+          <p:cNvPr id="5" name="TextBox 4"/>
           <p:cNvSpPr txBox="1"/>
           <p:nvPr/>
         </p:nvSpPr>
         <p:spPr>
           <a:xfrm>
-            <a:off x="457200" y="1188720"/>
-            <a:ext cx="11430000" cy="5303520"/>
+            <a:off x="640080" y="365760"/>
+            <a:ext cx="5029200" cy="365760"/>
           </a:xfrm>
           <a:prstGeom prst="rect">
             <a:avLst/>
@@ -3668,44 +4637,381 @@
           <a:noFill/>
         </p:spPr>
         <p:txBody>
-          <a:bodyPr wrap="square">
+          <a:bodyPr wrap="none">
             <a:spAutoFit/>
           </a:bodyPr>
           <a:lstStyle/>
           <a:p>
-            <a:pPr>
-              <a:defRPr sz="2200"/>
-            </a:pPr>
-            <a:r>
-              <a:t>Treatment assignment is observational/simulated, not randomized trial data.</a:t>
-            </a:r>
-          </a:p>
-          <a:p>
-            <a:pPr>
-              <a:defRPr sz="2200"/>
-            </a:pPr>
-            <a:r>
-              <a:t>Potential unobserved confounding and temporal behavior shifts.</a:t>
-            </a:r>
-          </a:p>
-          <a:p>
-            <a:pPr>
-              <a:defRPr sz="2200"/>
-            </a:pPr>
-            <a:r>
-              <a:t>Outliers and historical policy effects may bias estimated relationships.</a:t>
-            </a:r>
-          </a:p>
-          <a:p>
-            <a:pPr>
-              <a:defRPr sz="2200"/>
-            </a:pPr>
-            <a:r>
-              <a:t>External validity may vary across retail contexts.</a:t>
-            </a:r>
-          </a:p>
-        </p:txBody>
-      </p:sp>
+            <a:pPr algn="l"/>
+            <a:r>
+              <a:rPr sz="1200" b="1">
+                <a:solidFill>
+                  <a:srgbClr val="236F96"/>
+                </a:solidFill>
+                <a:latin typeface="Avenir Next"/>
+              </a:rPr>
+              <a:t>Causal Results</a:t>
+            </a:r>
+          </a:p>
+        </p:txBody>
+      </p:sp>
+      <p:sp>
+        <p:nvSpPr>
+          <p:cNvPr id="6" name="TextBox 5"/>
+          <p:cNvSpPr txBox="1"/>
+          <p:nvPr/>
+        </p:nvSpPr>
+        <p:spPr>
+          <a:xfrm>
+            <a:off x="640080" y="731520"/>
+            <a:ext cx="10881360" cy="1097280"/>
+          </a:xfrm>
+          <a:prstGeom prst="rect">
+            <a:avLst/>
+          </a:prstGeom>
+          <a:noFill/>
+        </p:spPr>
+        <p:txBody>
+          <a:bodyPr wrap="none">
+            <a:spAutoFit/>
+          </a:bodyPr>
+          <a:lstStyle/>
+          <a:p>
+            <a:pPr algn="l"/>
+            <a:r>
+              <a:rPr sz="3600" b="1">
+                <a:solidFill>
+                  <a:srgbClr val="0C1821"/>
+                </a:solidFill>
+                <a:latin typeface="Avenir Next"/>
+              </a:rPr>
+              <a:t>Average Treatment Effects</a:t>
+            </a:r>
+          </a:p>
+        </p:txBody>
+      </p:sp>
+      <p:graphicFrame>
+        <p:nvGraphicFramePr>
+          <p:cNvPr id="7" name="Table 6"/>
+          <p:cNvGraphicFramePr>
+            <a:graphicFrameLocks noGrp="1"/>
+          </p:cNvGraphicFramePr>
+          <p:nvPr/>
+        </p:nvGraphicFramePr>
+        <p:xfrm>
+          <a:off x="548640" y="1828800"/>
+          <a:ext cx="11064240" cy="4389120"/>
+        </p:xfrm>
+        <a:graphic>
+          <a:graphicData uri="http://schemas.openxmlformats.org/drawingml/2006/table">
+            <a:tbl>
+              <a:tblPr firstRow="1" bandRow="1">
+                <a:tableStyleId>{5C22544A-7EE6-4342-B048-85BDC9FD1C3A}</a:tableStyleId>
+              </a:tblPr>
+              <a:tblGrid>
+                <a:gridCol w="2766060"/>
+                <a:gridCol w="2766060"/>
+                <a:gridCol w="2766060"/>
+                <a:gridCol w="2766060"/>
+              </a:tblGrid>
+              <a:tr h="1463040">
+                <a:tc>
+                  <a:txBody>
+                    <a:bodyPr/>
+                    <a:lstStyle/>
+                    <a:p>
+                      <a:pPr>
+                        <a:defRPr sz="1400" b="1">
+                          <a:solidFill>
+                            <a:srgbClr val="F8FBFF"/>
+                          </a:solidFill>
+                          <a:latin typeface="Avenir Next"/>
+                        </a:defRPr>
+                      </a:pPr>
+                      <a:r>
+                        <a:t>Model</a:t>
+                      </a:r>
+                    </a:p>
+                  </a:txBody>
+                  <a:tcPr>
+                    <a:solidFill>
+                      <a:srgbClr val="102B40"/>
+                    </a:solidFill>
+                  </a:tcPr>
+                </a:tc>
+                <a:tc>
+                  <a:txBody>
+                    <a:bodyPr/>
+                    <a:lstStyle/>
+                    <a:p>
+                      <a:pPr>
+                        <a:defRPr sz="1400" b="1">
+                          <a:solidFill>
+                            <a:srgbClr val="F8FBFF"/>
+                          </a:solidFill>
+                          <a:latin typeface="Avenir Next"/>
+                        </a:defRPr>
+                      </a:pPr>
+                      <a:r>
+                        <a:t>ATE (log1p CLV)</a:t>
+                      </a:r>
+                    </a:p>
+                  </a:txBody>
+                  <a:tcPr>
+                    <a:solidFill>
+                      <a:srgbClr val="102B40"/>
+                    </a:solidFill>
+                  </a:tcPr>
+                </a:tc>
+                <a:tc>
+                  <a:txBody>
+                    <a:bodyPr/>
+                    <a:lstStyle/>
+                    <a:p>
+                      <a:pPr>
+                        <a:defRPr sz="1400" b="1">
+                          <a:solidFill>
+                            <a:srgbClr val="F8FBFF"/>
+                          </a:solidFill>
+                          <a:latin typeface="Avenir Next"/>
+                        </a:defRPr>
+                      </a:pPr>
+                      <a:r>
+                        <a:t>CI Lower</a:t>
+                      </a:r>
+                    </a:p>
+                  </a:txBody>
+                  <a:tcPr>
+                    <a:solidFill>
+                      <a:srgbClr val="102B40"/>
+                    </a:solidFill>
+                  </a:tcPr>
+                </a:tc>
+                <a:tc>
+                  <a:txBody>
+                    <a:bodyPr/>
+                    <a:lstStyle/>
+                    <a:p>
+                      <a:pPr>
+                        <a:defRPr sz="1400" b="1">
+                          <a:solidFill>
+                            <a:srgbClr val="F8FBFF"/>
+                          </a:solidFill>
+                          <a:latin typeface="Avenir Next"/>
+                        </a:defRPr>
+                      </a:pPr>
+                      <a:r>
+                        <a:t>CI Upper</a:t>
+                      </a:r>
+                    </a:p>
+                  </a:txBody>
+                  <a:tcPr>
+                    <a:solidFill>
+                      <a:srgbClr val="102B40"/>
+                    </a:solidFill>
+                  </a:tcPr>
+                </a:tc>
+              </a:tr>
+              <a:tr h="1463040">
+                <a:tc>
+                  <a:txBody>
+                    <a:bodyPr/>
+                    <a:lstStyle/>
+                    <a:p>
+                      <a:pPr>
+                        <a:defRPr sz="1300">
+                          <a:solidFill>
+                            <a:srgbClr val="0C1821"/>
+                          </a:solidFill>
+                          <a:latin typeface="Avenir Next"/>
+                        </a:defRPr>
+                      </a:pPr>
+                      <a:r>
+                        <a:t>LRSRegressor</a:t>
+                      </a:r>
+                    </a:p>
+                  </a:txBody>
+                  <a:tcPr>
+                    <a:solidFill>
+                      <a:srgbClr val="FFFFFF"/>
+                    </a:solidFill>
+                  </a:tcPr>
+                </a:tc>
+                <a:tc>
+                  <a:txBody>
+                    <a:bodyPr/>
+                    <a:lstStyle/>
+                    <a:p>
+                      <a:pPr>
+                        <a:defRPr sz="1300">
+                          <a:solidFill>
+                            <a:srgbClr val="0C1821"/>
+                          </a:solidFill>
+                          <a:latin typeface="Avenir Next"/>
+                        </a:defRPr>
+                      </a:pPr>
+                      <a:r>
+                        <a:t>-0.1785</a:t>
+                      </a:r>
+                    </a:p>
+                  </a:txBody>
+                  <a:tcPr>
+                    <a:solidFill>
+                      <a:srgbClr val="FFFFFF"/>
+                    </a:solidFill>
+                  </a:tcPr>
+                </a:tc>
+                <a:tc>
+                  <a:txBody>
+                    <a:bodyPr/>
+                    <a:lstStyle/>
+                    <a:p>
+                      <a:pPr>
+                        <a:defRPr sz="1300">
+                          <a:solidFill>
+                            <a:srgbClr val="0C1821"/>
+                          </a:solidFill>
+                          <a:latin typeface="Avenir Next"/>
+                        </a:defRPr>
+                      </a:pPr>
+                      <a:r>
+                        <a:t>-0.3783</a:t>
+                      </a:r>
+                    </a:p>
+                  </a:txBody>
+                  <a:tcPr>
+                    <a:solidFill>
+                      <a:srgbClr val="FFFFFF"/>
+                    </a:solidFill>
+                  </a:tcPr>
+                </a:tc>
+                <a:tc>
+                  <a:txBody>
+                    <a:bodyPr/>
+                    <a:lstStyle/>
+                    <a:p>
+                      <a:pPr>
+                        <a:defRPr sz="1300">
+                          <a:solidFill>
+                            <a:srgbClr val="0C1821"/>
+                          </a:solidFill>
+                          <a:latin typeface="Avenir Next"/>
+                        </a:defRPr>
+                      </a:pPr>
+                      <a:r>
+                        <a:t>0.0213</a:t>
+                      </a:r>
+                    </a:p>
+                  </a:txBody>
+                  <a:tcPr>
+                    <a:solidFill>
+                      <a:srgbClr val="FFFFFF"/>
+                    </a:solidFill>
+                  </a:tcPr>
+                </a:tc>
+              </a:tr>
+              <a:tr h="1463040">
+                <a:tc>
+                  <a:txBody>
+                    <a:bodyPr/>
+                    <a:lstStyle/>
+                    <a:p>
+                      <a:pPr>
+                        <a:defRPr sz="1300">
+                          <a:solidFill>
+                            <a:srgbClr val="0C1821"/>
+                          </a:solidFill>
+                          <a:latin typeface="Avenir Next"/>
+                        </a:defRPr>
+                      </a:pPr>
+                      <a:r>
+                        <a:t>XGBTRegressor</a:t>
+                      </a:r>
+                    </a:p>
+                  </a:txBody>
+                  <a:tcPr>
+                    <a:solidFill>
+                      <a:srgbClr val="F9FCFF"/>
+                    </a:solidFill>
+                  </a:tcPr>
+                </a:tc>
+                <a:tc>
+                  <a:txBody>
+                    <a:bodyPr/>
+                    <a:lstStyle/>
+                    <a:p>
+                      <a:pPr>
+                        <a:defRPr sz="1300">
+                          <a:solidFill>
+                            <a:srgbClr val="0C1821"/>
+                          </a:solidFill>
+                          <a:latin typeface="Avenir Next"/>
+                        </a:defRPr>
+                      </a:pPr>
+                      <a:r>
+                        <a:t>-0.1673</a:t>
+                      </a:r>
+                    </a:p>
+                  </a:txBody>
+                  <a:tcPr>
+                    <a:solidFill>
+                      <a:srgbClr val="F9FCFF"/>
+                    </a:solidFill>
+                  </a:tcPr>
+                </a:tc>
+                <a:tc>
+                  <a:txBody>
+                    <a:bodyPr/>
+                    <a:lstStyle/>
+                    <a:p>
+                      <a:pPr>
+                        <a:defRPr sz="1300">
+                          <a:solidFill>
+                            <a:srgbClr val="0C1821"/>
+                          </a:solidFill>
+                          <a:latin typeface="Avenir Next"/>
+                        </a:defRPr>
+                      </a:pPr>
+                      <a:r>
+                        <a:t>-0.2575</a:t>
+                      </a:r>
+                    </a:p>
+                  </a:txBody>
+                  <a:tcPr>
+                    <a:solidFill>
+                      <a:srgbClr val="F9FCFF"/>
+                    </a:solidFill>
+                  </a:tcPr>
+                </a:tc>
+                <a:tc>
+                  <a:txBody>
+                    <a:bodyPr/>
+                    <a:lstStyle/>
+                    <a:p>
+                      <a:pPr>
+                        <a:defRPr sz="1300">
+                          <a:solidFill>
+                            <a:srgbClr val="0C1821"/>
+                          </a:solidFill>
+                          <a:latin typeface="Avenir Next"/>
+                        </a:defRPr>
+                      </a:pPr>
+                      <a:r>
+                        <a:t>-0.0770</a:t>
+                      </a:r>
+                    </a:p>
+                  </a:txBody>
+                  <a:tcPr>
+                    <a:solidFill>
+                      <a:srgbClr val="F9FCFF"/>
+                    </a:solidFill>
+                  </a:tcPr>
+                </a:tc>
+              </a:tr>
+            </a:tbl>
+          </a:graphicData>
+        </a:graphic>
+      </p:graphicFrame>
     </p:spTree>
   </p:cSld>
   <p:clrMapOvr>
@@ -3726,35 +5032,213 @@
       <p:grpSpPr/>
       <p:sp>
         <p:nvSpPr>
-          <p:cNvPr id="2" name="Title 1"/>
-          <p:cNvSpPr>
-            <a:spLocks noGrp="1"/>
-          </p:cNvSpPr>
-          <p:nvPr>
-            <p:ph type="title"/>
-          </p:nvPr>
-        </p:nvSpPr>
-        <p:spPr/>
-        <p:txBody>
-          <a:bodyPr/>
-          <a:lstStyle/>
-          <a:p>
-            <a:r>
-              <a:t>14. Launching, Monitoring, Maintenance (5.10)</a:t>
-            </a:r>
-          </a:p>
-        </p:txBody>
-      </p:sp>
-      <p:sp>
-        <p:nvSpPr>
-          <p:cNvPr id="3" name="TextBox 2"/>
+          <p:cNvPr id="2" name="Rectangle 1"/>
+          <p:cNvSpPr/>
+          <p:nvPr/>
+        </p:nvSpPr>
+        <p:spPr>
+          <a:xfrm>
+            <a:off x="0" y="0"/>
+            <a:ext cx="12191695" cy="6858000"/>
+          </a:xfrm>
+          <a:prstGeom prst="rect">
+            <a:avLst/>
+          </a:prstGeom>
+          <a:solidFill>
+            <a:srgbClr val="F8F5F1"/>
+          </a:solidFill>
+          <a:ln>
+            <a:noFill/>
+          </a:ln>
+        </p:spPr>
+        <p:style>
+          <a:lnRef idx="1">
+            <a:schemeClr val="accent1"/>
+          </a:lnRef>
+          <a:fillRef idx="3">
+            <a:schemeClr val="accent1"/>
+          </a:fillRef>
+          <a:effectRef idx="2">
+            <a:schemeClr val="accent1"/>
+          </a:effectRef>
+          <a:fontRef idx="minor">
+            <a:schemeClr val="lt1"/>
+          </a:fontRef>
+        </p:style>
+        <p:txBody>
+          <a:bodyPr rtlCol="0" anchor="ctr"/>
+          <a:lstStyle/>
+          <a:p>
+            <a:pPr algn="ctr"/>
+          </a:p>
+        </p:txBody>
+      </p:sp>
+      <p:sp>
+        <p:nvSpPr>
+          <p:cNvPr id="3" name="Oval 2"/>
+          <p:cNvSpPr/>
+          <p:nvPr/>
+        </p:nvSpPr>
+        <p:spPr>
+          <a:xfrm>
+            <a:off x="9875520" y="-914400"/>
+            <a:ext cx="2743200" cy="2743200"/>
+          </a:xfrm>
+          <a:prstGeom prst="ellipse">
+            <a:avLst/>
+          </a:prstGeom>
+          <a:solidFill>
+            <a:srgbClr val="2EC4B6"/>
+          </a:solidFill>
+          <a:ln>
+            <a:noFill/>
+          </a:ln>
+        </p:spPr>
+        <p:style>
+          <a:lnRef idx="1">
+            <a:schemeClr val="accent1"/>
+          </a:lnRef>
+          <a:fillRef idx="3">
+            <a:schemeClr val="accent1"/>
+          </a:fillRef>
+          <a:effectRef idx="2">
+            <a:schemeClr val="accent1"/>
+          </a:effectRef>
+          <a:fontRef idx="minor">
+            <a:schemeClr val="lt1"/>
+          </a:fontRef>
+        </p:style>
+        <p:txBody>
+          <a:bodyPr rtlCol="0" anchor="ctr"/>
+          <a:lstStyle/>
+          <a:p>
+            <a:pPr algn="ctr"/>
+          </a:p>
+        </p:txBody>
+      </p:sp>
+      <p:sp>
+        <p:nvSpPr>
+          <p:cNvPr id="4" name="Oval 3"/>
+          <p:cNvSpPr/>
+          <p:nvPr/>
+        </p:nvSpPr>
+        <p:spPr>
+          <a:xfrm>
+            <a:off x="-1097280" y="5303520"/>
+            <a:ext cx="2926080" cy="2926080"/>
+          </a:xfrm>
+          <a:prstGeom prst="ellipse">
+            <a:avLst/>
+          </a:prstGeom>
+          <a:solidFill>
+            <a:srgbClr val="00A8E8"/>
+          </a:solidFill>
+          <a:ln>
+            <a:noFill/>
+          </a:ln>
+        </p:spPr>
+        <p:style>
+          <a:lnRef idx="1">
+            <a:schemeClr val="accent1"/>
+          </a:lnRef>
+          <a:fillRef idx="3">
+            <a:schemeClr val="accent1"/>
+          </a:fillRef>
+          <a:effectRef idx="2">
+            <a:schemeClr val="accent1"/>
+          </a:effectRef>
+          <a:fontRef idx="minor">
+            <a:schemeClr val="lt1"/>
+          </a:fontRef>
+        </p:style>
+        <p:txBody>
+          <a:bodyPr rtlCol="0" anchor="ctr"/>
+          <a:lstStyle/>
+          <a:p>
+            <a:pPr algn="ctr"/>
+          </a:p>
+        </p:txBody>
+      </p:sp>
+      <p:sp>
+        <p:nvSpPr>
+          <p:cNvPr id="5" name="TextBox 4"/>
           <p:cNvSpPr txBox="1"/>
           <p:nvPr/>
         </p:nvSpPr>
         <p:spPr>
           <a:xfrm>
-            <a:off x="457200" y="1188720"/>
-            <a:ext cx="11430000" cy="5303520"/>
+            <a:off x="640080" y="365760"/>
+            <a:ext cx="5029200" cy="365760"/>
+          </a:xfrm>
+          <a:prstGeom prst="rect">
+            <a:avLst/>
+          </a:prstGeom>
+          <a:noFill/>
+        </p:spPr>
+        <p:txBody>
+          <a:bodyPr wrap="none">
+            <a:spAutoFit/>
+          </a:bodyPr>
+          <a:lstStyle/>
+          <a:p>
+            <a:pPr algn="l"/>
+            <a:r>
+              <a:rPr sz="1200" b="1">
+                <a:solidFill>
+                  <a:srgbClr val="236F96"/>
+                </a:solidFill>
+                <a:latin typeface="Avenir Next"/>
+              </a:rPr>
+              <a:t>Causal Explainability</a:t>
+            </a:r>
+          </a:p>
+        </p:txBody>
+      </p:sp>
+      <p:sp>
+        <p:nvSpPr>
+          <p:cNvPr id="6" name="TextBox 5"/>
+          <p:cNvSpPr txBox="1"/>
+          <p:nvPr/>
+        </p:nvSpPr>
+        <p:spPr>
+          <a:xfrm>
+            <a:off x="640080" y="731520"/>
+            <a:ext cx="10881360" cy="1097280"/>
+          </a:xfrm>
+          <a:prstGeom prst="rect">
+            <a:avLst/>
+          </a:prstGeom>
+          <a:noFill/>
+        </p:spPr>
+        <p:txBody>
+          <a:bodyPr wrap="none">
+            <a:spAutoFit/>
+          </a:bodyPr>
+          <a:lstStyle/>
+          <a:p>
+            <a:pPr algn="l"/>
+            <a:r>
+              <a:rPr sz="3600" b="1">
+                <a:solidFill>
+                  <a:srgbClr val="0C1821"/>
+                </a:solidFill>
+                <a:latin typeface="Avenir Next"/>
+              </a:rPr>
+              <a:t>Uplift Distribution and Causal Importance</a:t>
+            </a:r>
+          </a:p>
+        </p:txBody>
+      </p:sp>
+      <p:sp>
+        <p:nvSpPr>
+          <p:cNvPr id="7" name="TextBox 6"/>
+          <p:cNvSpPr txBox="1"/>
+          <p:nvPr/>
+        </p:nvSpPr>
+        <p:spPr>
+          <a:xfrm>
+            <a:off x="731520" y="1645920"/>
+            <a:ext cx="10972800" cy="502920"/>
           </a:xfrm>
           <a:prstGeom prst="rect">
             <a:avLst/>
@@ -3768,34 +5252,242 @@
           <a:lstStyle/>
           <a:p>
             <a:pPr>
-              <a:defRPr sz="2200"/>
+              <a:spcAft>
+                <a:spcPts val="300"/>
+              </a:spcAft>
+              <a:defRPr sz="1400" b="0">
+                <a:solidFill>
+                  <a:srgbClr val="192D3C"/>
+                </a:solidFill>
+                <a:latin typeface="Avenir Next"/>
+              </a:defRPr>
             </a:pPr>
             <a:r>
-              <a:t>Production readiness: schema checks, reproducible pipeline, versioned artifacts.</a:t>
+              <a:t>• Treatment effects vary substantially by customer profile (heterogeneous CATE).</a:t>
             </a:r>
           </a:p>
           <a:p>
             <a:pPr>
-              <a:defRPr sz="2200"/>
+              <a:spcAft>
+                <a:spcPts val="300"/>
+              </a:spcAft>
+              <a:defRPr sz="1400" b="0">
+                <a:solidFill>
+                  <a:srgbClr val="192D3C"/>
+                </a:solidFill>
+                <a:latin typeface="Avenir Next"/>
+              </a:defRPr>
             </a:pPr>
             <a:r>
-              <a:t>Monitoring: RMSE drift + CLV capture@K + input PSI drift thresholds.</a:t>
-            </a:r>
-          </a:p>
-          <a:p>
-            <a:pPr>
-              <a:defRPr sz="2200"/>
-            </a:pPr>
-            <a:r>
-              <a:t>Alert policy and retraining cadence documented in monitoring plan.</a:t>
-            </a:r>
-          </a:p>
-          <a:p>
-            <a:pPr>
-              <a:defRPr sz="2200"/>
-            </a:pPr>
-            <a:r>
-              <a:t>Artifacts: monitoring_input_drift.csv + monitoring_plan.md.</a:t>
+              <a:t>• Causal importance supports policy targeting beyond raw CLV ranking.</a:t>
+            </a:r>
+          </a:p>
+        </p:txBody>
+      </p:sp>
+      <p:sp>
+        <p:nvSpPr>
+          <p:cNvPr id="8" name="Rounded Rectangle 7"/>
+          <p:cNvSpPr/>
+          <p:nvPr/>
+        </p:nvSpPr>
+        <p:spPr>
+          <a:xfrm>
+            <a:off x="640080" y="1965960"/>
+            <a:ext cx="5394960" cy="3977639"/>
+          </a:xfrm>
+          <a:prstGeom prst="roundRect">
+            <a:avLst/>
+          </a:prstGeom>
+          <a:solidFill>
+            <a:srgbClr val="FFFFFF"/>
+          </a:solidFill>
+          <a:ln w="12700">
+            <a:solidFill>
+              <a:srgbClr val="E1EAF2"/>
+            </a:solidFill>
+          </a:ln>
+        </p:spPr>
+        <p:style>
+          <a:lnRef idx="1">
+            <a:schemeClr val="accent1"/>
+          </a:lnRef>
+          <a:fillRef idx="3">
+            <a:schemeClr val="accent1"/>
+          </a:fillRef>
+          <a:effectRef idx="2">
+            <a:schemeClr val="accent1"/>
+          </a:effectRef>
+          <a:fontRef idx="minor">
+            <a:schemeClr val="lt1"/>
+          </a:fontRef>
+        </p:style>
+        <p:txBody>
+          <a:bodyPr rtlCol="0" anchor="ctr"/>
+          <a:lstStyle/>
+          <a:p>
+            <a:pPr algn="ctr"/>
+          </a:p>
+        </p:txBody>
+      </p:sp>
+      <p:pic>
+        <p:nvPicPr>
+          <p:cNvPr id="9" name="Picture 8" descr="causal_cate_distribution.png"/>
+          <p:cNvPicPr>
+            <a:picLocks noChangeAspect="1"/>
+          </p:cNvPicPr>
+          <p:nvPr/>
+        </p:nvPicPr>
+        <p:blipFill>
+          <a:blip r:embed="rId2"/>
+          <a:stretch>
+            <a:fillRect/>
+          </a:stretch>
+        </p:blipFill>
+        <p:spPr>
+          <a:xfrm>
+            <a:off x="713231" y="2350515"/>
+            <a:ext cx="5248656" cy="2915920"/>
+          </a:xfrm>
+          <a:prstGeom prst="rect">
+            <a:avLst/>
+          </a:prstGeom>
+        </p:spPr>
+      </p:pic>
+      <p:sp>
+        <p:nvSpPr>
+          <p:cNvPr id="10" name="TextBox 9"/>
+          <p:cNvSpPr txBox="1"/>
+          <p:nvPr/>
+        </p:nvSpPr>
+        <p:spPr>
+          <a:xfrm>
+            <a:off x="731519" y="5641848"/>
+            <a:ext cx="5212080" cy="228600"/>
+          </a:xfrm>
+          <a:prstGeom prst="rect">
+            <a:avLst/>
+          </a:prstGeom>
+          <a:noFill/>
+        </p:spPr>
+        <p:txBody>
+          <a:bodyPr wrap="none">
+            <a:spAutoFit/>
+          </a:bodyPr>
+          <a:lstStyle/>
+          <a:p>
+            <a:pPr algn="ctr"/>
+            <a:r>
+              <a:rPr sz="1100" b="0">
+                <a:solidFill>
+                  <a:srgbClr val="293B4B"/>
+                </a:solidFill>
+                <a:latin typeface="Avenir Next"/>
+              </a:rPr>
+              <a:t>CATE distribution</a:t>
+            </a:r>
+          </a:p>
+        </p:txBody>
+      </p:sp>
+      <p:sp>
+        <p:nvSpPr>
+          <p:cNvPr id="11" name="Rounded Rectangle 10"/>
+          <p:cNvSpPr/>
+          <p:nvPr/>
+        </p:nvSpPr>
+        <p:spPr>
+          <a:xfrm>
+            <a:off x="6172200" y="1965960"/>
+            <a:ext cx="5394960" cy="3977639"/>
+          </a:xfrm>
+          <a:prstGeom prst="roundRect">
+            <a:avLst/>
+          </a:prstGeom>
+          <a:solidFill>
+            <a:srgbClr val="FFFFFF"/>
+          </a:solidFill>
+          <a:ln w="12700">
+            <a:solidFill>
+              <a:srgbClr val="E1EAF2"/>
+            </a:solidFill>
+          </a:ln>
+        </p:spPr>
+        <p:style>
+          <a:lnRef idx="1">
+            <a:schemeClr val="accent1"/>
+          </a:lnRef>
+          <a:fillRef idx="3">
+            <a:schemeClr val="accent1"/>
+          </a:fillRef>
+          <a:effectRef idx="2">
+            <a:schemeClr val="accent1"/>
+          </a:effectRef>
+          <a:fontRef idx="minor">
+            <a:schemeClr val="lt1"/>
+          </a:fontRef>
+        </p:style>
+        <p:txBody>
+          <a:bodyPr rtlCol="0" anchor="ctr"/>
+          <a:lstStyle/>
+          <a:p>
+            <a:pPr algn="ctr"/>
+          </a:p>
+        </p:txBody>
+      </p:sp>
+      <p:pic>
+        <p:nvPicPr>
+          <p:cNvPr id="12" name="Picture 11" descr="causal_feature_importance.png"/>
+          <p:cNvPicPr>
+            <a:picLocks noChangeAspect="1"/>
+          </p:cNvPicPr>
+          <p:nvPr/>
+        </p:nvPicPr>
+        <p:blipFill>
+          <a:blip r:embed="rId3"/>
+          <a:stretch>
+            <a:fillRect/>
+          </a:stretch>
+        </p:blipFill>
+        <p:spPr>
+          <a:xfrm>
+            <a:off x="6245352" y="2058923"/>
+            <a:ext cx="5248656" cy="3499104"/>
+          </a:xfrm>
+          <a:prstGeom prst="rect">
+            <a:avLst/>
+          </a:prstGeom>
+        </p:spPr>
+      </p:pic>
+      <p:sp>
+        <p:nvSpPr>
+          <p:cNvPr id="13" name="TextBox 12"/>
+          <p:cNvSpPr txBox="1"/>
+          <p:nvPr/>
+        </p:nvSpPr>
+        <p:spPr>
+          <a:xfrm>
+            <a:off x="6263640" y="5641848"/>
+            <a:ext cx="5212080" cy="228600"/>
+          </a:xfrm>
+          <a:prstGeom prst="rect">
+            <a:avLst/>
+          </a:prstGeom>
+          <a:noFill/>
+        </p:spPr>
+        <p:txBody>
+          <a:bodyPr wrap="none">
+            <a:spAutoFit/>
+          </a:bodyPr>
+          <a:lstStyle/>
+          <a:p>
+            <a:pPr algn="ctr"/>
+            <a:r>
+              <a:rPr sz="1100" b="0">
+                <a:solidFill>
+                  <a:srgbClr val="293B4B"/>
+                </a:solidFill>
+                <a:latin typeface="Avenir Next"/>
+              </a:rPr>
+              <a:t>Causal feature importance</a:t>
             </a:r>
           </a:p>
         </p:txBody>
@@ -3820,35 +5512,213 @@
       <p:grpSpPr/>
       <p:sp>
         <p:nvSpPr>
-          <p:cNvPr id="2" name="Title 1"/>
-          <p:cNvSpPr>
-            <a:spLocks noGrp="1"/>
-          </p:cNvSpPr>
-          <p:nvPr>
-            <p:ph type="title"/>
-          </p:nvPr>
-        </p:nvSpPr>
-        <p:spPr/>
-        <p:txBody>
-          <a:bodyPr/>
-          <a:lstStyle/>
-          <a:p>
-            <a:r>
-              <a:t>15. Key Takeaways &amp; Next Steps (5.9.8, 5.9.9)</a:t>
-            </a:r>
-          </a:p>
-        </p:txBody>
-      </p:sp>
-      <p:sp>
-        <p:nvSpPr>
-          <p:cNvPr id="3" name="TextBox 2"/>
+          <p:cNvPr id="2" name="Rectangle 1"/>
+          <p:cNvSpPr/>
+          <p:nvPr/>
+        </p:nvSpPr>
+        <p:spPr>
+          <a:xfrm>
+            <a:off x="0" y="0"/>
+            <a:ext cx="12191695" cy="6858000"/>
+          </a:xfrm>
+          <a:prstGeom prst="rect">
+            <a:avLst/>
+          </a:prstGeom>
+          <a:solidFill>
+            <a:srgbClr val="F8F5F1"/>
+          </a:solidFill>
+          <a:ln>
+            <a:noFill/>
+          </a:ln>
+        </p:spPr>
+        <p:style>
+          <a:lnRef idx="1">
+            <a:schemeClr val="accent1"/>
+          </a:lnRef>
+          <a:fillRef idx="3">
+            <a:schemeClr val="accent1"/>
+          </a:fillRef>
+          <a:effectRef idx="2">
+            <a:schemeClr val="accent1"/>
+          </a:effectRef>
+          <a:fontRef idx="minor">
+            <a:schemeClr val="lt1"/>
+          </a:fontRef>
+        </p:style>
+        <p:txBody>
+          <a:bodyPr rtlCol="0" anchor="ctr"/>
+          <a:lstStyle/>
+          <a:p>
+            <a:pPr algn="ctr"/>
+          </a:p>
+        </p:txBody>
+      </p:sp>
+      <p:sp>
+        <p:nvSpPr>
+          <p:cNvPr id="3" name="Oval 2"/>
+          <p:cNvSpPr/>
+          <p:nvPr/>
+        </p:nvSpPr>
+        <p:spPr>
+          <a:xfrm>
+            <a:off x="9875520" y="-914400"/>
+            <a:ext cx="2743200" cy="2743200"/>
+          </a:xfrm>
+          <a:prstGeom prst="ellipse">
+            <a:avLst/>
+          </a:prstGeom>
+          <a:solidFill>
+            <a:srgbClr val="2EC4B6"/>
+          </a:solidFill>
+          <a:ln>
+            <a:noFill/>
+          </a:ln>
+        </p:spPr>
+        <p:style>
+          <a:lnRef idx="1">
+            <a:schemeClr val="accent1"/>
+          </a:lnRef>
+          <a:fillRef idx="3">
+            <a:schemeClr val="accent1"/>
+          </a:fillRef>
+          <a:effectRef idx="2">
+            <a:schemeClr val="accent1"/>
+          </a:effectRef>
+          <a:fontRef idx="minor">
+            <a:schemeClr val="lt1"/>
+          </a:fontRef>
+        </p:style>
+        <p:txBody>
+          <a:bodyPr rtlCol="0" anchor="ctr"/>
+          <a:lstStyle/>
+          <a:p>
+            <a:pPr algn="ctr"/>
+          </a:p>
+        </p:txBody>
+      </p:sp>
+      <p:sp>
+        <p:nvSpPr>
+          <p:cNvPr id="4" name="Oval 3"/>
+          <p:cNvSpPr/>
+          <p:nvPr/>
+        </p:nvSpPr>
+        <p:spPr>
+          <a:xfrm>
+            <a:off x="-1097280" y="5303520"/>
+            <a:ext cx="2926080" cy="2926080"/>
+          </a:xfrm>
+          <a:prstGeom prst="ellipse">
+            <a:avLst/>
+          </a:prstGeom>
+          <a:solidFill>
+            <a:srgbClr val="00A8E8"/>
+          </a:solidFill>
+          <a:ln>
+            <a:noFill/>
+          </a:ln>
+        </p:spPr>
+        <p:style>
+          <a:lnRef idx="1">
+            <a:schemeClr val="accent1"/>
+          </a:lnRef>
+          <a:fillRef idx="3">
+            <a:schemeClr val="accent1"/>
+          </a:fillRef>
+          <a:effectRef idx="2">
+            <a:schemeClr val="accent1"/>
+          </a:effectRef>
+          <a:fontRef idx="minor">
+            <a:schemeClr val="lt1"/>
+          </a:fontRef>
+        </p:style>
+        <p:txBody>
+          <a:bodyPr rtlCol="0" anchor="ctr"/>
+          <a:lstStyle/>
+          <a:p>
+            <a:pPr algn="ctr"/>
+          </a:p>
+        </p:txBody>
+      </p:sp>
+      <p:sp>
+        <p:nvSpPr>
+          <p:cNvPr id="5" name="TextBox 4"/>
           <p:cNvSpPr txBox="1"/>
           <p:nvPr/>
         </p:nvSpPr>
         <p:spPr>
           <a:xfrm>
-            <a:off x="457200" y="1188720"/>
-            <a:ext cx="11430000" cy="5303520"/>
+            <a:off x="640080" y="365760"/>
+            <a:ext cx="5029200" cy="365760"/>
+          </a:xfrm>
+          <a:prstGeom prst="rect">
+            <a:avLst/>
+          </a:prstGeom>
+          <a:noFill/>
+        </p:spPr>
+        <p:txBody>
+          <a:bodyPr wrap="none">
+            <a:spAutoFit/>
+          </a:bodyPr>
+          <a:lstStyle/>
+          <a:p>
+            <a:pPr algn="l"/>
+            <a:r>
+              <a:rPr sz="1200" b="1">
+                <a:solidFill>
+                  <a:srgbClr val="236F96"/>
+                </a:solidFill>
+                <a:latin typeface="Avenir Next"/>
+              </a:rPr>
+              <a:t>Validity</a:t>
+            </a:r>
+          </a:p>
+        </p:txBody>
+      </p:sp>
+      <p:sp>
+        <p:nvSpPr>
+          <p:cNvPr id="6" name="TextBox 5"/>
+          <p:cNvSpPr txBox="1"/>
+          <p:nvPr/>
+        </p:nvSpPr>
+        <p:spPr>
+          <a:xfrm>
+            <a:off x="640080" y="731520"/>
+            <a:ext cx="10881360" cy="1097280"/>
+          </a:xfrm>
+          <a:prstGeom prst="rect">
+            <a:avLst/>
+          </a:prstGeom>
+          <a:noFill/>
+        </p:spPr>
+        <p:txBody>
+          <a:bodyPr wrap="none">
+            <a:spAutoFit/>
+          </a:bodyPr>
+          <a:lstStyle/>
+          <a:p>
+            <a:pPr algn="l"/>
+            <a:r>
+              <a:rPr sz="3600" b="1">
+                <a:solidFill>
+                  <a:srgbClr val="0C1821"/>
+                </a:solidFill>
+                <a:latin typeface="Avenir Next"/>
+              </a:rPr>
+              <a:t>Threats to Validity (5.9.7)</a:t>
+            </a:r>
+          </a:p>
+        </p:txBody>
+      </p:sp>
+      <p:sp>
+        <p:nvSpPr>
+          <p:cNvPr id="7" name="TextBox 6"/>
+          <p:cNvSpPr txBox="1"/>
+          <p:nvPr/>
+        </p:nvSpPr>
+        <p:spPr>
+          <a:xfrm>
+            <a:off x="731520" y="1828800"/>
+            <a:ext cx="10972800" cy="4389120"/>
           </a:xfrm>
           <a:prstGeom prst="rect">
             <a:avLst/>
@@ -3862,34 +5732,989 @@
           <a:lstStyle/>
           <a:p>
             <a:pPr>
-              <a:defRPr sz="2200"/>
+              <a:spcAft>
+                <a:spcPts val="800"/>
+              </a:spcAft>
+              <a:defRPr sz="2200" b="0">
+                <a:solidFill>
+                  <a:srgbClr val="12222F"/>
+                </a:solidFill>
+                <a:latin typeface="Avenir Next"/>
+              </a:defRPr>
             </a:pPr>
             <a:r>
-              <a:t>End-to-end pipeline implemented and validated from data to monitoring.</a:t>
+              <a:t>Treatment assignment is observational/simulated, not randomized.</a:t>
             </a:r>
           </a:p>
           <a:p>
             <a:pPr>
-              <a:defRPr sz="2200"/>
+              <a:spcAft>
+                <a:spcPts val="800"/>
+              </a:spcAft>
+              <a:defRPr sz="2200" b="0">
+                <a:solidFill>
+                  <a:srgbClr val="12222F"/>
+                </a:solidFill>
+                <a:latin typeface="Avenir Next"/>
+              </a:defRPr>
             </a:pPr>
             <a:r>
-              <a:t>Predictive + explainable + causal views support better business decisions.</a:t>
+              <a:t>Potential unobserved confounding and temporal effects.</a:t>
             </a:r>
           </a:p>
           <a:p>
             <a:pPr>
-              <a:defRPr sz="2200"/>
+              <a:spcAft>
+                <a:spcPts val="800"/>
+              </a:spcAft>
+              <a:defRPr sz="2200" b="0">
+                <a:solidFill>
+                  <a:srgbClr val="12222F"/>
+                </a:solidFill>
+                <a:latin typeface="Avenir Next"/>
+              </a:defRPr>
             </a:pPr>
             <a:r>
-              <a:t>Next: validate uplift with real campaign logs/A-B tests and policy constraints.</a:t>
+              <a:t>Outliers and historical policy effects can bias relationships.</a:t>
             </a:r>
           </a:p>
           <a:p>
             <a:pPr>
-              <a:defRPr sz="2200"/>
+              <a:spcAft>
+                <a:spcPts val="800"/>
+              </a:spcAft>
+              <a:defRPr sz="2200" b="0">
+                <a:solidFill>
+                  <a:srgbClr val="12222F"/>
+                </a:solidFill>
+                <a:latin typeface="Avenir Next"/>
+              </a:defRPr>
             </a:pPr>
             <a:r>
+              <a:t>External validity may differ across geographies and verticals.</a:t>
+            </a:r>
+          </a:p>
+        </p:txBody>
+      </p:sp>
+    </p:spTree>
+  </p:cSld>
+  <p:clrMapOvr>
+    <a:masterClrMapping/>
+  </p:clrMapOvr>
+</p:sld>
+</file>
+
+<file path=ppt/slides/slide16.xml><?xml version="1.0" encoding="utf-8"?>
+<p:sld xmlns:a="http://schemas.openxmlformats.org/drawingml/2006/main" xmlns:p="http://schemas.openxmlformats.org/presentationml/2006/main" xmlns:r="http://schemas.openxmlformats.org/officeDocument/2006/relationships">
+  <p:cSld>
+    <p:spTree>
+      <p:nvGrpSpPr>
+        <p:cNvPr id="1" name=""/>
+        <p:cNvGrpSpPr/>
+        <p:nvPr/>
+      </p:nvGrpSpPr>
+      <p:grpSpPr/>
+      <p:sp>
+        <p:nvSpPr>
+          <p:cNvPr id="2" name="Rectangle 1"/>
+          <p:cNvSpPr/>
+          <p:nvPr/>
+        </p:nvSpPr>
+        <p:spPr>
+          <a:xfrm>
+            <a:off x="0" y="0"/>
+            <a:ext cx="12191695" cy="6858000"/>
+          </a:xfrm>
+          <a:prstGeom prst="rect">
+            <a:avLst/>
+          </a:prstGeom>
+          <a:solidFill>
+            <a:srgbClr val="F8F5F1"/>
+          </a:solidFill>
+          <a:ln>
+            <a:noFill/>
+          </a:ln>
+        </p:spPr>
+        <p:style>
+          <a:lnRef idx="1">
+            <a:schemeClr val="accent1"/>
+          </a:lnRef>
+          <a:fillRef idx="3">
+            <a:schemeClr val="accent1"/>
+          </a:fillRef>
+          <a:effectRef idx="2">
+            <a:schemeClr val="accent1"/>
+          </a:effectRef>
+          <a:fontRef idx="minor">
+            <a:schemeClr val="lt1"/>
+          </a:fontRef>
+        </p:style>
+        <p:txBody>
+          <a:bodyPr rtlCol="0" anchor="ctr"/>
+          <a:lstStyle/>
+          <a:p>
+            <a:pPr algn="ctr"/>
+          </a:p>
+        </p:txBody>
+      </p:sp>
+      <p:sp>
+        <p:nvSpPr>
+          <p:cNvPr id="3" name="Oval 2"/>
+          <p:cNvSpPr/>
+          <p:nvPr/>
+        </p:nvSpPr>
+        <p:spPr>
+          <a:xfrm>
+            <a:off x="9875520" y="-914400"/>
+            <a:ext cx="2743200" cy="2743200"/>
+          </a:xfrm>
+          <a:prstGeom prst="ellipse">
+            <a:avLst/>
+          </a:prstGeom>
+          <a:solidFill>
+            <a:srgbClr val="2EC4B6"/>
+          </a:solidFill>
+          <a:ln>
+            <a:noFill/>
+          </a:ln>
+        </p:spPr>
+        <p:style>
+          <a:lnRef idx="1">
+            <a:schemeClr val="accent1"/>
+          </a:lnRef>
+          <a:fillRef idx="3">
+            <a:schemeClr val="accent1"/>
+          </a:fillRef>
+          <a:effectRef idx="2">
+            <a:schemeClr val="accent1"/>
+          </a:effectRef>
+          <a:fontRef idx="minor">
+            <a:schemeClr val="lt1"/>
+          </a:fontRef>
+        </p:style>
+        <p:txBody>
+          <a:bodyPr rtlCol="0" anchor="ctr"/>
+          <a:lstStyle/>
+          <a:p>
+            <a:pPr algn="ctr"/>
+          </a:p>
+        </p:txBody>
+      </p:sp>
+      <p:sp>
+        <p:nvSpPr>
+          <p:cNvPr id="4" name="Oval 3"/>
+          <p:cNvSpPr/>
+          <p:nvPr/>
+        </p:nvSpPr>
+        <p:spPr>
+          <a:xfrm>
+            <a:off x="-1097280" y="5303520"/>
+            <a:ext cx="2926080" cy="2926080"/>
+          </a:xfrm>
+          <a:prstGeom prst="ellipse">
+            <a:avLst/>
+          </a:prstGeom>
+          <a:solidFill>
+            <a:srgbClr val="00A8E8"/>
+          </a:solidFill>
+          <a:ln>
+            <a:noFill/>
+          </a:ln>
+        </p:spPr>
+        <p:style>
+          <a:lnRef idx="1">
+            <a:schemeClr val="accent1"/>
+          </a:lnRef>
+          <a:fillRef idx="3">
+            <a:schemeClr val="accent1"/>
+          </a:fillRef>
+          <a:effectRef idx="2">
+            <a:schemeClr val="accent1"/>
+          </a:effectRef>
+          <a:fontRef idx="minor">
+            <a:schemeClr val="lt1"/>
+          </a:fontRef>
+        </p:style>
+        <p:txBody>
+          <a:bodyPr rtlCol="0" anchor="ctr"/>
+          <a:lstStyle/>
+          <a:p>
+            <a:pPr algn="ctr"/>
+          </a:p>
+        </p:txBody>
+      </p:sp>
+      <p:sp>
+        <p:nvSpPr>
+          <p:cNvPr id="5" name="TextBox 4"/>
+          <p:cNvSpPr txBox="1"/>
+          <p:nvPr/>
+        </p:nvSpPr>
+        <p:spPr>
+          <a:xfrm>
+            <a:off x="640080" y="365760"/>
+            <a:ext cx="5029200" cy="365760"/>
+          </a:xfrm>
+          <a:prstGeom prst="rect">
+            <a:avLst/>
+          </a:prstGeom>
+          <a:noFill/>
+        </p:spPr>
+        <p:txBody>
+          <a:bodyPr wrap="none">
+            <a:spAutoFit/>
+          </a:bodyPr>
+          <a:lstStyle/>
+          <a:p>
+            <a:pPr algn="l"/>
+            <a:r>
+              <a:rPr sz="1200" b="1">
+                <a:solidFill>
+                  <a:srgbClr val="236F96"/>
+                </a:solidFill>
+                <a:latin typeface="Avenir Next"/>
+              </a:rPr>
+              <a:t>MLOps</a:t>
+            </a:r>
+          </a:p>
+        </p:txBody>
+      </p:sp>
+      <p:sp>
+        <p:nvSpPr>
+          <p:cNvPr id="6" name="TextBox 5"/>
+          <p:cNvSpPr txBox="1"/>
+          <p:nvPr/>
+        </p:nvSpPr>
+        <p:spPr>
+          <a:xfrm>
+            <a:off x="640080" y="731520"/>
+            <a:ext cx="10881360" cy="1097280"/>
+          </a:xfrm>
+          <a:prstGeom prst="rect">
+            <a:avLst/>
+          </a:prstGeom>
+          <a:noFill/>
+        </p:spPr>
+        <p:txBody>
+          <a:bodyPr wrap="none">
+            <a:spAutoFit/>
+          </a:bodyPr>
+          <a:lstStyle/>
+          <a:p>
+            <a:pPr algn="l"/>
+            <a:r>
+              <a:rPr sz="3600" b="1">
+                <a:solidFill>
+                  <a:srgbClr val="0C1821"/>
+                </a:solidFill>
+                <a:latin typeface="Avenir Next"/>
+              </a:rPr>
+              <a:t>Launching, Monitoring, Maintenance (5.10)</a:t>
+            </a:r>
+          </a:p>
+        </p:txBody>
+      </p:sp>
+      <p:sp>
+        <p:nvSpPr>
+          <p:cNvPr id="7" name="TextBox 6"/>
+          <p:cNvSpPr txBox="1"/>
+          <p:nvPr/>
+        </p:nvSpPr>
+        <p:spPr>
+          <a:xfrm>
+            <a:off x="731520" y="1828800"/>
+            <a:ext cx="6949440" cy="4389120"/>
+          </a:xfrm>
+          <a:prstGeom prst="rect">
+            <a:avLst/>
+          </a:prstGeom>
+          <a:noFill/>
+        </p:spPr>
+        <p:txBody>
+          <a:bodyPr wrap="square">
+            <a:spAutoFit/>
+          </a:bodyPr>
+          <a:lstStyle/>
+          <a:p>
+            <a:pPr>
+              <a:spcAft>
+                <a:spcPts val="800"/>
+              </a:spcAft>
+              <a:defRPr sz="2200" b="0">
+                <a:solidFill>
+                  <a:srgbClr val="12222F"/>
+                </a:solidFill>
+                <a:latin typeface="Avenir Next"/>
+              </a:defRPr>
+            </a:pPr>
+            <a:r>
+              <a:t>Production checks: schema validation, feature quality checks, artifact versioning.</a:t>
+            </a:r>
+          </a:p>
+          <a:p>
+            <a:pPr>
+              <a:spcAft>
+                <a:spcPts val="800"/>
+              </a:spcAft>
+              <a:defRPr sz="2200" b="0">
+                <a:solidFill>
+                  <a:srgbClr val="12222F"/>
+                </a:solidFill>
+                <a:latin typeface="Avenir Next"/>
+              </a:defRPr>
+            </a:pPr>
+            <a:r>
+              <a:t>Monitoring: RMSE drift, CLV capture@K, feature drift via PSI.</a:t>
+            </a:r>
+          </a:p>
+          <a:p>
+            <a:pPr>
+              <a:spcAft>
+                <a:spcPts val="800"/>
+              </a:spcAft>
+              <a:defRPr sz="2200" b="0">
+                <a:solidFill>
+                  <a:srgbClr val="12222F"/>
+                </a:solidFill>
+                <a:latin typeface="Avenir Next"/>
+              </a:defRPr>
+            </a:pPr>
+            <a:r>
+              <a:t>Alerting: warning at PSI &gt;= 0.10, critical at PSI &gt;= 0.25.</a:t>
+            </a:r>
+          </a:p>
+          <a:p>
+            <a:pPr>
+              <a:spcAft>
+                <a:spcPts val="800"/>
+              </a:spcAft>
+              <a:defRPr sz="2200" b="0">
+                <a:solidFill>
+                  <a:srgbClr val="12222F"/>
+                </a:solidFill>
+                <a:latin typeface="Avenir Next"/>
+              </a:defRPr>
+            </a:pPr>
+            <a:r>
+              <a:t>Observed max PSI in validation run: 0.036 (stable).</a:t>
+            </a:r>
+          </a:p>
+        </p:txBody>
+      </p:sp>
+      <p:pic>
+        <p:nvPicPr>
+          <p:cNvPr id="8" name="Picture 7" descr="segment_dashboard.png"/>
+          <p:cNvPicPr>
+            <a:picLocks noChangeAspect="1"/>
+          </p:cNvPicPr>
+          <p:nvPr/>
+        </p:nvPicPr>
+        <p:blipFill>
+          <a:blip r:embed="rId2"/>
+          <a:stretch>
+            <a:fillRect/>
+          </a:stretch>
+        </p:blipFill>
+        <p:spPr>
+          <a:xfrm>
+            <a:off x="7863840" y="2403358"/>
+            <a:ext cx="3840480" cy="3240002"/>
+          </a:xfrm>
+          <a:prstGeom prst="rect">
+            <a:avLst/>
+          </a:prstGeom>
+        </p:spPr>
+      </p:pic>
+    </p:spTree>
+  </p:cSld>
+  <p:clrMapOvr>
+    <a:masterClrMapping/>
+  </p:clrMapOvr>
+</p:sld>
+</file>
+
+<file path=ppt/slides/slide17.xml><?xml version="1.0" encoding="utf-8"?>
+<p:sld xmlns:a="http://schemas.openxmlformats.org/drawingml/2006/main" xmlns:p="http://schemas.openxmlformats.org/presentationml/2006/main" xmlns:r="http://schemas.openxmlformats.org/officeDocument/2006/relationships">
+  <p:cSld>
+    <p:spTree>
+      <p:nvGrpSpPr>
+        <p:cNvPr id="1" name=""/>
+        <p:cNvGrpSpPr/>
+        <p:nvPr/>
+      </p:nvGrpSpPr>
+      <p:grpSpPr/>
+      <p:sp>
+        <p:nvSpPr>
+          <p:cNvPr id="2" name="Rectangle 1"/>
+          <p:cNvSpPr/>
+          <p:nvPr/>
+        </p:nvSpPr>
+        <p:spPr>
+          <a:xfrm>
+            <a:off x="0" y="0"/>
+            <a:ext cx="12191695" cy="6858000"/>
+          </a:xfrm>
+          <a:prstGeom prst="rect">
+            <a:avLst/>
+          </a:prstGeom>
+          <a:solidFill>
+            <a:srgbClr val="F8F5F1"/>
+          </a:solidFill>
+          <a:ln>
+            <a:noFill/>
+          </a:ln>
+        </p:spPr>
+        <p:style>
+          <a:lnRef idx="1">
+            <a:schemeClr val="accent1"/>
+          </a:lnRef>
+          <a:fillRef idx="3">
+            <a:schemeClr val="accent1"/>
+          </a:fillRef>
+          <a:effectRef idx="2">
+            <a:schemeClr val="accent1"/>
+          </a:effectRef>
+          <a:fontRef idx="minor">
+            <a:schemeClr val="lt1"/>
+          </a:fontRef>
+        </p:style>
+        <p:txBody>
+          <a:bodyPr rtlCol="0" anchor="ctr"/>
+          <a:lstStyle/>
+          <a:p>
+            <a:pPr algn="ctr"/>
+          </a:p>
+        </p:txBody>
+      </p:sp>
+      <p:sp>
+        <p:nvSpPr>
+          <p:cNvPr id="3" name="Oval 2"/>
+          <p:cNvSpPr/>
+          <p:nvPr/>
+        </p:nvSpPr>
+        <p:spPr>
+          <a:xfrm>
+            <a:off x="9875520" y="-914400"/>
+            <a:ext cx="2743200" cy="2743200"/>
+          </a:xfrm>
+          <a:prstGeom prst="ellipse">
+            <a:avLst/>
+          </a:prstGeom>
+          <a:solidFill>
+            <a:srgbClr val="2EC4B6"/>
+          </a:solidFill>
+          <a:ln>
+            <a:noFill/>
+          </a:ln>
+        </p:spPr>
+        <p:style>
+          <a:lnRef idx="1">
+            <a:schemeClr val="accent1"/>
+          </a:lnRef>
+          <a:fillRef idx="3">
+            <a:schemeClr val="accent1"/>
+          </a:fillRef>
+          <a:effectRef idx="2">
+            <a:schemeClr val="accent1"/>
+          </a:effectRef>
+          <a:fontRef idx="minor">
+            <a:schemeClr val="lt1"/>
+          </a:fontRef>
+        </p:style>
+        <p:txBody>
+          <a:bodyPr rtlCol="0" anchor="ctr"/>
+          <a:lstStyle/>
+          <a:p>
+            <a:pPr algn="ctr"/>
+          </a:p>
+        </p:txBody>
+      </p:sp>
+      <p:sp>
+        <p:nvSpPr>
+          <p:cNvPr id="4" name="Oval 3"/>
+          <p:cNvSpPr/>
+          <p:nvPr/>
+        </p:nvSpPr>
+        <p:spPr>
+          <a:xfrm>
+            <a:off x="-1097280" y="5303520"/>
+            <a:ext cx="2926080" cy="2926080"/>
+          </a:xfrm>
+          <a:prstGeom prst="ellipse">
+            <a:avLst/>
+          </a:prstGeom>
+          <a:solidFill>
+            <a:srgbClr val="00A8E8"/>
+          </a:solidFill>
+          <a:ln>
+            <a:noFill/>
+          </a:ln>
+        </p:spPr>
+        <p:style>
+          <a:lnRef idx="1">
+            <a:schemeClr val="accent1"/>
+          </a:lnRef>
+          <a:fillRef idx="3">
+            <a:schemeClr val="accent1"/>
+          </a:fillRef>
+          <a:effectRef idx="2">
+            <a:schemeClr val="accent1"/>
+          </a:effectRef>
+          <a:fontRef idx="minor">
+            <a:schemeClr val="lt1"/>
+          </a:fontRef>
+        </p:style>
+        <p:txBody>
+          <a:bodyPr rtlCol="0" anchor="ctr"/>
+          <a:lstStyle/>
+          <a:p>
+            <a:pPr algn="ctr"/>
+          </a:p>
+        </p:txBody>
+      </p:sp>
+      <p:sp>
+        <p:nvSpPr>
+          <p:cNvPr id="5" name="TextBox 4"/>
+          <p:cNvSpPr txBox="1"/>
+          <p:nvPr/>
+        </p:nvSpPr>
+        <p:spPr>
+          <a:xfrm>
+            <a:off x="640080" y="365760"/>
+            <a:ext cx="5029200" cy="365760"/>
+          </a:xfrm>
+          <a:prstGeom prst="rect">
+            <a:avLst/>
+          </a:prstGeom>
+          <a:noFill/>
+        </p:spPr>
+        <p:txBody>
+          <a:bodyPr wrap="none">
+            <a:spAutoFit/>
+          </a:bodyPr>
+          <a:lstStyle/>
+          <a:p>
+            <a:pPr algn="l"/>
+            <a:r>
+              <a:rPr sz="1200" b="1">
+                <a:solidFill>
+                  <a:srgbClr val="236F96"/>
+                </a:solidFill>
+                <a:latin typeface="Avenir Next"/>
+              </a:rPr>
+              <a:t>Conclusion</a:t>
+            </a:r>
+          </a:p>
+        </p:txBody>
+      </p:sp>
+      <p:sp>
+        <p:nvSpPr>
+          <p:cNvPr id="6" name="TextBox 5"/>
+          <p:cNvSpPr txBox="1"/>
+          <p:nvPr/>
+        </p:nvSpPr>
+        <p:spPr>
+          <a:xfrm>
+            <a:off x="640080" y="731520"/>
+            <a:ext cx="10881360" cy="1097280"/>
+          </a:xfrm>
+          <a:prstGeom prst="rect">
+            <a:avLst/>
+          </a:prstGeom>
+          <a:noFill/>
+        </p:spPr>
+        <p:txBody>
+          <a:bodyPr wrap="none">
+            <a:spAutoFit/>
+          </a:bodyPr>
+          <a:lstStyle/>
+          <a:p>
+            <a:pPr algn="l"/>
+            <a:r>
+              <a:rPr sz="3600" b="1">
+                <a:solidFill>
+                  <a:srgbClr val="0C1821"/>
+                </a:solidFill>
+                <a:latin typeface="Avenir Next"/>
+              </a:rPr>
+              <a:t>Conclusions, Lessons, and Next Steps (5.9.8, 5.9.9)</a:t>
+            </a:r>
+          </a:p>
+        </p:txBody>
+      </p:sp>
+      <p:sp>
+        <p:nvSpPr>
+          <p:cNvPr id="7" name="TextBox 6"/>
+          <p:cNvSpPr txBox="1"/>
+          <p:nvPr/>
+        </p:nvSpPr>
+        <p:spPr>
+          <a:xfrm>
+            <a:off x="731520" y="1828800"/>
+            <a:ext cx="10972800" cy="4389120"/>
+          </a:xfrm>
+          <a:prstGeom prst="rect">
+            <a:avLst/>
+          </a:prstGeom>
+          <a:noFill/>
+        </p:spPr>
+        <p:txBody>
+          <a:bodyPr wrap="square">
+            <a:spAutoFit/>
+          </a:bodyPr>
+          <a:lstStyle/>
+          <a:p>
+            <a:pPr>
+              <a:spcAft>
+                <a:spcPts val="800"/>
+              </a:spcAft>
+              <a:defRPr sz="2200" b="0">
+                <a:solidFill>
+                  <a:srgbClr val="12222F"/>
+                </a:solidFill>
+                <a:latin typeface="Avenir Next"/>
+              </a:defRPr>
+            </a:pPr>
+            <a:r>
+              <a:t>An end-to-end enterprise DS pipeline was implemented and validated.</a:t>
+            </a:r>
+          </a:p>
+          <a:p>
+            <a:pPr>
+              <a:spcAft>
+                <a:spcPts val="800"/>
+              </a:spcAft>
+              <a:defRPr sz="2200" b="0">
+                <a:solidFill>
+                  <a:srgbClr val="12222F"/>
+                </a:solidFill>
+                <a:latin typeface="Avenir Next"/>
+              </a:defRPr>
+            </a:pPr>
+            <a:r>
+              <a:t>Predictive + explainable + causal layers improve decision quality.</a:t>
+            </a:r>
+          </a:p>
+          <a:p>
+            <a:pPr>
+              <a:spcAft>
+                <a:spcPts val="800"/>
+              </a:spcAft>
+              <a:defRPr sz="2200" b="0">
+                <a:solidFill>
+                  <a:srgbClr val="12222F"/>
+                </a:solidFill>
+                <a:latin typeface="Avenir Next"/>
+              </a:defRPr>
+            </a:pPr>
+            <a:r>
+              <a:t>Next step: validate uplift on real campaign logs / A/B tests.</a:t>
+            </a:r>
+          </a:p>
+          <a:p>
+            <a:pPr>
+              <a:spcAft>
+                <a:spcPts val="800"/>
+              </a:spcAft>
+              <a:defRPr sz="2200" b="0">
+                <a:solidFill>
+                  <a:srgbClr val="12222F"/>
+                </a:solidFill>
+                <a:latin typeface="Avenir Next"/>
+              </a:defRPr>
+            </a:pPr>
+            <a:r>
+              <a:t>This repository is submission-ready with reproducible artifacts.</a:t>
+            </a:r>
+          </a:p>
+        </p:txBody>
+      </p:sp>
+    </p:spTree>
+  </p:cSld>
+  <p:clrMapOvr>
+    <a:masterClrMapping/>
+  </p:clrMapOvr>
+</p:sld>
+</file>
+
+<file path=ppt/slides/slide18.xml><?xml version="1.0" encoding="utf-8"?>
+<p:sld xmlns:a="http://schemas.openxmlformats.org/drawingml/2006/main" xmlns:p="http://schemas.openxmlformats.org/presentationml/2006/main" xmlns:r="http://schemas.openxmlformats.org/officeDocument/2006/relationships">
+  <p:cSld>
+    <p:spTree>
+      <p:nvGrpSpPr>
+        <p:cNvPr id="1" name=""/>
+        <p:cNvGrpSpPr/>
+        <p:nvPr/>
+      </p:nvGrpSpPr>
+      <p:grpSpPr/>
+      <p:sp>
+        <p:nvSpPr>
+          <p:cNvPr id="2" name="Rectangle 1"/>
+          <p:cNvSpPr/>
+          <p:nvPr/>
+        </p:nvSpPr>
+        <p:spPr>
+          <a:xfrm>
+            <a:off x="0" y="0"/>
+            <a:ext cx="12191695" cy="6858000"/>
+          </a:xfrm>
+          <a:prstGeom prst="rect">
+            <a:avLst/>
+          </a:prstGeom>
+          <a:solidFill>
+            <a:srgbClr val="102539"/>
+          </a:solidFill>
+          <a:ln>
+            <a:noFill/>
+          </a:ln>
+        </p:spPr>
+        <p:style>
+          <a:lnRef idx="1">
+            <a:schemeClr val="accent1"/>
+          </a:lnRef>
+          <a:fillRef idx="3">
+            <a:schemeClr val="accent1"/>
+          </a:fillRef>
+          <a:effectRef idx="2">
+            <a:schemeClr val="accent1"/>
+          </a:effectRef>
+          <a:fontRef idx="minor">
+            <a:schemeClr val="lt1"/>
+          </a:fontRef>
+        </p:style>
+        <p:txBody>
+          <a:bodyPr rtlCol="0" anchor="ctr"/>
+          <a:lstStyle/>
+          <a:p>
+            <a:pPr algn="ctr"/>
+          </a:p>
+        </p:txBody>
+      </p:sp>
+      <p:sp>
+        <p:nvSpPr>
+          <p:cNvPr id="3" name="Oval 2"/>
+          <p:cNvSpPr/>
+          <p:nvPr/>
+        </p:nvSpPr>
+        <p:spPr>
+          <a:xfrm>
+            <a:off x="9875520" y="-914400"/>
+            <a:ext cx="2743200" cy="2743200"/>
+          </a:xfrm>
+          <a:prstGeom prst="ellipse">
+            <a:avLst/>
+          </a:prstGeom>
+          <a:solidFill>
+            <a:srgbClr val="2EC4B6"/>
+          </a:solidFill>
+          <a:ln>
+            <a:noFill/>
+          </a:ln>
+        </p:spPr>
+        <p:style>
+          <a:lnRef idx="1">
+            <a:schemeClr val="accent1"/>
+          </a:lnRef>
+          <a:fillRef idx="3">
+            <a:schemeClr val="accent1"/>
+          </a:fillRef>
+          <a:effectRef idx="2">
+            <a:schemeClr val="accent1"/>
+          </a:effectRef>
+          <a:fontRef idx="minor">
+            <a:schemeClr val="lt1"/>
+          </a:fontRef>
+        </p:style>
+        <p:txBody>
+          <a:bodyPr rtlCol="0" anchor="ctr"/>
+          <a:lstStyle/>
+          <a:p>
+            <a:pPr algn="ctr"/>
+          </a:p>
+        </p:txBody>
+      </p:sp>
+      <p:sp>
+        <p:nvSpPr>
+          <p:cNvPr id="4" name="Oval 3"/>
+          <p:cNvSpPr/>
+          <p:nvPr/>
+        </p:nvSpPr>
+        <p:spPr>
+          <a:xfrm>
+            <a:off x="-1097280" y="5303520"/>
+            <a:ext cx="2926080" cy="2926080"/>
+          </a:xfrm>
+          <a:prstGeom prst="ellipse">
+            <a:avLst/>
+          </a:prstGeom>
+          <a:solidFill>
+            <a:srgbClr val="00A8E8"/>
+          </a:solidFill>
+          <a:ln>
+            <a:noFill/>
+          </a:ln>
+        </p:spPr>
+        <p:style>
+          <a:lnRef idx="1">
+            <a:schemeClr val="accent1"/>
+          </a:lnRef>
+          <a:fillRef idx="3">
+            <a:schemeClr val="accent1"/>
+          </a:fillRef>
+          <a:effectRef idx="2">
+            <a:schemeClr val="accent1"/>
+          </a:effectRef>
+          <a:fontRef idx="minor">
+            <a:schemeClr val="lt1"/>
+          </a:fontRef>
+        </p:style>
+        <p:txBody>
+          <a:bodyPr rtlCol="0" anchor="ctr"/>
+          <a:lstStyle/>
+          <a:p>
+            <a:pPr algn="ctr"/>
+          </a:p>
+        </p:txBody>
+      </p:sp>
+      <p:sp>
+        <p:nvSpPr>
+          <p:cNvPr id="5" name="TextBox 4"/>
+          <p:cNvSpPr txBox="1"/>
+          <p:nvPr/>
+        </p:nvSpPr>
+        <p:spPr>
+          <a:xfrm>
+            <a:off x="640080" y="365760"/>
+            <a:ext cx="5029200" cy="365760"/>
+          </a:xfrm>
+          <a:prstGeom prst="rect">
+            <a:avLst/>
+          </a:prstGeom>
+          <a:noFill/>
+        </p:spPr>
+        <p:txBody>
+          <a:bodyPr wrap="none">
+            <a:spAutoFit/>
+          </a:bodyPr>
+          <a:lstStyle/>
+          <a:p>
+            <a:pPr algn="l"/>
+            <a:r>
+              <a:rPr sz="1200" b="1">
+                <a:solidFill>
+                  <a:srgbClr val="D6E7F5"/>
+                </a:solidFill>
+                <a:latin typeface="Avenir Next"/>
+              </a:rPr>
+              <a:t>Thank You</a:t>
+            </a:r>
+          </a:p>
+        </p:txBody>
+      </p:sp>
+      <p:sp>
+        <p:nvSpPr>
+          <p:cNvPr id="6" name="TextBox 5"/>
+          <p:cNvSpPr txBox="1"/>
+          <p:nvPr/>
+        </p:nvSpPr>
+        <p:spPr>
+          <a:xfrm>
+            <a:off x="640080" y="731520"/>
+            <a:ext cx="10881360" cy="1097280"/>
+          </a:xfrm>
+          <a:prstGeom prst="rect">
+            <a:avLst/>
+          </a:prstGeom>
+          <a:noFill/>
+        </p:spPr>
+        <p:txBody>
+          <a:bodyPr wrap="none">
+            <a:spAutoFit/>
+          </a:bodyPr>
+          <a:lstStyle/>
+          <a:p>
+            <a:pPr algn="l"/>
+            <a:r>
+              <a:rPr sz="4600" b="1">
+                <a:solidFill>
+                  <a:srgbClr val="F8FBFF"/>
+                </a:solidFill>
+                <a:latin typeface="Avenir Next"/>
+              </a:rPr>
+              <a:t>Questions and Discussion</a:t>
+            </a:r>
+          </a:p>
+        </p:txBody>
+      </p:sp>
+      <p:sp>
+        <p:nvSpPr>
+          <p:cNvPr id="7" name="TextBox 6"/>
+          <p:cNvSpPr txBox="1"/>
+          <p:nvPr/>
+        </p:nvSpPr>
+        <p:spPr>
+          <a:xfrm>
+            <a:off x="822960" y="2011680"/>
+            <a:ext cx="10515600" cy="2377440"/>
+          </a:xfrm>
+          <a:prstGeom prst="rect">
+            <a:avLst/>
+          </a:prstGeom>
+          <a:noFill/>
+        </p:spPr>
+        <p:txBody>
+          <a:bodyPr wrap="none">
+            <a:spAutoFit/>
+          </a:bodyPr>
+          <a:lstStyle/>
+          <a:p>
+            <a:pPr algn="ctr"/>
+            <a:r>
+              <a:rPr sz="2200" b="0">
+                <a:solidFill>
+                  <a:srgbClr val="DCEBF6"/>
+                </a:solidFill>
+                <a:latin typeface="Avenir Next"/>
+              </a:rPr>
               <a:t>Repository: https://github.com/othmane-zizi-pro/nwa</a:t>
+            </a:r>
+            <a:br/>
+            <a:r>
+              <a:t>Othmane Zizi (261255341) | Fares Joni (261254593) | Tanmay Giri (261272443)</a:t>
+            </a:r>
+          </a:p>
+        </p:txBody>
+      </p:sp>
+      <p:sp>
+        <p:nvSpPr>
+          <p:cNvPr id="8" name="TextBox 7"/>
+          <p:cNvSpPr txBox="1"/>
+          <p:nvPr/>
+        </p:nvSpPr>
+        <p:spPr>
+          <a:xfrm>
+            <a:off x="822960" y="5943600"/>
+            <a:ext cx="10515600" cy="457200"/>
+          </a:xfrm>
+          <a:prstGeom prst="rect">
+            <a:avLst/>
+          </a:prstGeom>
+          <a:noFill/>
+        </p:spPr>
+        <p:txBody>
+          <a:bodyPr wrap="none">
+            <a:spAutoFit/>
+          </a:bodyPr>
+          <a:lstStyle/>
+          <a:p>
+            <a:pPr algn="ctr"/>
+            <a:r>
+              <a:rPr sz="1400" b="0">
+                <a:solidFill>
+                  <a:srgbClr val="DCEBF6"/>
+                </a:solidFill>
+                <a:latin typeface="Avenir Next"/>
+              </a:rPr>
+              <a:t>Nerds With Attitude - INSY 674</a:t>
             </a:r>
           </a:p>
         </p:txBody>
@@ -3914,35 +6739,373 @@
       <p:grpSpPr/>
       <p:sp>
         <p:nvSpPr>
-          <p:cNvPr id="2" name="Title 1"/>
-          <p:cNvSpPr>
-            <a:spLocks noGrp="1"/>
-          </p:cNvSpPr>
-          <p:nvPr>
-            <p:ph type="title"/>
-          </p:nvPr>
-        </p:nvSpPr>
-        <p:spPr/>
-        <p:txBody>
-          <a:bodyPr/>
-          <a:lstStyle/>
-          <a:p>
-            <a:r>
-              <a:t>2. Business Context (5.9.1)</a:t>
-            </a:r>
-          </a:p>
-        </p:txBody>
-      </p:sp>
-      <p:sp>
-        <p:nvSpPr>
-          <p:cNvPr id="3" name="TextBox 2"/>
+          <p:cNvPr id="2" name="Rectangle 1"/>
+          <p:cNvSpPr/>
+          <p:nvPr/>
+        </p:nvSpPr>
+        <p:spPr>
+          <a:xfrm>
+            <a:off x="0" y="0"/>
+            <a:ext cx="12191695" cy="6858000"/>
+          </a:xfrm>
+          <a:prstGeom prst="rect">
+            <a:avLst/>
+          </a:prstGeom>
+          <a:solidFill>
+            <a:srgbClr val="F8F5F1"/>
+          </a:solidFill>
+          <a:ln>
+            <a:noFill/>
+          </a:ln>
+        </p:spPr>
+        <p:style>
+          <a:lnRef idx="1">
+            <a:schemeClr val="accent1"/>
+          </a:lnRef>
+          <a:fillRef idx="3">
+            <a:schemeClr val="accent1"/>
+          </a:fillRef>
+          <a:effectRef idx="2">
+            <a:schemeClr val="accent1"/>
+          </a:effectRef>
+          <a:fontRef idx="minor">
+            <a:schemeClr val="lt1"/>
+          </a:fontRef>
+        </p:style>
+        <p:txBody>
+          <a:bodyPr rtlCol="0" anchor="ctr"/>
+          <a:lstStyle/>
+          <a:p>
+            <a:pPr algn="ctr"/>
+          </a:p>
+        </p:txBody>
+      </p:sp>
+      <p:sp>
+        <p:nvSpPr>
+          <p:cNvPr id="3" name="Oval 2"/>
+          <p:cNvSpPr/>
+          <p:nvPr/>
+        </p:nvSpPr>
+        <p:spPr>
+          <a:xfrm>
+            <a:off x="9875520" y="-914400"/>
+            <a:ext cx="2743200" cy="2743200"/>
+          </a:xfrm>
+          <a:prstGeom prst="ellipse">
+            <a:avLst/>
+          </a:prstGeom>
+          <a:solidFill>
+            <a:srgbClr val="2EC4B6"/>
+          </a:solidFill>
+          <a:ln>
+            <a:noFill/>
+          </a:ln>
+        </p:spPr>
+        <p:style>
+          <a:lnRef idx="1">
+            <a:schemeClr val="accent1"/>
+          </a:lnRef>
+          <a:fillRef idx="3">
+            <a:schemeClr val="accent1"/>
+          </a:fillRef>
+          <a:effectRef idx="2">
+            <a:schemeClr val="accent1"/>
+          </a:effectRef>
+          <a:fontRef idx="minor">
+            <a:schemeClr val="lt1"/>
+          </a:fontRef>
+        </p:style>
+        <p:txBody>
+          <a:bodyPr rtlCol="0" anchor="ctr"/>
+          <a:lstStyle/>
+          <a:p>
+            <a:pPr algn="ctr"/>
+          </a:p>
+        </p:txBody>
+      </p:sp>
+      <p:sp>
+        <p:nvSpPr>
+          <p:cNvPr id="4" name="Oval 3"/>
+          <p:cNvSpPr/>
+          <p:nvPr/>
+        </p:nvSpPr>
+        <p:spPr>
+          <a:xfrm>
+            <a:off x="-1097280" y="5303520"/>
+            <a:ext cx="2926080" cy="2926080"/>
+          </a:xfrm>
+          <a:prstGeom prst="ellipse">
+            <a:avLst/>
+          </a:prstGeom>
+          <a:solidFill>
+            <a:srgbClr val="00A8E8"/>
+          </a:solidFill>
+          <a:ln>
+            <a:noFill/>
+          </a:ln>
+        </p:spPr>
+        <p:style>
+          <a:lnRef idx="1">
+            <a:schemeClr val="accent1"/>
+          </a:lnRef>
+          <a:fillRef idx="3">
+            <a:schemeClr val="accent1"/>
+          </a:fillRef>
+          <a:effectRef idx="2">
+            <a:schemeClr val="accent1"/>
+          </a:effectRef>
+          <a:fontRef idx="minor">
+            <a:schemeClr val="lt1"/>
+          </a:fontRef>
+        </p:style>
+        <p:txBody>
+          <a:bodyPr rtlCol="0" anchor="ctr"/>
+          <a:lstStyle/>
+          <a:p>
+            <a:pPr algn="ctr"/>
+          </a:p>
+        </p:txBody>
+      </p:sp>
+      <p:sp>
+        <p:nvSpPr>
+          <p:cNvPr id="5" name="TextBox 4"/>
           <p:cNvSpPr txBox="1"/>
           <p:nvPr/>
         </p:nvSpPr>
         <p:spPr>
           <a:xfrm>
-            <a:off x="457200" y="1188720"/>
-            <a:ext cx="11430000" cy="5303520"/>
+            <a:off x="640080" y="365760"/>
+            <a:ext cx="5029200" cy="365760"/>
+          </a:xfrm>
+          <a:prstGeom prst="rect">
+            <a:avLst/>
+          </a:prstGeom>
+          <a:noFill/>
+        </p:spPr>
+        <p:txBody>
+          <a:bodyPr wrap="none">
+            <a:spAutoFit/>
+          </a:bodyPr>
+          <a:lstStyle/>
+          <a:p>
+            <a:pPr algn="l"/>
+            <a:r>
+              <a:rPr sz="1200" b="1">
+                <a:solidFill>
+                  <a:srgbClr val="236F96"/>
+                </a:solidFill>
+                <a:latin typeface="Avenir Next"/>
+              </a:rPr>
+              <a:t>Context</a:t>
+            </a:r>
+          </a:p>
+        </p:txBody>
+      </p:sp>
+      <p:sp>
+        <p:nvSpPr>
+          <p:cNvPr id="6" name="TextBox 5"/>
+          <p:cNvSpPr txBox="1"/>
+          <p:nvPr/>
+        </p:nvSpPr>
+        <p:spPr>
+          <a:xfrm>
+            <a:off x="640080" y="731520"/>
+            <a:ext cx="10881360" cy="1097280"/>
+          </a:xfrm>
+          <a:prstGeom prst="rect">
+            <a:avLst/>
+          </a:prstGeom>
+          <a:noFill/>
+        </p:spPr>
+        <p:txBody>
+          <a:bodyPr wrap="none">
+            <a:spAutoFit/>
+          </a:bodyPr>
+          <a:lstStyle/>
+          <a:p>
+            <a:pPr algn="l"/>
+            <a:r>
+              <a:rPr sz="3600" b="1">
+                <a:solidFill>
+                  <a:srgbClr val="0C1821"/>
+                </a:solidFill>
+                <a:latin typeface="Avenir Next"/>
+              </a:rPr>
+              <a:t>Business Context and Objective (5.9.1)</a:t>
+            </a:r>
+          </a:p>
+        </p:txBody>
+      </p:sp>
+      <p:sp>
+        <p:nvSpPr>
+          <p:cNvPr id="7" name="Rounded Rectangle 6"/>
+          <p:cNvSpPr/>
+          <p:nvPr/>
+        </p:nvSpPr>
+        <p:spPr>
+          <a:xfrm>
+            <a:off x="640080" y="1828800"/>
+            <a:ext cx="5577840" cy="4389120"/>
+          </a:xfrm>
+          <a:prstGeom prst="roundRect">
+            <a:avLst/>
+          </a:prstGeom>
+          <a:solidFill>
+            <a:srgbClr val="FFFFFF"/>
+          </a:solidFill>
+          <a:ln w="12700">
+            <a:solidFill>
+              <a:srgbClr val="E9F0F6"/>
+            </a:solidFill>
+          </a:ln>
+        </p:spPr>
+        <p:style>
+          <a:lnRef idx="1">
+            <a:schemeClr val="accent1"/>
+          </a:lnRef>
+          <a:fillRef idx="3">
+            <a:schemeClr val="accent1"/>
+          </a:fillRef>
+          <a:effectRef idx="2">
+            <a:schemeClr val="accent1"/>
+          </a:effectRef>
+          <a:fontRef idx="minor">
+            <a:schemeClr val="lt1"/>
+          </a:fontRef>
+        </p:style>
+        <p:txBody>
+          <a:bodyPr rtlCol="0" anchor="ctr"/>
+          <a:lstStyle/>
+          <a:p>
+            <a:pPr algn="ctr"/>
+          </a:p>
+        </p:txBody>
+      </p:sp>
+      <p:sp>
+        <p:nvSpPr>
+          <p:cNvPr id="8" name="Rounded Rectangle 7"/>
+          <p:cNvSpPr/>
+          <p:nvPr/>
+        </p:nvSpPr>
+        <p:spPr>
+          <a:xfrm>
+            <a:off x="6355080" y="1828800"/>
+            <a:ext cx="5166360" cy="4389120"/>
+          </a:xfrm>
+          <a:prstGeom prst="roundRect">
+            <a:avLst/>
+          </a:prstGeom>
+          <a:solidFill>
+            <a:srgbClr val="FFFFFF"/>
+          </a:solidFill>
+          <a:ln w="12700">
+            <a:solidFill>
+              <a:srgbClr val="E9F0F6"/>
+            </a:solidFill>
+          </a:ln>
+        </p:spPr>
+        <p:style>
+          <a:lnRef idx="1">
+            <a:schemeClr val="accent1"/>
+          </a:lnRef>
+          <a:fillRef idx="3">
+            <a:schemeClr val="accent1"/>
+          </a:fillRef>
+          <a:effectRef idx="2">
+            <a:schemeClr val="accent1"/>
+          </a:effectRef>
+          <a:fontRef idx="minor">
+            <a:schemeClr val="lt1"/>
+          </a:fontRef>
+        </p:style>
+        <p:txBody>
+          <a:bodyPr rtlCol="0" anchor="ctr"/>
+          <a:lstStyle/>
+          <a:p>
+            <a:pPr algn="ctr"/>
+          </a:p>
+        </p:txBody>
+      </p:sp>
+      <p:sp>
+        <p:nvSpPr>
+          <p:cNvPr id="9" name="TextBox 8"/>
+          <p:cNvSpPr txBox="1"/>
+          <p:nvPr/>
+        </p:nvSpPr>
+        <p:spPr>
+          <a:xfrm>
+            <a:off x="914400" y="2011680"/>
+            <a:ext cx="5029200" cy="457200"/>
+          </a:xfrm>
+          <a:prstGeom prst="rect">
+            <a:avLst/>
+          </a:prstGeom>
+          <a:noFill/>
+        </p:spPr>
+        <p:txBody>
+          <a:bodyPr wrap="none">
+            <a:spAutoFit/>
+          </a:bodyPr>
+          <a:lstStyle/>
+          <a:p>
+            <a:pPr algn="l"/>
+            <a:r>
+              <a:rPr sz="2400" b="1">
+                <a:solidFill>
+                  <a:srgbClr val="0C1821"/>
+                </a:solidFill>
+                <a:latin typeface="Avenir Next"/>
+              </a:rPr>
+              <a:t>Problem</a:t>
+            </a:r>
+          </a:p>
+        </p:txBody>
+      </p:sp>
+      <p:sp>
+        <p:nvSpPr>
+          <p:cNvPr id="10" name="TextBox 9"/>
+          <p:cNvSpPr txBox="1"/>
+          <p:nvPr/>
+        </p:nvSpPr>
+        <p:spPr>
+          <a:xfrm>
+            <a:off x="6629400" y="2011680"/>
+            <a:ext cx="4480560" cy="457200"/>
+          </a:xfrm>
+          <a:prstGeom prst="rect">
+            <a:avLst/>
+          </a:prstGeom>
+          <a:noFill/>
+        </p:spPr>
+        <p:txBody>
+          <a:bodyPr wrap="none">
+            <a:spAutoFit/>
+          </a:bodyPr>
+          <a:lstStyle/>
+          <a:p>
+            <a:pPr algn="l"/>
+            <a:r>
+              <a:rPr sz="2400" b="1">
+                <a:solidFill>
+                  <a:srgbClr val="0C1821"/>
+                </a:solidFill>
+                <a:latin typeface="Avenir Next"/>
+              </a:rPr>
+              <a:t>Objective</a:t>
+            </a:r>
+          </a:p>
+        </p:txBody>
+      </p:sp>
+      <p:sp>
+        <p:nvSpPr>
+          <p:cNvPr id="11" name="TextBox 10"/>
+          <p:cNvSpPr txBox="1"/>
+          <p:nvPr/>
+        </p:nvSpPr>
+        <p:spPr>
+          <a:xfrm>
+            <a:off x="914400" y="2560320"/>
+            <a:ext cx="5029200" cy="3474720"/>
           </a:xfrm>
           <a:prstGeom prst="rect">
             <a:avLst/>
@@ -3956,34 +7119,121 @@
           <a:lstStyle/>
           <a:p>
             <a:pPr>
-              <a:defRPr sz="2200"/>
+              <a:spcAft>
+                <a:spcPts val="800"/>
+              </a:spcAft>
+              <a:defRPr sz="2200" b="0">
+                <a:solidFill>
+                  <a:srgbClr val="12222F"/>
+                </a:solidFill>
+                <a:latin typeface="Avenir Next"/>
+              </a:defRPr>
             </a:pPr>
             <a:r>
-              <a:t>Problem: marketing budgets are spread uniformly across unequal customers.</a:t>
+              <a:t>Marketing budgets are often distributed uniformly across unequal customers.</a:t>
             </a:r>
           </a:p>
           <a:p>
             <a:pPr>
-              <a:defRPr sz="2200"/>
+              <a:spcAft>
+                <a:spcPts val="800"/>
+              </a:spcAft>
+              <a:defRPr sz="2200" b="0">
+                <a:solidFill>
+                  <a:srgbClr val="12222F"/>
+                </a:solidFill>
+                <a:latin typeface="Avenir Next"/>
+              </a:defRPr>
             </a:pPr>
             <a:r>
-              <a:t>Objective: predict 6-month CLV to prioritize retention and campaign spend.</a:t>
+              <a:t>High-value customers can churn without proactive intervention.</a:t>
             </a:r>
           </a:p>
           <a:p>
             <a:pPr>
-              <a:defRPr sz="2200"/>
+              <a:spcAft>
+                <a:spcPts val="800"/>
+              </a:spcAft>
+              <a:defRPr sz="2200" b="0">
+                <a:solidFill>
+                  <a:srgbClr val="12222F"/>
+                </a:solidFill>
+                <a:latin typeface="Avenir Next"/>
+              </a:defRPr>
             </a:pPr>
             <a:r>
-              <a:t>Business KPI: capture maximum realized CLV in top-ranked customers.</a:t>
-            </a:r>
-          </a:p>
+              <a:t>Revenue concentration means ranking quality drives business impact.</a:t>
+            </a:r>
+          </a:p>
+        </p:txBody>
+      </p:sp>
+      <p:sp>
+        <p:nvSpPr>
+          <p:cNvPr id="12" name="TextBox 11"/>
+          <p:cNvSpPr txBox="1"/>
+          <p:nvPr/>
+        </p:nvSpPr>
+        <p:spPr>
+          <a:xfrm>
+            <a:off x="6629400" y="2560320"/>
+            <a:ext cx="4480560" cy="3474720"/>
+          </a:xfrm>
+          <a:prstGeom prst="rect">
+            <a:avLst/>
+          </a:prstGeom>
+          <a:noFill/>
+        </p:spPr>
+        <p:txBody>
+          <a:bodyPr wrap="square">
+            <a:spAutoFit/>
+          </a:bodyPr>
+          <a:lstStyle/>
           <a:p>
             <a:pPr>
-              <a:defRPr sz="2200"/>
+              <a:spcAft>
+                <a:spcPts val="800"/>
+              </a:spcAft>
+              <a:defRPr sz="2200" b="0">
+                <a:solidFill>
+                  <a:srgbClr val="12222F"/>
+                </a:solidFill>
+                <a:latin typeface="Avenir Next"/>
+              </a:defRPr>
             </a:pPr>
             <a:r>
-              <a:t>Success target: strong RMSE/R² and high lift over random targeting.</a:t>
+              <a:t>Predict 6-month CLV per customer from historical transaction behavior.</a:t>
+            </a:r>
+          </a:p>
+          <a:p>
+            <a:pPr>
+              <a:spcAft>
+                <a:spcPts val="800"/>
+              </a:spcAft>
+              <a:defRPr sz="2200" b="0">
+                <a:solidFill>
+                  <a:srgbClr val="12222F"/>
+                </a:solidFill>
+                <a:latin typeface="Avenir Next"/>
+              </a:defRPr>
+            </a:pPr>
+            <a:r>
+              <a:t>Use model output to prioritize retention and campaign spend.</a:t>
+            </a:r>
+          </a:p>
+          <a:p>
+            <a:pPr>
+              <a:spcAft>
+                <a:spcPts val="800"/>
+              </a:spcAft>
+              <a:defRPr sz="2200" b="0">
+                <a:solidFill>
+                  <a:srgbClr val="12222F"/>
+                </a:solidFill>
+                <a:latin typeface="Avenir Next"/>
+              </a:defRPr>
+            </a:pPr>
+            <a:r>
+              <a:t>Track value capture with lift and production monitoring.</a:t>
             </a:r>
           </a:p>
         </p:txBody>
@@ -4008,35 +7258,213 @@
       <p:grpSpPr/>
       <p:sp>
         <p:nvSpPr>
-          <p:cNvPr id="2" name="Title 1"/>
-          <p:cNvSpPr>
-            <a:spLocks noGrp="1"/>
-          </p:cNvSpPr>
-          <p:nvPr>
-            <p:ph type="title"/>
-          </p:nvPr>
-        </p:nvSpPr>
-        <p:spPr/>
-        <p:txBody>
-          <a:bodyPr/>
-          <a:lstStyle/>
-          <a:p>
-            <a:r>
-              <a:t>3. Hypotheses (5.9.2)</a:t>
-            </a:r>
-          </a:p>
-        </p:txBody>
-      </p:sp>
-      <p:sp>
-        <p:nvSpPr>
-          <p:cNvPr id="3" name="TextBox 2"/>
+          <p:cNvPr id="2" name="Rectangle 1"/>
+          <p:cNvSpPr/>
+          <p:nvPr/>
+        </p:nvSpPr>
+        <p:spPr>
+          <a:xfrm>
+            <a:off x="0" y="0"/>
+            <a:ext cx="12191695" cy="6858000"/>
+          </a:xfrm>
+          <a:prstGeom prst="rect">
+            <a:avLst/>
+          </a:prstGeom>
+          <a:solidFill>
+            <a:srgbClr val="F8F5F1"/>
+          </a:solidFill>
+          <a:ln>
+            <a:noFill/>
+          </a:ln>
+        </p:spPr>
+        <p:style>
+          <a:lnRef idx="1">
+            <a:schemeClr val="accent1"/>
+          </a:lnRef>
+          <a:fillRef idx="3">
+            <a:schemeClr val="accent1"/>
+          </a:fillRef>
+          <a:effectRef idx="2">
+            <a:schemeClr val="accent1"/>
+          </a:effectRef>
+          <a:fontRef idx="minor">
+            <a:schemeClr val="lt1"/>
+          </a:fontRef>
+        </p:style>
+        <p:txBody>
+          <a:bodyPr rtlCol="0" anchor="ctr"/>
+          <a:lstStyle/>
+          <a:p>
+            <a:pPr algn="ctr"/>
+          </a:p>
+        </p:txBody>
+      </p:sp>
+      <p:sp>
+        <p:nvSpPr>
+          <p:cNvPr id="3" name="Oval 2"/>
+          <p:cNvSpPr/>
+          <p:nvPr/>
+        </p:nvSpPr>
+        <p:spPr>
+          <a:xfrm>
+            <a:off x="9875520" y="-914400"/>
+            <a:ext cx="2743200" cy="2743200"/>
+          </a:xfrm>
+          <a:prstGeom prst="ellipse">
+            <a:avLst/>
+          </a:prstGeom>
+          <a:solidFill>
+            <a:srgbClr val="2EC4B6"/>
+          </a:solidFill>
+          <a:ln>
+            <a:noFill/>
+          </a:ln>
+        </p:spPr>
+        <p:style>
+          <a:lnRef idx="1">
+            <a:schemeClr val="accent1"/>
+          </a:lnRef>
+          <a:fillRef idx="3">
+            <a:schemeClr val="accent1"/>
+          </a:fillRef>
+          <a:effectRef idx="2">
+            <a:schemeClr val="accent1"/>
+          </a:effectRef>
+          <a:fontRef idx="minor">
+            <a:schemeClr val="lt1"/>
+          </a:fontRef>
+        </p:style>
+        <p:txBody>
+          <a:bodyPr rtlCol="0" anchor="ctr"/>
+          <a:lstStyle/>
+          <a:p>
+            <a:pPr algn="ctr"/>
+          </a:p>
+        </p:txBody>
+      </p:sp>
+      <p:sp>
+        <p:nvSpPr>
+          <p:cNvPr id="4" name="Oval 3"/>
+          <p:cNvSpPr/>
+          <p:nvPr/>
+        </p:nvSpPr>
+        <p:spPr>
+          <a:xfrm>
+            <a:off x="-1097280" y="5303520"/>
+            <a:ext cx="2926080" cy="2926080"/>
+          </a:xfrm>
+          <a:prstGeom prst="ellipse">
+            <a:avLst/>
+          </a:prstGeom>
+          <a:solidFill>
+            <a:srgbClr val="00A8E8"/>
+          </a:solidFill>
+          <a:ln>
+            <a:noFill/>
+          </a:ln>
+        </p:spPr>
+        <p:style>
+          <a:lnRef idx="1">
+            <a:schemeClr val="accent1"/>
+          </a:lnRef>
+          <a:fillRef idx="3">
+            <a:schemeClr val="accent1"/>
+          </a:fillRef>
+          <a:effectRef idx="2">
+            <a:schemeClr val="accent1"/>
+          </a:effectRef>
+          <a:fontRef idx="minor">
+            <a:schemeClr val="lt1"/>
+          </a:fontRef>
+        </p:style>
+        <p:txBody>
+          <a:bodyPr rtlCol="0" anchor="ctr"/>
+          <a:lstStyle/>
+          <a:p>
+            <a:pPr algn="ctr"/>
+          </a:p>
+        </p:txBody>
+      </p:sp>
+      <p:sp>
+        <p:nvSpPr>
+          <p:cNvPr id="5" name="TextBox 4"/>
           <p:cNvSpPr txBox="1"/>
           <p:nvPr/>
         </p:nvSpPr>
         <p:spPr>
           <a:xfrm>
-            <a:off x="457200" y="1188720"/>
-            <a:ext cx="11430000" cy="5303520"/>
+            <a:off x="640080" y="365760"/>
+            <a:ext cx="5029200" cy="365760"/>
+          </a:xfrm>
+          <a:prstGeom prst="rect">
+            <a:avLst/>
+          </a:prstGeom>
+          <a:noFill/>
+        </p:spPr>
+        <p:txBody>
+          <a:bodyPr wrap="none">
+            <a:spAutoFit/>
+          </a:bodyPr>
+          <a:lstStyle/>
+          <a:p>
+            <a:pPr algn="l"/>
+            <a:r>
+              <a:rPr sz="1200" b="1">
+                <a:solidFill>
+                  <a:srgbClr val="236F96"/>
+                </a:solidFill>
+                <a:latin typeface="Avenir Next"/>
+              </a:rPr>
+              <a:t>Hypothesis</a:t>
+            </a:r>
+          </a:p>
+        </p:txBody>
+      </p:sp>
+      <p:sp>
+        <p:nvSpPr>
+          <p:cNvPr id="6" name="TextBox 5"/>
+          <p:cNvSpPr txBox="1"/>
+          <p:nvPr/>
+        </p:nvSpPr>
+        <p:spPr>
+          <a:xfrm>
+            <a:off x="640080" y="731520"/>
+            <a:ext cx="10881360" cy="1097280"/>
+          </a:xfrm>
+          <a:prstGeom prst="rect">
+            <a:avLst/>
+          </a:prstGeom>
+          <a:noFill/>
+        </p:spPr>
+        <p:txBody>
+          <a:bodyPr wrap="none">
+            <a:spAutoFit/>
+          </a:bodyPr>
+          <a:lstStyle/>
+          <a:p>
+            <a:pPr algn="l"/>
+            <a:r>
+              <a:rPr sz="3600" b="1">
+                <a:solidFill>
+                  <a:srgbClr val="0C1821"/>
+                </a:solidFill>
+                <a:latin typeface="Avenir Next"/>
+              </a:rPr>
+              <a:t>Hypotheses and Testing Framing (5.9.2)</a:t>
+            </a:r>
+          </a:p>
+        </p:txBody>
+      </p:sp>
+      <p:sp>
+        <p:nvSpPr>
+          <p:cNvPr id="7" name="TextBox 6"/>
+          <p:cNvSpPr txBox="1"/>
+          <p:nvPr/>
+        </p:nvSpPr>
+        <p:spPr>
+          <a:xfrm>
+            <a:off x="731520" y="1828800"/>
+            <a:ext cx="10972800" cy="4389120"/>
           </a:xfrm>
           <a:prstGeom prst="rect">
             <a:avLst/>
@@ -4050,34 +7478,66 @@
           <a:lstStyle/>
           <a:p>
             <a:pPr>
-              <a:defRPr sz="2200"/>
+              <a:spcAft>
+                <a:spcPts val="800"/>
+              </a:spcAft>
+              <a:defRPr sz="2200" b="0">
+                <a:solidFill>
+                  <a:srgbClr val="12222F"/>
+                </a:solidFill>
+                <a:latin typeface="Avenir Next"/>
+              </a:defRPr>
             </a:pPr>
             <a:r>
-              <a:t>H1: RFM + behavioral history can predict future CLV.</a:t>
+              <a:t>H1: RFM + behavioral features can predict future CLV.</a:t>
             </a:r>
           </a:p>
           <a:p>
             <a:pPr>
-              <a:defRPr sz="2200"/>
+              <a:spcAft>
+                <a:spcPts val="800"/>
+              </a:spcAft>
+              <a:defRPr sz="2200" b="0">
+                <a:solidFill>
+                  <a:srgbClr val="12222F"/>
+                </a:solidFill>
+                <a:latin typeface="Avenir Next"/>
+              </a:defRPr>
             </a:pPr>
             <a:r>
-              <a:t>H2: regularized linear models will generalize best on this feature set.</a:t>
+              <a:t>H2: Regularized linear models generalize better than tree models on this feature set.</a:t>
             </a:r>
           </a:p>
           <a:p>
             <a:pPr>
-              <a:defRPr sz="2200"/>
+              <a:spcAft>
+                <a:spcPts val="800"/>
+              </a:spcAft>
+              <a:defRPr sz="2200" b="0">
+                <a:solidFill>
+                  <a:srgbClr val="12222F"/>
+                </a:solidFill>
+                <a:latin typeface="Avenir Next"/>
+              </a:defRPr>
             </a:pPr>
             <a:r>
-              <a:t>H3: causal uplift analysis can identify who should receive treatment.</a:t>
+              <a:t>H3: Causal uplift analysis identifies who should receive treatment.</a:t>
             </a:r>
           </a:p>
           <a:p>
             <a:pPr>
-              <a:defRPr sz="2200"/>
+              <a:spcAft>
+                <a:spcPts val="800"/>
+              </a:spcAft>
+              <a:defRPr sz="2200" b="0">
+                <a:solidFill>
+                  <a:srgbClr val="12222F"/>
+                </a:solidFill>
+                <a:latin typeface="Avenir Next"/>
+              </a:defRPr>
             </a:pPr>
             <a:r>
-              <a:t>Null: treatment has no measurable effect on future CLV.</a:t>
+              <a:t>Null framing: treatment has no measurable effect on log1p(CLV).</a:t>
             </a:r>
           </a:p>
         </p:txBody>
@@ -4102,35 +7562,213 @@
       <p:grpSpPr/>
       <p:sp>
         <p:nvSpPr>
-          <p:cNvPr id="2" name="Title 1"/>
-          <p:cNvSpPr>
-            <a:spLocks noGrp="1"/>
-          </p:cNvSpPr>
-          <p:nvPr>
-            <p:ph type="title"/>
-          </p:nvPr>
-        </p:nvSpPr>
-        <p:spPr/>
-        <p:txBody>
-          <a:bodyPr/>
-          <a:lstStyle/>
-          <a:p>
-            <a:r>
-              <a:t>4. Data Acquisition &amp; Profiling (5.2, 5.3)</a:t>
-            </a:r>
-          </a:p>
-        </p:txBody>
-      </p:sp>
-      <p:sp>
-        <p:nvSpPr>
-          <p:cNvPr id="3" name="TextBox 2"/>
+          <p:cNvPr id="2" name="Rectangle 1"/>
+          <p:cNvSpPr/>
+          <p:nvPr/>
+        </p:nvSpPr>
+        <p:spPr>
+          <a:xfrm>
+            <a:off x="0" y="0"/>
+            <a:ext cx="12191695" cy="6858000"/>
+          </a:xfrm>
+          <a:prstGeom prst="rect">
+            <a:avLst/>
+          </a:prstGeom>
+          <a:solidFill>
+            <a:srgbClr val="F8F5F1"/>
+          </a:solidFill>
+          <a:ln>
+            <a:noFill/>
+          </a:ln>
+        </p:spPr>
+        <p:style>
+          <a:lnRef idx="1">
+            <a:schemeClr val="accent1"/>
+          </a:lnRef>
+          <a:fillRef idx="3">
+            <a:schemeClr val="accent1"/>
+          </a:fillRef>
+          <a:effectRef idx="2">
+            <a:schemeClr val="accent1"/>
+          </a:effectRef>
+          <a:fontRef idx="minor">
+            <a:schemeClr val="lt1"/>
+          </a:fontRef>
+        </p:style>
+        <p:txBody>
+          <a:bodyPr rtlCol="0" anchor="ctr"/>
+          <a:lstStyle/>
+          <a:p>
+            <a:pPr algn="ctr"/>
+          </a:p>
+        </p:txBody>
+      </p:sp>
+      <p:sp>
+        <p:nvSpPr>
+          <p:cNvPr id="3" name="Oval 2"/>
+          <p:cNvSpPr/>
+          <p:nvPr/>
+        </p:nvSpPr>
+        <p:spPr>
+          <a:xfrm>
+            <a:off x="9875520" y="-914400"/>
+            <a:ext cx="2743200" cy="2743200"/>
+          </a:xfrm>
+          <a:prstGeom prst="ellipse">
+            <a:avLst/>
+          </a:prstGeom>
+          <a:solidFill>
+            <a:srgbClr val="2EC4B6"/>
+          </a:solidFill>
+          <a:ln>
+            <a:noFill/>
+          </a:ln>
+        </p:spPr>
+        <p:style>
+          <a:lnRef idx="1">
+            <a:schemeClr val="accent1"/>
+          </a:lnRef>
+          <a:fillRef idx="3">
+            <a:schemeClr val="accent1"/>
+          </a:fillRef>
+          <a:effectRef idx="2">
+            <a:schemeClr val="accent1"/>
+          </a:effectRef>
+          <a:fontRef idx="minor">
+            <a:schemeClr val="lt1"/>
+          </a:fontRef>
+        </p:style>
+        <p:txBody>
+          <a:bodyPr rtlCol="0" anchor="ctr"/>
+          <a:lstStyle/>
+          <a:p>
+            <a:pPr algn="ctr"/>
+          </a:p>
+        </p:txBody>
+      </p:sp>
+      <p:sp>
+        <p:nvSpPr>
+          <p:cNvPr id="4" name="Oval 3"/>
+          <p:cNvSpPr/>
+          <p:nvPr/>
+        </p:nvSpPr>
+        <p:spPr>
+          <a:xfrm>
+            <a:off x="-1097280" y="5303520"/>
+            <a:ext cx="2926080" cy="2926080"/>
+          </a:xfrm>
+          <a:prstGeom prst="ellipse">
+            <a:avLst/>
+          </a:prstGeom>
+          <a:solidFill>
+            <a:srgbClr val="00A8E8"/>
+          </a:solidFill>
+          <a:ln>
+            <a:noFill/>
+          </a:ln>
+        </p:spPr>
+        <p:style>
+          <a:lnRef idx="1">
+            <a:schemeClr val="accent1"/>
+          </a:lnRef>
+          <a:fillRef idx="3">
+            <a:schemeClr val="accent1"/>
+          </a:fillRef>
+          <a:effectRef idx="2">
+            <a:schemeClr val="accent1"/>
+          </a:effectRef>
+          <a:fontRef idx="minor">
+            <a:schemeClr val="lt1"/>
+          </a:fontRef>
+        </p:style>
+        <p:txBody>
+          <a:bodyPr rtlCol="0" anchor="ctr"/>
+          <a:lstStyle/>
+          <a:p>
+            <a:pPr algn="ctr"/>
+          </a:p>
+        </p:txBody>
+      </p:sp>
+      <p:sp>
+        <p:nvSpPr>
+          <p:cNvPr id="5" name="TextBox 4"/>
           <p:cNvSpPr txBox="1"/>
           <p:nvPr/>
         </p:nvSpPr>
         <p:spPr>
           <a:xfrm>
-            <a:off x="457200" y="1188720"/>
-            <a:ext cx="7315200" cy="5303520"/>
+            <a:off x="640080" y="365760"/>
+            <a:ext cx="5029200" cy="365760"/>
+          </a:xfrm>
+          <a:prstGeom prst="rect">
+            <a:avLst/>
+          </a:prstGeom>
+          <a:noFill/>
+        </p:spPr>
+        <p:txBody>
+          <a:bodyPr wrap="none">
+            <a:spAutoFit/>
+          </a:bodyPr>
+          <a:lstStyle/>
+          <a:p>
+            <a:pPr algn="l"/>
+            <a:r>
+              <a:rPr sz="1200" b="1">
+                <a:solidFill>
+                  <a:srgbClr val="236F96"/>
+                </a:solidFill>
+                <a:latin typeface="Avenir Next"/>
+              </a:rPr>
+              <a:t>EDA</a:t>
+            </a:r>
+          </a:p>
+        </p:txBody>
+      </p:sp>
+      <p:sp>
+        <p:nvSpPr>
+          <p:cNvPr id="6" name="TextBox 5"/>
+          <p:cNvSpPr txBox="1"/>
+          <p:nvPr/>
+        </p:nvSpPr>
+        <p:spPr>
+          <a:xfrm>
+            <a:off x="640080" y="731520"/>
+            <a:ext cx="10881360" cy="1097280"/>
+          </a:xfrm>
+          <a:prstGeom prst="rect">
+            <a:avLst/>
+          </a:prstGeom>
+          <a:noFill/>
+        </p:spPr>
+        <p:txBody>
+          <a:bodyPr wrap="none">
+            <a:spAutoFit/>
+          </a:bodyPr>
+          <a:lstStyle/>
+          <a:p>
+            <a:pPr algn="l"/>
+            <a:r>
+              <a:rPr sz="3600" b="1">
+                <a:solidFill>
+                  <a:srgbClr val="0C1821"/>
+                </a:solidFill>
+                <a:latin typeface="Avenir Next"/>
+              </a:rPr>
+              <a:t>Exploration Visuals: Coverage and Quality (5.3)</a:t>
+            </a:r>
+          </a:p>
+        </p:txBody>
+      </p:sp>
+      <p:sp>
+        <p:nvSpPr>
+          <p:cNvPr id="7" name="TextBox 6"/>
+          <p:cNvSpPr txBox="1"/>
+          <p:nvPr/>
+        </p:nvSpPr>
+        <p:spPr>
+          <a:xfrm>
+            <a:off x="731520" y="1645920"/>
+            <a:ext cx="10972800" cy="502920"/>
           </a:xfrm>
           <a:prstGeom prst="rect">
             <a:avLst/>
@@ -4144,41 +7782,86 @@
           <a:lstStyle/>
           <a:p>
             <a:pPr>
-              <a:defRPr sz="2200"/>
+              <a:spcAft>
+                <a:spcPts val="300"/>
+              </a:spcAft>
+              <a:defRPr sz="1400" b="0">
+                <a:solidFill>
+                  <a:srgbClr val="192D3C"/>
+                </a:solidFill>
+                <a:latin typeface="Avenir Next"/>
+              </a:defRPr>
             </a:pPr>
             <a:r>
-              <a:t>Dataset: UCI Online Retail II (2 sheets combined).</a:t>
+              <a:t>• Initial EDA covered time trends, missingness, geography, and transactional behavior.</a:t>
             </a:r>
           </a:p>
           <a:p>
             <a:pPr>
-              <a:defRPr sz="2200"/>
+              <a:spcAft>
+                <a:spcPts val="300"/>
+              </a:spcAft>
+              <a:defRPr sz="1400" b="0">
+                <a:solidFill>
+                  <a:srgbClr val="192D3C"/>
+                </a:solidFill>
+                <a:latin typeface="Avenir Next"/>
+              </a:defRPr>
             </a:pPr>
             <a:r>
-              <a:t>Rows loaded: 1,067,371 transaction lines.</a:t>
-            </a:r>
-          </a:p>
-          <a:p>
-            <a:pPr>
-              <a:defRPr sz="2200"/>
-            </a:pPr>
-            <a:r>
-              <a:t>Coverage: Dec 2009 to Dec 2011 with customer-level aggregation.</a:t>
-            </a:r>
-          </a:p>
-          <a:p>
-            <a:pPr>
-              <a:defRPr sz="2200"/>
-            </a:pPr>
-            <a:r>
-              <a:t>Profiling: missing values, outliers, country/activity distributions.</a:t>
-            </a:r>
+              <a:t>• These checks informed cleaning decisions before feature engineering.</a:t>
+            </a:r>
+          </a:p>
+        </p:txBody>
+      </p:sp>
+      <p:sp>
+        <p:nvSpPr>
+          <p:cNvPr id="8" name="Rounded Rectangle 7"/>
+          <p:cNvSpPr/>
+          <p:nvPr/>
+        </p:nvSpPr>
+        <p:spPr>
+          <a:xfrm>
+            <a:off x="640080" y="1965960"/>
+            <a:ext cx="5394960" cy="2057400"/>
+          </a:xfrm>
+          <a:prstGeom prst="roundRect">
+            <a:avLst/>
+          </a:prstGeom>
+          <a:solidFill>
+            <a:srgbClr val="FFFFFF"/>
+          </a:solidFill>
+          <a:ln w="12700">
+            <a:solidFill>
+              <a:srgbClr val="E1EAF2"/>
+            </a:solidFill>
+          </a:ln>
+        </p:spPr>
+        <p:style>
+          <a:lnRef idx="1">
+            <a:schemeClr val="accent1"/>
+          </a:lnRef>
+          <a:fillRef idx="3">
+            <a:schemeClr val="accent1"/>
+          </a:fillRef>
+          <a:effectRef idx="2">
+            <a:schemeClr val="accent1"/>
+          </a:effectRef>
+          <a:fontRef idx="minor">
+            <a:schemeClr val="lt1"/>
+          </a:fontRef>
+        </p:style>
+        <p:txBody>
+          <a:bodyPr rtlCol="0" anchor="ctr"/>
+          <a:lstStyle/>
+          <a:p>
+            <a:pPr algn="ctr"/>
           </a:p>
         </p:txBody>
       </p:sp>
       <p:pic>
         <p:nvPicPr>
-          <p:cNvPr id="4" name="Picture 3" descr="daily_transactions.png"/>
+          <p:cNvPr id="9" name="Picture 8" descr="daily_transactions.png"/>
           <p:cNvPicPr>
             <a:picLocks noChangeAspect="1"/>
           </p:cNvPicPr>
@@ -4192,14 +7875,361 @@
         </p:blipFill>
         <p:spPr>
           <a:xfrm>
-            <a:off x="7863840" y="1280160"/>
-            <a:ext cx="4206240" cy="4754880"/>
+            <a:off x="1035094" y="2039112"/>
+            <a:ext cx="4604930" cy="1618488"/>
           </a:xfrm>
           <a:prstGeom prst="rect">
             <a:avLst/>
           </a:prstGeom>
         </p:spPr>
       </p:pic>
+      <p:sp>
+        <p:nvSpPr>
+          <p:cNvPr id="10" name="TextBox 9"/>
+          <p:cNvSpPr txBox="1"/>
+          <p:nvPr/>
+        </p:nvSpPr>
+        <p:spPr>
+          <a:xfrm>
+            <a:off x="731519" y="3721608"/>
+            <a:ext cx="5212080" cy="228600"/>
+          </a:xfrm>
+          <a:prstGeom prst="rect">
+            <a:avLst/>
+          </a:prstGeom>
+          <a:noFill/>
+        </p:spPr>
+        <p:txBody>
+          <a:bodyPr wrap="none">
+            <a:spAutoFit/>
+          </a:bodyPr>
+          <a:lstStyle/>
+          <a:p>
+            <a:pPr algn="ctr"/>
+            <a:r>
+              <a:rPr sz="1100" b="0">
+                <a:solidFill>
+                  <a:srgbClr val="293B4B"/>
+                </a:solidFill>
+                <a:latin typeface="Avenir Next"/>
+              </a:rPr>
+              <a:t>Daily transaction volume</a:t>
+            </a:r>
+          </a:p>
+        </p:txBody>
+      </p:sp>
+      <p:sp>
+        <p:nvSpPr>
+          <p:cNvPr id="11" name="Rounded Rectangle 10"/>
+          <p:cNvSpPr/>
+          <p:nvPr/>
+        </p:nvSpPr>
+        <p:spPr>
+          <a:xfrm>
+            <a:off x="6172200" y="1965960"/>
+            <a:ext cx="5394960" cy="2057400"/>
+          </a:xfrm>
+          <a:prstGeom prst="roundRect">
+            <a:avLst/>
+          </a:prstGeom>
+          <a:solidFill>
+            <a:srgbClr val="FFFFFF"/>
+          </a:solidFill>
+          <a:ln w="12700">
+            <a:solidFill>
+              <a:srgbClr val="E1EAF2"/>
+            </a:solidFill>
+          </a:ln>
+        </p:spPr>
+        <p:style>
+          <a:lnRef idx="1">
+            <a:schemeClr val="accent1"/>
+          </a:lnRef>
+          <a:fillRef idx="3">
+            <a:schemeClr val="accent1"/>
+          </a:fillRef>
+          <a:effectRef idx="2">
+            <a:schemeClr val="accent1"/>
+          </a:effectRef>
+          <a:fontRef idx="minor">
+            <a:schemeClr val="lt1"/>
+          </a:fontRef>
+        </p:style>
+        <p:txBody>
+          <a:bodyPr rtlCol="0" anchor="ctr"/>
+          <a:lstStyle/>
+          <a:p>
+            <a:pPr algn="ctr"/>
+          </a:p>
+        </p:txBody>
+      </p:sp>
+      <p:pic>
+        <p:nvPicPr>
+          <p:cNvPr id="12" name="Picture 11" descr="missing_values.png"/>
+          <p:cNvPicPr>
+            <a:picLocks noChangeAspect="1"/>
+          </p:cNvPicPr>
+          <p:nvPr/>
+        </p:nvPicPr>
+        <p:blipFill>
+          <a:blip r:embed="rId3"/>
+          <a:stretch>
+            <a:fillRect/>
+          </a:stretch>
+        </p:blipFill>
+        <p:spPr>
+          <a:xfrm>
+            <a:off x="7227944" y="2039112"/>
+            <a:ext cx="3283471" cy="1618488"/>
+          </a:xfrm>
+          <a:prstGeom prst="rect">
+            <a:avLst/>
+          </a:prstGeom>
+        </p:spPr>
+      </p:pic>
+      <p:sp>
+        <p:nvSpPr>
+          <p:cNvPr id="13" name="TextBox 12"/>
+          <p:cNvSpPr txBox="1"/>
+          <p:nvPr/>
+        </p:nvSpPr>
+        <p:spPr>
+          <a:xfrm>
+            <a:off x="6263640" y="3721608"/>
+            <a:ext cx="5212080" cy="228600"/>
+          </a:xfrm>
+          <a:prstGeom prst="rect">
+            <a:avLst/>
+          </a:prstGeom>
+          <a:noFill/>
+        </p:spPr>
+        <p:txBody>
+          <a:bodyPr wrap="none">
+            <a:spAutoFit/>
+          </a:bodyPr>
+          <a:lstStyle/>
+          <a:p>
+            <a:pPr algn="ctr"/>
+            <a:r>
+              <a:rPr sz="1100" b="0">
+                <a:solidFill>
+                  <a:srgbClr val="293B4B"/>
+                </a:solidFill>
+                <a:latin typeface="Avenir Next"/>
+              </a:rPr>
+              <a:t>Missing values profile</a:t>
+            </a:r>
+          </a:p>
+        </p:txBody>
+      </p:sp>
+      <p:sp>
+        <p:nvSpPr>
+          <p:cNvPr id="14" name="Rounded Rectangle 13"/>
+          <p:cNvSpPr/>
+          <p:nvPr/>
+        </p:nvSpPr>
+        <p:spPr>
+          <a:xfrm>
+            <a:off x="640080" y="4160520"/>
+            <a:ext cx="5394960" cy="2057400"/>
+          </a:xfrm>
+          <a:prstGeom prst="roundRect">
+            <a:avLst/>
+          </a:prstGeom>
+          <a:solidFill>
+            <a:srgbClr val="FFFFFF"/>
+          </a:solidFill>
+          <a:ln w="12700">
+            <a:solidFill>
+              <a:srgbClr val="E1EAF2"/>
+            </a:solidFill>
+          </a:ln>
+        </p:spPr>
+        <p:style>
+          <a:lnRef idx="1">
+            <a:schemeClr val="accent1"/>
+          </a:lnRef>
+          <a:fillRef idx="3">
+            <a:schemeClr val="accent1"/>
+          </a:fillRef>
+          <a:effectRef idx="2">
+            <a:schemeClr val="accent1"/>
+          </a:effectRef>
+          <a:fontRef idx="minor">
+            <a:schemeClr val="lt1"/>
+          </a:fontRef>
+        </p:style>
+        <p:txBody>
+          <a:bodyPr rtlCol="0" anchor="ctr"/>
+          <a:lstStyle/>
+          <a:p>
+            <a:pPr algn="ctr"/>
+          </a:p>
+        </p:txBody>
+      </p:sp>
+      <p:pic>
+        <p:nvPicPr>
+          <p:cNvPr id="15" name="Picture 14" descr="top_countries.png"/>
+          <p:cNvPicPr>
+            <a:picLocks noChangeAspect="1"/>
+          </p:cNvPicPr>
+          <p:nvPr/>
+        </p:nvPicPr>
+        <p:blipFill>
+          <a:blip r:embed="rId4"/>
+          <a:stretch>
+            <a:fillRect/>
+          </a:stretch>
+        </p:blipFill>
+        <p:spPr>
+          <a:xfrm>
+            <a:off x="1708979" y="4233672"/>
+            <a:ext cx="3257161" cy="1618488"/>
+          </a:xfrm>
+          <a:prstGeom prst="rect">
+            <a:avLst/>
+          </a:prstGeom>
+        </p:spPr>
+      </p:pic>
+      <p:sp>
+        <p:nvSpPr>
+          <p:cNvPr id="16" name="TextBox 15"/>
+          <p:cNvSpPr txBox="1"/>
+          <p:nvPr/>
+        </p:nvSpPr>
+        <p:spPr>
+          <a:xfrm>
+            <a:off x="731519" y="5916168"/>
+            <a:ext cx="5212080" cy="228600"/>
+          </a:xfrm>
+          <a:prstGeom prst="rect">
+            <a:avLst/>
+          </a:prstGeom>
+          <a:noFill/>
+        </p:spPr>
+        <p:txBody>
+          <a:bodyPr wrap="none">
+            <a:spAutoFit/>
+          </a:bodyPr>
+          <a:lstStyle/>
+          <a:p>
+            <a:pPr algn="ctr"/>
+            <a:r>
+              <a:rPr sz="1100" b="0">
+                <a:solidFill>
+                  <a:srgbClr val="293B4B"/>
+                </a:solidFill>
+                <a:latin typeface="Avenir Next"/>
+              </a:rPr>
+              <a:t>Top purchasing countries</a:t>
+            </a:r>
+          </a:p>
+        </p:txBody>
+      </p:sp>
+      <p:sp>
+        <p:nvSpPr>
+          <p:cNvPr id="17" name="Rounded Rectangle 16"/>
+          <p:cNvSpPr/>
+          <p:nvPr/>
+        </p:nvSpPr>
+        <p:spPr>
+          <a:xfrm>
+            <a:off x="6172200" y="4160520"/>
+            <a:ext cx="5394960" cy="2057400"/>
+          </a:xfrm>
+          <a:prstGeom prst="roundRect">
+            <a:avLst/>
+          </a:prstGeom>
+          <a:solidFill>
+            <a:srgbClr val="FFFFFF"/>
+          </a:solidFill>
+          <a:ln w="12700">
+            <a:solidFill>
+              <a:srgbClr val="E1EAF2"/>
+            </a:solidFill>
+          </a:ln>
+        </p:spPr>
+        <p:style>
+          <a:lnRef idx="1">
+            <a:schemeClr val="accent1"/>
+          </a:lnRef>
+          <a:fillRef idx="3">
+            <a:schemeClr val="accent1"/>
+          </a:fillRef>
+          <a:effectRef idx="2">
+            <a:schemeClr val="accent1"/>
+          </a:effectRef>
+          <a:fontRef idx="minor">
+            <a:schemeClr val="lt1"/>
+          </a:fontRef>
+        </p:style>
+        <p:txBody>
+          <a:bodyPr rtlCol="0" anchor="ctr"/>
+          <a:lstStyle/>
+          <a:p>
+            <a:pPr algn="ctr"/>
+          </a:p>
+        </p:txBody>
+      </p:sp>
+      <p:pic>
+        <p:nvPicPr>
+          <p:cNvPr id="18" name="Picture 17" descr="price_quantity_dist.png"/>
+          <p:cNvPicPr>
+            <a:picLocks noChangeAspect="1"/>
+          </p:cNvPicPr>
+          <p:nvPr/>
+        </p:nvPicPr>
+        <p:blipFill>
+          <a:blip r:embed="rId5"/>
+          <a:stretch>
+            <a:fillRect/>
+          </a:stretch>
+        </p:blipFill>
+        <p:spPr>
+          <a:xfrm>
+            <a:off x="6245352" y="4361882"/>
+            <a:ext cx="5248656" cy="1362067"/>
+          </a:xfrm>
+          <a:prstGeom prst="rect">
+            <a:avLst/>
+          </a:prstGeom>
+        </p:spPr>
+      </p:pic>
+      <p:sp>
+        <p:nvSpPr>
+          <p:cNvPr id="19" name="TextBox 18"/>
+          <p:cNvSpPr txBox="1"/>
+          <p:nvPr/>
+        </p:nvSpPr>
+        <p:spPr>
+          <a:xfrm>
+            <a:off x="6263640" y="5916168"/>
+            <a:ext cx="5212080" cy="228600"/>
+          </a:xfrm>
+          <a:prstGeom prst="rect">
+            <a:avLst/>
+          </a:prstGeom>
+          <a:noFill/>
+        </p:spPr>
+        <p:txBody>
+          <a:bodyPr wrap="none">
+            <a:spAutoFit/>
+          </a:bodyPr>
+          <a:lstStyle/>
+          <a:p>
+            <a:pPr algn="ctr"/>
+            <a:r>
+              <a:rPr sz="1100" b="0">
+                <a:solidFill>
+                  <a:srgbClr val="293B4B"/>
+                </a:solidFill>
+                <a:latin typeface="Avenir Next"/>
+              </a:rPr>
+              <a:t>Price and quantity distribution</a:t>
+            </a:r>
+          </a:p>
+        </p:txBody>
+      </p:sp>
     </p:spTree>
   </p:cSld>
   <p:clrMapOvr>
@@ -4220,35 +8250,213 @@
       <p:grpSpPr/>
       <p:sp>
         <p:nvSpPr>
-          <p:cNvPr id="2" name="Title 1"/>
-          <p:cNvSpPr>
-            <a:spLocks noGrp="1"/>
-          </p:cNvSpPr>
-          <p:nvPr>
-            <p:ph type="title"/>
-          </p:nvPr>
-        </p:nvSpPr>
-        <p:spPr/>
-        <p:txBody>
-          <a:bodyPr/>
-          <a:lstStyle/>
-          <a:p>
-            <a:r>
-              <a:t>5. Data Preparation &amp; Features (5.4)</a:t>
-            </a:r>
-          </a:p>
-        </p:txBody>
-      </p:sp>
-      <p:sp>
-        <p:nvSpPr>
-          <p:cNvPr id="3" name="TextBox 2"/>
+          <p:cNvPr id="2" name="Rectangle 1"/>
+          <p:cNvSpPr/>
+          <p:nvPr/>
+        </p:nvSpPr>
+        <p:spPr>
+          <a:xfrm>
+            <a:off x="0" y="0"/>
+            <a:ext cx="12191695" cy="6858000"/>
+          </a:xfrm>
+          <a:prstGeom prst="rect">
+            <a:avLst/>
+          </a:prstGeom>
+          <a:solidFill>
+            <a:srgbClr val="F8F5F1"/>
+          </a:solidFill>
+          <a:ln>
+            <a:noFill/>
+          </a:ln>
+        </p:spPr>
+        <p:style>
+          <a:lnRef idx="1">
+            <a:schemeClr val="accent1"/>
+          </a:lnRef>
+          <a:fillRef idx="3">
+            <a:schemeClr val="accent1"/>
+          </a:fillRef>
+          <a:effectRef idx="2">
+            <a:schemeClr val="accent1"/>
+          </a:effectRef>
+          <a:fontRef idx="minor">
+            <a:schemeClr val="lt1"/>
+          </a:fontRef>
+        </p:style>
+        <p:txBody>
+          <a:bodyPr rtlCol="0" anchor="ctr"/>
+          <a:lstStyle/>
+          <a:p>
+            <a:pPr algn="ctr"/>
+          </a:p>
+        </p:txBody>
+      </p:sp>
+      <p:sp>
+        <p:nvSpPr>
+          <p:cNvPr id="3" name="Oval 2"/>
+          <p:cNvSpPr/>
+          <p:nvPr/>
+        </p:nvSpPr>
+        <p:spPr>
+          <a:xfrm>
+            <a:off x="9875520" y="-914400"/>
+            <a:ext cx="2743200" cy="2743200"/>
+          </a:xfrm>
+          <a:prstGeom prst="ellipse">
+            <a:avLst/>
+          </a:prstGeom>
+          <a:solidFill>
+            <a:srgbClr val="2EC4B6"/>
+          </a:solidFill>
+          <a:ln>
+            <a:noFill/>
+          </a:ln>
+        </p:spPr>
+        <p:style>
+          <a:lnRef idx="1">
+            <a:schemeClr val="accent1"/>
+          </a:lnRef>
+          <a:fillRef idx="3">
+            <a:schemeClr val="accent1"/>
+          </a:fillRef>
+          <a:effectRef idx="2">
+            <a:schemeClr val="accent1"/>
+          </a:effectRef>
+          <a:fontRef idx="minor">
+            <a:schemeClr val="lt1"/>
+          </a:fontRef>
+        </p:style>
+        <p:txBody>
+          <a:bodyPr rtlCol="0" anchor="ctr"/>
+          <a:lstStyle/>
+          <a:p>
+            <a:pPr algn="ctr"/>
+          </a:p>
+        </p:txBody>
+      </p:sp>
+      <p:sp>
+        <p:nvSpPr>
+          <p:cNvPr id="4" name="Oval 3"/>
+          <p:cNvSpPr/>
+          <p:nvPr/>
+        </p:nvSpPr>
+        <p:spPr>
+          <a:xfrm>
+            <a:off x="-1097280" y="5303520"/>
+            <a:ext cx="2926080" cy="2926080"/>
+          </a:xfrm>
+          <a:prstGeom prst="ellipse">
+            <a:avLst/>
+          </a:prstGeom>
+          <a:solidFill>
+            <a:srgbClr val="00A8E8"/>
+          </a:solidFill>
+          <a:ln>
+            <a:noFill/>
+          </a:ln>
+        </p:spPr>
+        <p:style>
+          <a:lnRef idx="1">
+            <a:schemeClr val="accent1"/>
+          </a:lnRef>
+          <a:fillRef idx="3">
+            <a:schemeClr val="accent1"/>
+          </a:fillRef>
+          <a:effectRef idx="2">
+            <a:schemeClr val="accent1"/>
+          </a:effectRef>
+          <a:fontRef idx="minor">
+            <a:schemeClr val="lt1"/>
+          </a:fontRef>
+        </p:style>
+        <p:txBody>
+          <a:bodyPr rtlCol="0" anchor="ctr"/>
+          <a:lstStyle/>
+          <a:p>
+            <a:pPr algn="ctr"/>
+          </a:p>
+        </p:txBody>
+      </p:sp>
+      <p:sp>
+        <p:nvSpPr>
+          <p:cNvPr id="5" name="TextBox 4"/>
           <p:cNvSpPr txBox="1"/>
           <p:nvPr/>
         </p:nvSpPr>
         <p:spPr>
           <a:xfrm>
-            <a:off x="457200" y="1188720"/>
-            <a:ext cx="7315200" cy="5303520"/>
+            <a:off x="640080" y="365760"/>
+            <a:ext cx="5029200" cy="365760"/>
+          </a:xfrm>
+          <a:prstGeom prst="rect">
+            <a:avLst/>
+          </a:prstGeom>
+          <a:noFill/>
+        </p:spPr>
+        <p:txBody>
+          <a:bodyPr wrap="none">
+            <a:spAutoFit/>
+          </a:bodyPr>
+          <a:lstStyle/>
+          <a:p>
+            <a:pPr algn="l"/>
+            <a:r>
+              <a:rPr sz="1200" b="1">
+                <a:solidFill>
+                  <a:srgbClr val="236F96"/>
+                </a:solidFill>
+                <a:latin typeface="Avenir Next"/>
+              </a:rPr>
+              <a:t>Features</a:t>
+            </a:r>
+          </a:p>
+        </p:txBody>
+      </p:sp>
+      <p:sp>
+        <p:nvSpPr>
+          <p:cNvPr id="6" name="TextBox 5"/>
+          <p:cNvSpPr txBox="1"/>
+          <p:nvPr/>
+        </p:nvSpPr>
+        <p:spPr>
+          <a:xfrm>
+            <a:off x="640080" y="731520"/>
+            <a:ext cx="10881360" cy="1097280"/>
+          </a:xfrm>
+          <a:prstGeom prst="rect">
+            <a:avLst/>
+          </a:prstGeom>
+          <a:noFill/>
+        </p:spPr>
+        <p:txBody>
+          <a:bodyPr wrap="none">
+            <a:spAutoFit/>
+          </a:bodyPr>
+          <a:lstStyle/>
+          <a:p>
+            <a:pPr algn="l"/>
+            <a:r>
+              <a:rPr sz="3600" b="1">
+                <a:solidFill>
+                  <a:srgbClr val="0C1821"/>
+                </a:solidFill>
+                <a:latin typeface="Avenir Next"/>
+              </a:rPr>
+              <a:t>Feature and Target Distributions (5.4)</a:t>
+            </a:r>
+          </a:p>
+        </p:txBody>
+      </p:sp>
+      <p:sp>
+        <p:nvSpPr>
+          <p:cNvPr id="7" name="TextBox 6"/>
+          <p:cNvSpPr txBox="1"/>
+          <p:nvPr/>
+        </p:nvSpPr>
+        <p:spPr>
+          <a:xfrm>
+            <a:off x="731520" y="1645920"/>
+            <a:ext cx="10972800" cy="502920"/>
           </a:xfrm>
           <a:prstGeom prst="rect">
             <a:avLst/>
@@ -4262,41 +8470,86 @@
           <a:lstStyle/>
           <a:p>
             <a:pPr>
-              <a:defRPr sz="2200"/>
+              <a:spcAft>
+                <a:spcPts val="300"/>
+              </a:spcAft>
+              <a:defRPr sz="1400" b="0">
+                <a:solidFill>
+                  <a:srgbClr val="192D3C"/>
+                </a:solidFill>
+                <a:latin typeface="Avenir Next"/>
+              </a:defRPr>
             </a:pPr>
             <a:r>
-              <a:t>Cleaning: remove cancellations, invalid qty/price, missing customer IDs.</a:t>
+              <a:t>• RFM and behavioral features show heavy skew and strong concentration effects.</a:t>
             </a:r>
           </a:p>
           <a:p>
             <a:pPr>
-              <a:defRPr sz="2200"/>
+              <a:spcAft>
+                <a:spcPts val="300"/>
+              </a:spcAft>
+              <a:defRPr sz="1400" b="0">
+                <a:solidFill>
+                  <a:srgbClr val="192D3C"/>
+                </a:solidFill>
+                <a:latin typeface="Avenir Next"/>
+              </a:defRPr>
             </a:pPr>
             <a:r>
-              <a:t>Observation window: 12 months; prediction window: next 6 months.</a:t>
-            </a:r>
-          </a:p>
-          <a:p>
-            <a:pPr>
-              <a:defRPr sz="2200"/>
-            </a:pPr>
-            <a:r>
-              <a:t>Features: Recency, Frequency, Monetary, Tenure, cadence, basket behavior.</a:t>
-            </a:r>
-          </a:p>
-          <a:p>
-            <a:pPr>
-              <a:defRPr sz="2200"/>
-            </a:pPr>
-            <a:r>
-              <a:t>Target: CLV = spend in prediction window (includes churned=0).</a:t>
-            </a:r>
+              <a:t>• Correlation and distribution checks shaped model family and scaling decisions.</a:t>
+            </a:r>
+          </a:p>
+        </p:txBody>
+      </p:sp>
+      <p:sp>
+        <p:nvSpPr>
+          <p:cNvPr id="8" name="Rounded Rectangle 7"/>
+          <p:cNvSpPr/>
+          <p:nvPr/>
+        </p:nvSpPr>
+        <p:spPr>
+          <a:xfrm>
+            <a:off x="640080" y="1965960"/>
+            <a:ext cx="5394960" cy="2057400"/>
+          </a:xfrm>
+          <a:prstGeom prst="roundRect">
+            <a:avLst/>
+          </a:prstGeom>
+          <a:solidFill>
+            <a:srgbClr val="FFFFFF"/>
+          </a:solidFill>
+          <a:ln w="12700">
+            <a:solidFill>
+              <a:srgbClr val="E1EAF2"/>
+            </a:solidFill>
+          </a:ln>
+        </p:spPr>
+        <p:style>
+          <a:lnRef idx="1">
+            <a:schemeClr val="accent1"/>
+          </a:lnRef>
+          <a:fillRef idx="3">
+            <a:schemeClr val="accent1"/>
+          </a:fillRef>
+          <a:effectRef idx="2">
+            <a:schemeClr val="accent1"/>
+          </a:effectRef>
+          <a:fontRef idx="minor">
+            <a:schemeClr val="lt1"/>
+          </a:fontRef>
+        </p:style>
+        <p:txBody>
+          <a:bodyPr rtlCol="0" anchor="ctr"/>
+          <a:lstStyle/>
+          <a:p>
+            <a:pPr algn="ctr"/>
           </a:p>
         </p:txBody>
       </p:sp>
       <p:pic>
         <p:nvPicPr>
-          <p:cNvPr id="4" name="Picture 3" descr="correlation_matrix.png"/>
+          <p:cNvPr id="9" name="Picture 8" descr="rfm_distributions.png"/>
           <p:cNvPicPr>
             <a:picLocks noChangeAspect="1"/>
           </p:cNvPicPr>
@@ -4310,14 +8563,361 @@
         </p:blipFill>
         <p:spPr>
           <a:xfrm>
-            <a:off x="7863840" y="1280160"/>
-            <a:ext cx="4206240" cy="4754880"/>
+            <a:off x="713231" y="2166712"/>
+            <a:ext cx="5248656" cy="1363287"/>
           </a:xfrm>
           <a:prstGeom prst="rect">
             <a:avLst/>
           </a:prstGeom>
         </p:spPr>
       </p:pic>
+      <p:sp>
+        <p:nvSpPr>
+          <p:cNvPr id="10" name="TextBox 9"/>
+          <p:cNvSpPr txBox="1"/>
+          <p:nvPr/>
+        </p:nvSpPr>
+        <p:spPr>
+          <a:xfrm>
+            <a:off x="731519" y="3721608"/>
+            <a:ext cx="5212080" cy="228600"/>
+          </a:xfrm>
+          <a:prstGeom prst="rect">
+            <a:avLst/>
+          </a:prstGeom>
+          <a:noFill/>
+        </p:spPr>
+        <p:txBody>
+          <a:bodyPr wrap="none">
+            <a:spAutoFit/>
+          </a:bodyPr>
+          <a:lstStyle/>
+          <a:p>
+            <a:pPr algn="ctr"/>
+            <a:r>
+              <a:rPr sz="1100" b="0">
+                <a:solidFill>
+                  <a:srgbClr val="293B4B"/>
+                </a:solidFill>
+                <a:latin typeface="Avenir Next"/>
+              </a:rPr>
+              <a:t>RFM feature distributions</a:t>
+            </a:r>
+          </a:p>
+        </p:txBody>
+      </p:sp>
+      <p:sp>
+        <p:nvSpPr>
+          <p:cNvPr id="11" name="Rounded Rectangle 10"/>
+          <p:cNvSpPr/>
+          <p:nvPr/>
+        </p:nvSpPr>
+        <p:spPr>
+          <a:xfrm>
+            <a:off x="6172200" y="1965960"/>
+            <a:ext cx="5394960" cy="2057400"/>
+          </a:xfrm>
+          <a:prstGeom prst="roundRect">
+            <a:avLst/>
+          </a:prstGeom>
+          <a:solidFill>
+            <a:srgbClr val="FFFFFF"/>
+          </a:solidFill>
+          <a:ln w="12700">
+            <a:solidFill>
+              <a:srgbClr val="E1EAF2"/>
+            </a:solidFill>
+          </a:ln>
+        </p:spPr>
+        <p:style>
+          <a:lnRef idx="1">
+            <a:schemeClr val="accent1"/>
+          </a:lnRef>
+          <a:fillRef idx="3">
+            <a:schemeClr val="accent1"/>
+          </a:fillRef>
+          <a:effectRef idx="2">
+            <a:schemeClr val="accent1"/>
+          </a:effectRef>
+          <a:fontRef idx="minor">
+            <a:schemeClr val="lt1"/>
+          </a:fontRef>
+        </p:style>
+        <p:txBody>
+          <a:bodyPr rtlCol="0" anchor="ctr"/>
+          <a:lstStyle/>
+          <a:p>
+            <a:pPr algn="ctr"/>
+          </a:p>
+        </p:txBody>
+      </p:sp>
+      <p:pic>
+        <p:nvPicPr>
+          <p:cNvPr id="12" name="Picture 11" descr="clv_distribution.png"/>
+          <p:cNvPicPr>
+            <a:picLocks noChangeAspect="1"/>
+          </p:cNvPicPr>
+          <p:nvPr/>
+        </p:nvPicPr>
+        <p:blipFill>
+          <a:blip r:embed="rId3"/>
+          <a:stretch>
+            <a:fillRect/>
+          </a:stretch>
+        </p:blipFill>
+        <p:spPr>
+          <a:xfrm>
+            <a:off x="6561671" y="2039112"/>
+            <a:ext cx="4616016" cy="1618488"/>
+          </a:xfrm>
+          <a:prstGeom prst="rect">
+            <a:avLst/>
+          </a:prstGeom>
+        </p:spPr>
+      </p:pic>
+      <p:sp>
+        <p:nvSpPr>
+          <p:cNvPr id="13" name="TextBox 12"/>
+          <p:cNvSpPr txBox="1"/>
+          <p:nvPr/>
+        </p:nvSpPr>
+        <p:spPr>
+          <a:xfrm>
+            <a:off x="6263640" y="3721608"/>
+            <a:ext cx="5212080" cy="228600"/>
+          </a:xfrm>
+          <a:prstGeom prst="rect">
+            <a:avLst/>
+          </a:prstGeom>
+          <a:noFill/>
+        </p:spPr>
+        <p:txBody>
+          <a:bodyPr wrap="none">
+            <a:spAutoFit/>
+          </a:bodyPr>
+          <a:lstStyle/>
+          <a:p>
+            <a:pPr algn="ctr"/>
+            <a:r>
+              <a:rPr sz="1100" b="0">
+                <a:solidFill>
+                  <a:srgbClr val="293B4B"/>
+                </a:solidFill>
+                <a:latin typeface="Avenir Next"/>
+              </a:rPr>
+              <a:t>Future CLV distribution</a:t>
+            </a:r>
+          </a:p>
+        </p:txBody>
+      </p:sp>
+      <p:sp>
+        <p:nvSpPr>
+          <p:cNvPr id="14" name="Rounded Rectangle 13"/>
+          <p:cNvSpPr/>
+          <p:nvPr/>
+        </p:nvSpPr>
+        <p:spPr>
+          <a:xfrm>
+            <a:off x="640080" y="4160520"/>
+            <a:ext cx="5394960" cy="2057400"/>
+          </a:xfrm>
+          <a:prstGeom prst="roundRect">
+            <a:avLst/>
+          </a:prstGeom>
+          <a:solidFill>
+            <a:srgbClr val="FFFFFF"/>
+          </a:solidFill>
+          <a:ln w="12700">
+            <a:solidFill>
+              <a:srgbClr val="E1EAF2"/>
+            </a:solidFill>
+          </a:ln>
+        </p:spPr>
+        <p:style>
+          <a:lnRef idx="1">
+            <a:schemeClr val="accent1"/>
+          </a:lnRef>
+          <a:fillRef idx="3">
+            <a:schemeClr val="accent1"/>
+          </a:fillRef>
+          <a:effectRef idx="2">
+            <a:schemeClr val="accent1"/>
+          </a:effectRef>
+          <a:fontRef idx="minor">
+            <a:schemeClr val="lt1"/>
+          </a:fontRef>
+        </p:style>
+        <p:txBody>
+          <a:bodyPr rtlCol="0" anchor="ctr"/>
+          <a:lstStyle/>
+          <a:p>
+            <a:pPr algn="ctr"/>
+          </a:p>
+        </p:txBody>
+      </p:sp>
+      <p:pic>
+        <p:nvPicPr>
+          <p:cNvPr id="15" name="Picture 14" descr="customer_frequency.png"/>
+          <p:cNvPicPr>
+            <a:picLocks noChangeAspect="1"/>
+          </p:cNvPicPr>
+          <p:nvPr/>
+        </p:nvPicPr>
+        <p:blipFill>
+          <a:blip r:embed="rId4"/>
+          <a:stretch>
+            <a:fillRect/>
+          </a:stretch>
+        </p:blipFill>
+        <p:spPr>
+          <a:xfrm>
+            <a:off x="1028443" y="4233672"/>
+            <a:ext cx="4618233" cy="1618488"/>
+          </a:xfrm>
+          <a:prstGeom prst="rect">
+            <a:avLst/>
+          </a:prstGeom>
+        </p:spPr>
+      </p:pic>
+      <p:sp>
+        <p:nvSpPr>
+          <p:cNvPr id="16" name="TextBox 15"/>
+          <p:cNvSpPr txBox="1"/>
+          <p:nvPr/>
+        </p:nvSpPr>
+        <p:spPr>
+          <a:xfrm>
+            <a:off x="731519" y="5916168"/>
+            <a:ext cx="5212080" cy="228600"/>
+          </a:xfrm>
+          <a:prstGeom prst="rect">
+            <a:avLst/>
+          </a:prstGeom>
+          <a:noFill/>
+        </p:spPr>
+        <p:txBody>
+          <a:bodyPr wrap="none">
+            <a:spAutoFit/>
+          </a:bodyPr>
+          <a:lstStyle/>
+          <a:p>
+            <a:pPr algn="ctr"/>
+            <a:r>
+              <a:rPr sz="1100" b="0">
+                <a:solidFill>
+                  <a:srgbClr val="293B4B"/>
+                </a:solidFill>
+                <a:latin typeface="Avenir Next"/>
+              </a:rPr>
+              <a:t>Customer purchase frequency</a:t>
+            </a:r>
+          </a:p>
+        </p:txBody>
+      </p:sp>
+      <p:sp>
+        <p:nvSpPr>
+          <p:cNvPr id="17" name="Rounded Rectangle 16"/>
+          <p:cNvSpPr/>
+          <p:nvPr/>
+        </p:nvSpPr>
+        <p:spPr>
+          <a:xfrm>
+            <a:off x="6172200" y="4160520"/>
+            <a:ext cx="5394960" cy="2057400"/>
+          </a:xfrm>
+          <a:prstGeom prst="roundRect">
+            <a:avLst/>
+          </a:prstGeom>
+          <a:solidFill>
+            <a:srgbClr val="FFFFFF"/>
+          </a:solidFill>
+          <a:ln w="12700">
+            <a:solidFill>
+              <a:srgbClr val="E1EAF2"/>
+            </a:solidFill>
+          </a:ln>
+        </p:spPr>
+        <p:style>
+          <a:lnRef idx="1">
+            <a:schemeClr val="accent1"/>
+          </a:lnRef>
+          <a:fillRef idx="3">
+            <a:schemeClr val="accent1"/>
+          </a:fillRef>
+          <a:effectRef idx="2">
+            <a:schemeClr val="accent1"/>
+          </a:effectRef>
+          <a:fontRef idx="minor">
+            <a:schemeClr val="lt1"/>
+          </a:fontRef>
+        </p:style>
+        <p:txBody>
+          <a:bodyPr rtlCol="0" anchor="ctr"/>
+          <a:lstStyle/>
+          <a:p>
+            <a:pPr algn="ctr"/>
+          </a:p>
+        </p:txBody>
+      </p:sp>
+      <p:pic>
+        <p:nvPicPr>
+          <p:cNvPr id="18" name="Picture 17" descr="correlation_matrix.png"/>
+          <p:cNvPicPr>
+            <a:picLocks noChangeAspect="1"/>
+          </p:cNvPicPr>
+          <p:nvPr/>
+        </p:nvPicPr>
+        <p:blipFill>
+          <a:blip r:embed="rId5"/>
+          <a:stretch>
+            <a:fillRect/>
+          </a:stretch>
+        </p:blipFill>
+        <p:spPr>
+          <a:xfrm>
+            <a:off x="7914294" y="4233672"/>
+            <a:ext cx="1910771" cy="1618488"/>
+          </a:xfrm>
+          <a:prstGeom prst="rect">
+            <a:avLst/>
+          </a:prstGeom>
+        </p:spPr>
+      </p:pic>
+      <p:sp>
+        <p:nvSpPr>
+          <p:cNvPr id="19" name="TextBox 18"/>
+          <p:cNvSpPr txBox="1"/>
+          <p:nvPr/>
+        </p:nvSpPr>
+        <p:spPr>
+          <a:xfrm>
+            <a:off x="6263640" y="5916168"/>
+            <a:ext cx="5212080" cy="228600"/>
+          </a:xfrm>
+          <a:prstGeom prst="rect">
+            <a:avLst/>
+          </a:prstGeom>
+          <a:noFill/>
+        </p:spPr>
+        <p:txBody>
+          <a:bodyPr wrap="none">
+            <a:spAutoFit/>
+          </a:bodyPr>
+          <a:lstStyle/>
+          <a:p>
+            <a:pPr algn="ctr"/>
+            <a:r>
+              <a:rPr sz="1100" b="0">
+                <a:solidFill>
+                  <a:srgbClr val="293B4B"/>
+                </a:solidFill>
+                <a:latin typeface="Avenir Next"/>
+              </a:rPr>
+              <a:t>Feature correlation matrix</a:t>
+            </a:r>
+          </a:p>
+        </p:txBody>
+      </p:sp>
     </p:spTree>
   </p:cSld>
   <p:clrMapOvr>
@@ -4338,35 +8938,213 @@
       <p:grpSpPr/>
       <p:sp>
         <p:nvSpPr>
-          <p:cNvPr id="2" name="Title 1"/>
-          <p:cNvSpPr>
-            <a:spLocks noGrp="1"/>
-          </p:cNvSpPr>
-          <p:nvPr>
-            <p:ph type="title"/>
-          </p:nvPr>
-        </p:nvSpPr>
-        <p:spPr/>
-        <p:txBody>
-          <a:bodyPr/>
-          <a:lstStyle/>
-          <a:p>
-            <a:r>
-              <a:t>6. Modeling Approach (5.5, 5.6)</a:t>
-            </a:r>
-          </a:p>
-        </p:txBody>
-      </p:sp>
-      <p:sp>
-        <p:nvSpPr>
-          <p:cNvPr id="3" name="TextBox 2"/>
+          <p:cNvPr id="2" name="Rectangle 1"/>
+          <p:cNvSpPr/>
+          <p:nvPr/>
+        </p:nvSpPr>
+        <p:spPr>
+          <a:xfrm>
+            <a:off x="0" y="0"/>
+            <a:ext cx="12191695" cy="6858000"/>
+          </a:xfrm>
+          <a:prstGeom prst="rect">
+            <a:avLst/>
+          </a:prstGeom>
+          <a:solidFill>
+            <a:srgbClr val="F8F5F1"/>
+          </a:solidFill>
+          <a:ln>
+            <a:noFill/>
+          </a:ln>
+        </p:spPr>
+        <p:style>
+          <a:lnRef idx="1">
+            <a:schemeClr val="accent1"/>
+          </a:lnRef>
+          <a:fillRef idx="3">
+            <a:schemeClr val="accent1"/>
+          </a:fillRef>
+          <a:effectRef idx="2">
+            <a:schemeClr val="accent1"/>
+          </a:effectRef>
+          <a:fontRef idx="minor">
+            <a:schemeClr val="lt1"/>
+          </a:fontRef>
+        </p:style>
+        <p:txBody>
+          <a:bodyPr rtlCol="0" anchor="ctr"/>
+          <a:lstStyle/>
+          <a:p>
+            <a:pPr algn="ctr"/>
+          </a:p>
+        </p:txBody>
+      </p:sp>
+      <p:sp>
+        <p:nvSpPr>
+          <p:cNvPr id="3" name="Oval 2"/>
+          <p:cNvSpPr/>
+          <p:nvPr/>
+        </p:nvSpPr>
+        <p:spPr>
+          <a:xfrm>
+            <a:off x="9875520" y="-914400"/>
+            <a:ext cx="2743200" cy="2743200"/>
+          </a:xfrm>
+          <a:prstGeom prst="ellipse">
+            <a:avLst/>
+          </a:prstGeom>
+          <a:solidFill>
+            <a:srgbClr val="2EC4B6"/>
+          </a:solidFill>
+          <a:ln>
+            <a:noFill/>
+          </a:ln>
+        </p:spPr>
+        <p:style>
+          <a:lnRef idx="1">
+            <a:schemeClr val="accent1"/>
+          </a:lnRef>
+          <a:fillRef idx="3">
+            <a:schemeClr val="accent1"/>
+          </a:fillRef>
+          <a:effectRef idx="2">
+            <a:schemeClr val="accent1"/>
+          </a:effectRef>
+          <a:fontRef idx="minor">
+            <a:schemeClr val="lt1"/>
+          </a:fontRef>
+        </p:style>
+        <p:txBody>
+          <a:bodyPr rtlCol="0" anchor="ctr"/>
+          <a:lstStyle/>
+          <a:p>
+            <a:pPr algn="ctr"/>
+          </a:p>
+        </p:txBody>
+      </p:sp>
+      <p:sp>
+        <p:nvSpPr>
+          <p:cNvPr id="4" name="Oval 3"/>
+          <p:cNvSpPr/>
+          <p:nvPr/>
+        </p:nvSpPr>
+        <p:spPr>
+          <a:xfrm>
+            <a:off x="-1097280" y="5303520"/>
+            <a:ext cx="2926080" cy="2926080"/>
+          </a:xfrm>
+          <a:prstGeom prst="ellipse">
+            <a:avLst/>
+          </a:prstGeom>
+          <a:solidFill>
+            <a:srgbClr val="00A8E8"/>
+          </a:solidFill>
+          <a:ln>
+            <a:noFill/>
+          </a:ln>
+        </p:spPr>
+        <p:style>
+          <a:lnRef idx="1">
+            <a:schemeClr val="accent1"/>
+          </a:lnRef>
+          <a:fillRef idx="3">
+            <a:schemeClr val="accent1"/>
+          </a:fillRef>
+          <a:effectRef idx="2">
+            <a:schemeClr val="accent1"/>
+          </a:effectRef>
+          <a:fontRef idx="minor">
+            <a:schemeClr val="lt1"/>
+          </a:fontRef>
+        </p:style>
+        <p:txBody>
+          <a:bodyPr rtlCol="0" anchor="ctr"/>
+          <a:lstStyle/>
+          <a:p>
+            <a:pPr algn="ctr"/>
+          </a:p>
+        </p:txBody>
+      </p:sp>
+      <p:sp>
+        <p:nvSpPr>
+          <p:cNvPr id="5" name="TextBox 4"/>
           <p:cNvSpPr txBox="1"/>
           <p:nvPr/>
         </p:nvSpPr>
         <p:spPr>
           <a:xfrm>
-            <a:off x="457200" y="1188720"/>
-            <a:ext cx="7315200" cy="5303520"/>
+            <a:off x="640080" y="365760"/>
+            <a:ext cx="5029200" cy="365760"/>
+          </a:xfrm>
+          <a:prstGeom prst="rect">
+            <a:avLst/>
+          </a:prstGeom>
+          <a:noFill/>
+        </p:spPr>
+        <p:txBody>
+          <a:bodyPr wrap="none">
+            <a:spAutoFit/>
+          </a:bodyPr>
+          <a:lstStyle/>
+          <a:p>
+            <a:pPr algn="l"/>
+            <a:r>
+              <a:rPr sz="1200" b="1">
+                <a:solidFill>
+                  <a:srgbClr val="236F96"/>
+                </a:solidFill>
+                <a:latin typeface="Avenir Next"/>
+              </a:rPr>
+              <a:t>Segmentation</a:t>
+            </a:r>
+          </a:p>
+        </p:txBody>
+      </p:sp>
+      <p:sp>
+        <p:nvSpPr>
+          <p:cNvPr id="6" name="TextBox 5"/>
+          <p:cNvSpPr txBox="1"/>
+          <p:nvPr/>
+        </p:nvSpPr>
+        <p:spPr>
+          <a:xfrm>
+            <a:off x="640080" y="731520"/>
+            <a:ext cx="10881360" cy="1097280"/>
+          </a:xfrm>
+          <a:prstGeom prst="rect">
+            <a:avLst/>
+          </a:prstGeom>
+          <a:noFill/>
+        </p:spPr>
+        <p:txBody>
+          <a:bodyPr wrap="none">
+            <a:spAutoFit/>
+          </a:bodyPr>
+          <a:lstStyle/>
+          <a:p>
+            <a:pPr algn="l"/>
+            <a:r>
+              <a:rPr sz="3600" b="1">
+                <a:solidFill>
+                  <a:srgbClr val="0C1821"/>
+                </a:solidFill>
+                <a:latin typeface="Avenir Next"/>
+              </a:rPr>
+              <a:t>Segmentation and Behavioral Clusters</a:t>
+            </a:r>
+          </a:p>
+        </p:txBody>
+      </p:sp>
+      <p:sp>
+        <p:nvSpPr>
+          <p:cNvPr id="7" name="TextBox 6"/>
+          <p:cNvSpPr txBox="1"/>
+          <p:nvPr/>
+        </p:nvSpPr>
+        <p:spPr>
+          <a:xfrm>
+            <a:off x="731520" y="1645920"/>
+            <a:ext cx="10972800" cy="502920"/>
           </a:xfrm>
           <a:prstGeom prst="rect">
             <a:avLst/>
@@ -4380,41 +9158,86 @@
           <a:lstStyle/>
           <a:p>
             <a:pPr>
-              <a:defRPr sz="2200"/>
+              <a:spcAft>
+                <a:spcPts val="300"/>
+              </a:spcAft>
+              <a:defRPr sz="1400" b="0">
+                <a:solidFill>
+                  <a:srgbClr val="192D3C"/>
+                </a:solidFill>
+                <a:latin typeface="Avenir Next"/>
+              </a:defRPr>
             </a:pPr>
             <a:r>
-              <a:t>Train/test split: 80/20 customer-level holdout.</a:t>
+              <a:t>• Segmentation complements prediction by converting scores into action buckets.</a:t>
             </a:r>
           </a:p>
           <a:p>
             <a:pPr>
-              <a:defRPr sz="2200"/>
+              <a:spcAft>
+                <a:spcPts val="300"/>
+              </a:spcAft>
+              <a:defRPr sz="1400" b="0">
+                <a:solidFill>
+                  <a:srgbClr val="192D3C"/>
+                </a:solidFill>
+                <a:latin typeface="Avenir Next"/>
+              </a:defRPr>
             </a:pPr>
             <a:r>
-              <a:t>Models: Linear, Ridge, Lasso, Random Forest, Gradient Boosting, XGBoost.</a:t>
-            </a:r>
-          </a:p>
-          <a:p>
-            <a:pPr>
-              <a:defRPr sz="2200"/>
-            </a:pPr>
-            <a:r>
-              <a:t>Metrics: RMSE, MAE, R², MAPE + lift chart.</a:t>
-            </a:r>
-          </a:p>
-          <a:p>
-            <a:pPr>
-              <a:defRPr sz="2200"/>
-            </a:pPr>
-            <a:r>
-              <a:t>Cross-validation used to assess stability.</a:t>
-            </a:r>
+              <a:t>• Profiles and cluster diagnostics guide campaign strategy design.</a:t>
+            </a:r>
+          </a:p>
+        </p:txBody>
+      </p:sp>
+      <p:sp>
+        <p:nvSpPr>
+          <p:cNvPr id="8" name="Rounded Rectangle 7"/>
+          <p:cNvSpPr/>
+          <p:nvPr/>
+        </p:nvSpPr>
+        <p:spPr>
+          <a:xfrm>
+            <a:off x="640080" y="1965960"/>
+            <a:ext cx="5394960" cy="2057400"/>
+          </a:xfrm>
+          <a:prstGeom prst="roundRect">
+            <a:avLst/>
+          </a:prstGeom>
+          <a:solidFill>
+            <a:srgbClr val="FFFFFF"/>
+          </a:solidFill>
+          <a:ln w="12700">
+            <a:solidFill>
+              <a:srgbClr val="E1EAF2"/>
+            </a:solidFill>
+          </a:ln>
+        </p:spPr>
+        <p:style>
+          <a:lnRef idx="1">
+            <a:schemeClr val="accent1"/>
+          </a:lnRef>
+          <a:fillRef idx="3">
+            <a:schemeClr val="accent1"/>
+          </a:fillRef>
+          <a:effectRef idx="2">
+            <a:schemeClr val="accent1"/>
+          </a:effectRef>
+          <a:fontRef idx="minor">
+            <a:schemeClr val="lt1"/>
+          </a:fontRef>
+        </p:style>
+        <p:txBody>
+          <a:bodyPr rtlCol="0" anchor="ctr"/>
+          <a:lstStyle/>
+          <a:p>
+            <a:pPr algn="ctr"/>
           </a:p>
         </p:txBody>
       </p:sp>
       <p:pic>
         <p:nvPicPr>
-          <p:cNvPr id="4" name="Picture 3" descr="model_comparison.png"/>
+          <p:cNvPr id="9" name="Picture 8" descr="segment_distribution.png"/>
           <p:cNvPicPr>
             <a:picLocks noChangeAspect="1"/>
           </p:cNvPicPr>
@@ -4428,14 +9251,361 @@
         </p:blipFill>
         <p:spPr>
           <a:xfrm>
-            <a:off x="7863840" y="1280160"/>
-            <a:ext cx="4206240" cy="4754880"/>
+            <a:off x="1275150" y="2039112"/>
+            <a:ext cx="4124819" cy="1618488"/>
           </a:xfrm>
           <a:prstGeom prst="rect">
             <a:avLst/>
           </a:prstGeom>
         </p:spPr>
       </p:pic>
+      <p:sp>
+        <p:nvSpPr>
+          <p:cNvPr id="10" name="TextBox 9"/>
+          <p:cNvSpPr txBox="1"/>
+          <p:nvPr/>
+        </p:nvSpPr>
+        <p:spPr>
+          <a:xfrm>
+            <a:off x="731519" y="3721608"/>
+            <a:ext cx="5212080" cy="228600"/>
+          </a:xfrm>
+          <a:prstGeom prst="rect">
+            <a:avLst/>
+          </a:prstGeom>
+          <a:noFill/>
+        </p:spPr>
+        <p:txBody>
+          <a:bodyPr wrap="none">
+            <a:spAutoFit/>
+          </a:bodyPr>
+          <a:lstStyle/>
+          <a:p>
+            <a:pPr algn="ctr"/>
+            <a:r>
+              <a:rPr sz="1100" b="0">
+                <a:solidFill>
+                  <a:srgbClr val="293B4B"/>
+                </a:solidFill>
+                <a:latin typeface="Avenir Next"/>
+              </a:rPr>
+              <a:t>Segment size distribution</a:t>
+            </a:r>
+          </a:p>
+        </p:txBody>
+      </p:sp>
+      <p:sp>
+        <p:nvSpPr>
+          <p:cNvPr id="11" name="Rounded Rectangle 10"/>
+          <p:cNvSpPr/>
+          <p:nvPr/>
+        </p:nvSpPr>
+        <p:spPr>
+          <a:xfrm>
+            <a:off x="6172200" y="1965960"/>
+            <a:ext cx="5394960" cy="2057400"/>
+          </a:xfrm>
+          <a:prstGeom prst="roundRect">
+            <a:avLst/>
+          </a:prstGeom>
+          <a:solidFill>
+            <a:srgbClr val="FFFFFF"/>
+          </a:solidFill>
+          <a:ln w="12700">
+            <a:solidFill>
+              <a:srgbClr val="E1EAF2"/>
+            </a:solidFill>
+          </a:ln>
+        </p:spPr>
+        <p:style>
+          <a:lnRef idx="1">
+            <a:schemeClr val="accent1"/>
+          </a:lnRef>
+          <a:fillRef idx="3">
+            <a:schemeClr val="accent1"/>
+          </a:fillRef>
+          <a:effectRef idx="2">
+            <a:schemeClr val="accent1"/>
+          </a:effectRef>
+          <a:fontRef idx="minor">
+            <a:schemeClr val="lt1"/>
+          </a:fontRef>
+        </p:style>
+        <p:txBody>
+          <a:bodyPr rtlCol="0" anchor="ctr"/>
+          <a:lstStyle/>
+          <a:p>
+            <a:pPr algn="ctr"/>
+          </a:p>
+        </p:txBody>
+      </p:sp>
+      <p:pic>
+        <p:nvPicPr>
+          <p:cNvPr id="12" name="Picture 11" descr="segment_profiles.png"/>
+          <p:cNvPicPr>
+            <a:picLocks noChangeAspect="1"/>
+          </p:cNvPicPr>
+          <p:nvPr/>
+        </p:nvPicPr>
+        <p:blipFill>
+          <a:blip r:embed="rId3"/>
+          <a:stretch>
+            <a:fillRect/>
+          </a:stretch>
+        </p:blipFill>
+        <p:spPr>
+          <a:xfrm>
+            <a:off x="6245352" y="2305027"/>
+            <a:ext cx="5248656" cy="1086656"/>
+          </a:xfrm>
+          <a:prstGeom prst="rect">
+            <a:avLst/>
+          </a:prstGeom>
+        </p:spPr>
+      </p:pic>
+      <p:sp>
+        <p:nvSpPr>
+          <p:cNvPr id="13" name="TextBox 12"/>
+          <p:cNvSpPr txBox="1"/>
+          <p:nvPr/>
+        </p:nvSpPr>
+        <p:spPr>
+          <a:xfrm>
+            <a:off x="6263640" y="3721608"/>
+            <a:ext cx="5212080" cy="228600"/>
+          </a:xfrm>
+          <a:prstGeom prst="rect">
+            <a:avLst/>
+          </a:prstGeom>
+          <a:noFill/>
+        </p:spPr>
+        <p:txBody>
+          <a:bodyPr wrap="none">
+            <a:spAutoFit/>
+          </a:bodyPr>
+          <a:lstStyle/>
+          <a:p>
+            <a:pPr algn="ctr"/>
+            <a:r>
+              <a:rPr sz="1100" b="0">
+                <a:solidFill>
+                  <a:srgbClr val="293B4B"/>
+                </a:solidFill>
+                <a:latin typeface="Avenir Next"/>
+              </a:rPr>
+              <a:t>Segment profile comparison</a:t>
+            </a:r>
+          </a:p>
+        </p:txBody>
+      </p:sp>
+      <p:sp>
+        <p:nvSpPr>
+          <p:cNvPr id="14" name="Rounded Rectangle 13"/>
+          <p:cNvSpPr/>
+          <p:nvPr/>
+        </p:nvSpPr>
+        <p:spPr>
+          <a:xfrm>
+            <a:off x="640080" y="4160520"/>
+            <a:ext cx="5394960" cy="2057400"/>
+          </a:xfrm>
+          <a:prstGeom prst="roundRect">
+            <a:avLst/>
+          </a:prstGeom>
+          <a:solidFill>
+            <a:srgbClr val="FFFFFF"/>
+          </a:solidFill>
+          <a:ln w="12700">
+            <a:solidFill>
+              <a:srgbClr val="E1EAF2"/>
+            </a:solidFill>
+          </a:ln>
+        </p:spPr>
+        <p:style>
+          <a:lnRef idx="1">
+            <a:schemeClr val="accent1"/>
+          </a:lnRef>
+          <a:fillRef idx="3">
+            <a:schemeClr val="accent1"/>
+          </a:fillRef>
+          <a:effectRef idx="2">
+            <a:schemeClr val="accent1"/>
+          </a:effectRef>
+          <a:fontRef idx="minor">
+            <a:schemeClr val="lt1"/>
+          </a:fontRef>
+        </p:style>
+        <p:txBody>
+          <a:bodyPr rtlCol="0" anchor="ctr"/>
+          <a:lstStyle/>
+          <a:p>
+            <a:pPr algn="ctr"/>
+          </a:p>
+        </p:txBody>
+      </p:sp>
+      <p:pic>
+        <p:nvPicPr>
+          <p:cNvPr id="15" name="Picture 14" descr="rfm_segments.png"/>
+          <p:cNvPicPr>
+            <a:picLocks noChangeAspect="1"/>
+          </p:cNvPicPr>
+          <p:nvPr/>
+        </p:nvPicPr>
+        <p:blipFill>
+          <a:blip r:embed="rId4"/>
+          <a:stretch>
+            <a:fillRect/>
+          </a:stretch>
+        </p:blipFill>
+        <p:spPr>
+          <a:xfrm>
+            <a:off x="1699782" y="4233672"/>
+            <a:ext cx="3275555" cy="1618488"/>
+          </a:xfrm>
+          <a:prstGeom prst="rect">
+            <a:avLst/>
+          </a:prstGeom>
+        </p:spPr>
+      </p:pic>
+      <p:sp>
+        <p:nvSpPr>
+          <p:cNvPr id="16" name="TextBox 15"/>
+          <p:cNvSpPr txBox="1"/>
+          <p:nvPr/>
+        </p:nvSpPr>
+        <p:spPr>
+          <a:xfrm>
+            <a:off x="731519" y="5916168"/>
+            <a:ext cx="5212080" cy="228600"/>
+          </a:xfrm>
+          <a:prstGeom prst="rect">
+            <a:avLst/>
+          </a:prstGeom>
+          <a:noFill/>
+        </p:spPr>
+        <p:txBody>
+          <a:bodyPr wrap="none">
+            <a:spAutoFit/>
+          </a:bodyPr>
+          <a:lstStyle/>
+          <a:p>
+            <a:pPr algn="ctr"/>
+            <a:r>
+              <a:rPr sz="1100" b="0">
+                <a:solidFill>
+                  <a:srgbClr val="293B4B"/>
+                </a:solidFill>
+                <a:latin typeface="Avenir Next"/>
+              </a:rPr>
+              <a:t>RFM segment map</a:t>
+            </a:r>
+          </a:p>
+        </p:txBody>
+      </p:sp>
+      <p:sp>
+        <p:nvSpPr>
+          <p:cNvPr id="17" name="Rounded Rectangle 16"/>
+          <p:cNvSpPr/>
+          <p:nvPr/>
+        </p:nvSpPr>
+        <p:spPr>
+          <a:xfrm>
+            <a:off x="6172200" y="4160520"/>
+            <a:ext cx="5394960" cy="2057400"/>
+          </a:xfrm>
+          <a:prstGeom prst="roundRect">
+            <a:avLst/>
+          </a:prstGeom>
+          <a:solidFill>
+            <a:srgbClr val="FFFFFF"/>
+          </a:solidFill>
+          <a:ln w="12700">
+            <a:solidFill>
+              <a:srgbClr val="E1EAF2"/>
+            </a:solidFill>
+          </a:ln>
+        </p:spPr>
+        <p:style>
+          <a:lnRef idx="1">
+            <a:schemeClr val="accent1"/>
+          </a:lnRef>
+          <a:fillRef idx="3">
+            <a:schemeClr val="accent1"/>
+          </a:fillRef>
+          <a:effectRef idx="2">
+            <a:schemeClr val="accent1"/>
+          </a:effectRef>
+          <a:fontRef idx="minor">
+            <a:schemeClr val="lt1"/>
+          </a:fontRef>
+        </p:style>
+        <p:txBody>
+          <a:bodyPr rtlCol="0" anchor="ctr"/>
+          <a:lstStyle/>
+          <a:p>
+            <a:pPr algn="ctr"/>
+          </a:p>
+        </p:txBody>
+      </p:sp>
+      <p:pic>
+        <p:nvPicPr>
+          <p:cNvPr id="18" name="Picture 17" descr="elbow_method.png"/>
+          <p:cNvPicPr>
+            <a:picLocks noChangeAspect="1"/>
+          </p:cNvPicPr>
+          <p:nvPr/>
+        </p:nvPicPr>
+        <p:blipFill>
+          <a:blip r:embed="rId5"/>
+          <a:stretch>
+            <a:fillRect/>
+          </a:stretch>
+        </p:blipFill>
+        <p:spPr>
+          <a:xfrm>
+            <a:off x="7225695" y="4233672"/>
+            <a:ext cx="3287969" cy="1618488"/>
+          </a:xfrm>
+          <a:prstGeom prst="rect">
+            <a:avLst/>
+          </a:prstGeom>
+        </p:spPr>
+      </p:pic>
+      <p:sp>
+        <p:nvSpPr>
+          <p:cNvPr id="19" name="TextBox 18"/>
+          <p:cNvSpPr txBox="1"/>
+          <p:nvPr/>
+        </p:nvSpPr>
+        <p:spPr>
+          <a:xfrm>
+            <a:off x="6263640" y="5916168"/>
+            <a:ext cx="5212080" cy="228600"/>
+          </a:xfrm>
+          <a:prstGeom prst="rect">
+            <a:avLst/>
+          </a:prstGeom>
+          <a:noFill/>
+        </p:spPr>
+        <p:txBody>
+          <a:bodyPr wrap="none">
+            <a:spAutoFit/>
+          </a:bodyPr>
+          <a:lstStyle/>
+          <a:p>
+            <a:pPr algn="ctr"/>
+            <a:r>
+              <a:rPr sz="1100" b="0">
+                <a:solidFill>
+                  <a:srgbClr val="293B4B"/>
+                </a:solidFill>
+                <a:latin typeface="Avenir Next"/>
+              </a:rPr>
+              <a:t>K-means elbow method</a:t>
+            </a:r>
+          </a:p>
+        </p:txBody>
+      </p:sp>
     </p:spTree>
   </p:cSld>
   <p:clrMapOvr>
@@ -4456,425 +9626,290 @@
       <p:grpSpPr/>
       <p:sp>
         <p:nvSpPr>
-          <p:cNvPr id="2" name="Title 1"/>
-          <p:cNvSpPr>
-            <a:spLocks noGrp="1"/>
-          </p:cNvSpPr>
-          <p:nvPr>
-            <p:ph type="title"/>
-          </p:nvPr>
-        </p:nvSpPr>
-        <p:spPr/>
-        <p:txBody>
-          <a:bodyPr/>
-          <a:lstStyle/>
-          <a:p>
-            <a:r>
-              <a:t>7. Predictive Results (5.9.5)</a:t>
-            </a:r>
-          </a:p>
-        </p:txBody>
-      </p:sp>
-      <p:graphicFrame>
-        <p:nvGraphicFramePr>
-          <p:cNvPr id="3" name="Table 2"/>
-          <p:cNvGraphicFramePr>
-            <a:graphicFrameLocks noGrp="1"/>
-          </p:cNvGraphicFramePr>
-          <p:nvPr/>
-        </p:nvGraphicFramePr>
-        <p:xfrm>
-          <a:off x="365760" y="1280160"/>
-          <a:ext cx="11430000" cy="4846320"/>
-        </p:xfrm>
-        <a:graphic>
-          <a:graphicData uri="http://schemas.openxmlformats.org/drawingml/2006/table">
-            <a:tbl>
-              <a:tblPr firstRow="1" bandRow="1">
-                <a:tableStyleId>{5C22544A-7EE6-4342-B048-85BDC9FD1C3A}</a:tableStyleId>
-              </a:tblPr>
-              <a:tblGrid>
-                <a:gridCol w="2857500"/>
-                <a:gridCol w="2857500"/>
-                <a:gridCol w="2857500"/>
-                <a:gridCol w="2857500"/>
-              </a:tblGrid>
-              <a:tr h="807720">
-                <a:tc>
-                  <a:txBody>
-                    <a:bodyPr/>
-                    <a:lstStyle/>
-                    <a:p>
-                      <a:pPr>
-                        <a:defRPr b="1" sz="1500"/>
-                      </a:pPr>
-                      <a:r>
-                        <a:t>Model</a:t>
-                      </a:r>
-                    </a:p>
-                  </a:txBody>
-                  <a:tcPr/>
-                </a:tc>
-                <a:tc>
-                  <a:txBody>
-                    <a:bodyPr/>
-                    <a:lstStyle/>
-                    <a:p>
-                      <a:pPr>
-                        <a:defRPr b="1" sz="1500"/>
-                      </a:pPr>
-                      <a:r>
-                        <a:t>RMSE</a:t>
-                      </a:r>
-                    </a:p>
-                  </a:txBody>
-                  <a:tcPr/>
-                </a:tc>
-                <a:tc>
-                  <a:txBody>
-                    <a:bodyPr/>
-                    <a:lstStyle/>
-                    <a:p>
-                      <a:pPr>
-                        <a:defRPr b="1" sz="1500"/>
-                      </a:pPr>
-                      <a:r>
-                        <a:t>MAE</a:t>
-                      </a:r>
-                    </a:p>
-                  </a:txBody>
-                  <a:tcPr/>
-                </a:tc>
-                <a:tc>
-                  <a:txBody>
-                    <a:bodyPr/>
-                    <a:lstStyle/>
-                    <a:p>
-                      <a:pPr>
-                        <a:defRPr b="1" sz="1500"/>
-                      </a:pPr>
-                      <a:r>
-                        <a:t>R²</a:t>
-                      </a:r>
-                    </a:p>
-                  </a:txBody>
-                  <a:tcPr/>
-                </a:tc>
-              </a:tr>
-              <a:tr h="807720">
-                <a:tc>
-                  <a:txBody>
-                    <a:bodyPr/>
-                    <a:lstStyle/>
-                    <a:p>
-                      <a:pPr>
-                        <a:defRPr sz="1300"/>
-                      </a:pPr>
-                      <a:r>
-                        <a:t>Lasso Regression (Tuned)</a:t>
-                      </a:r>
-                    </a:p>
-                  </a:txBody>
-                  <a:tcPr/>
-                </a:tc>
-                <a:tc>
-                  <a:txBody>
-                    <a:bodyPr/>
-                    <a:lstStyle/>
-                    <a:p>
-                      <a:pPr>
-                        <a:defRPr sz="1300"/>
-                      </a:pPr>
-                      <a:r>
-                        <a:t>1756.13</a:t>
-                      </a:r>
-                    </a:p>
-                  </a:txBody>
-                  <a:tcPr/>
-                </a:tc>
-                <a:tc>
-                  <a:txBody>
-                    <a:bodyPr/>
-                    <a:lstStyle/>
-                    <a:p>
-                      <a:pPr>
-                        <a:defRPr sz="1300"/>
-                      </a:pPr>
-                      <a:r>
-                        <a:t>545.35</a:t>
-                      </a:r>
-                    </a:p>
-                  </a:txBody>
-                  <a:tcPr/>
-                </a:tc>
-                <a:tc>
-                  <a:txBody>
-                    <a:bodyPr/>
-                    <a:lstStyle/>
-                    <a:p>
-                      <a:pPr>
-                        <a:defRPr sz="1300"/>
-                      </a:pPr>
-                      <a:r>
-                        <a:t>0.8096</a:t>
-                      </a:r>
-                    </a:p>
-                  </a:txBody>
-                  <a:tcPr/>
-                </a:tc>
-              </a:tr>
-              <a:tr h="807720">
-                <a:tc>
-                  <a:txBody>
-                    <a:bodyPr/>
-                    <a:lstStyle/>
-                    <a:p>
-                      <a:pPr>
-                        <a:defRPr sz="1300"/>
-                      </a:pPr>
-                      <a:r>
-                        <a:t>Lasso Regression</a:t>
-                      </a:r>
-                    </a:p>
-                  </a:txBody>
-                  <a:tcPr/>
-                </a:tc>
-                <a:tc>
-                  <a:txBody>
-                    <a:bodyPr/>
-                    <a:lstStyle/>
-                    <a:p>
-                      <a:pPr>
-                        <a:defRPr sz="1300"/>
-                      </a:pPr>
-                      <a:r>
-                        <a:t>1761.83</a:t>
-                      </a:r>
-                    </a:p>
-                  </a:txBody>
-                  <a:tcPr/>
-                </a:tc>
-                <a:tc>
-                  <a:txBody>
-                    <a:bodyPr/>
-                    <a:lstStyle/>
-                    <a:p>
-                      <a:pPr>
-                        <a:defRPr sz="1300"/>
-                      </a:pPr>
-                      <a:r>
-                        <a:t>547.71</a:t>
-                      </a:r>
-                    </a:p>
-                  </a:txBody>
-                  <a:tcPr/>
-                </a:tc>
-                <a:tc>
-                  <a:txBody>
-                    <a:bodyPr/>
-                    <a:lstStyle/>
-                    <a:p>
-                      <a:pPr>
-                        <a:defRPr sz="1300"/>
-                      </a:pPr>
-                      <a:r>
-                        <a:t>0.8083</a:t>
-                      </a:r>
-                    </a:p>
-                  </a:txBody>
-                  <a:tcPr/>
-                </a:tc>
-              </a:tr>
-              <a:tr h="807720">
-                <a:tc>
-                  <a:txBody>
-                    <a:bodyPr/>
-                    <a:lstStyle/>
-                    <a:p>
-                      <a:pPr>
-                        <a:defRPr sz="1300"/>
-                      </a:pPr>
-                      <a:r>
-                        <a:t>Linear Regression</a:t>
-                      </a:r>
-                    </a:p>
-                  </a:txBody>
-                  <a:tcPr/>
-                </a:tc>
-                <a:tc>
-                  <a:txBody>
-                    <a:bodyPr/>
-                    <a:lstStyle/>
-                    <a:p>
-                      <a:pPr>
-                        <a:defRPr sz="1300"/>
-                      </a:pPr>
-                      <a:r>
-                        <a:t>1762.46</a:t>
-                      </a:r>
-                    </a:p>
-                  </a:txBody>
-                  <a:tcPr/>
-                </a:tc>
-                <a:tc>
-                  <a:txBody>
-                    <a:bodyPr/>
-                    <a:lstStyle/>
-                    <a:p>
-                      <a:pPr>
-                        <a:defRPr sz="1300"/>
-                      </a:pPr>
-                      <a:r>
-                        <a:t>547.99</a:t>
-                      </a:r>
-                    </a:p>
-                  </a:txBody>
-                  <a:tcPr/>
-                </a:tc>
-                <a:tc>
-                  <a:txBody>
-                    <a:bodyPr/>
-                    <a:lstStyle/>
-                    <a:p>
-                      <a:pPr>
-                        <a:defRPr sz="1300"/>
-                      </a:pPr>
-                      <a:r>
-                        <a:t>0.8082</a:t>
-                      </a:r>
-                    </a:p>
-                  </a:txBody>
-                  <a:tcPr/>
-                </a:tc>
-              </a:tr>
-              <a:tr h="807720">
-                <a:tc>
-                  <a:txBody>
-                    <a:bodyPr/>
-                    <a:lstStyle/>
-                    <a:p>
-                      <a:pPr>
-                        <a:defRPr sz="1300"/>
-                      </a:pPr>
-                      <a:r>
-                        <a:t>Ridge Regression</a:t>
-                      </a:r>
-                    </a:p>
-                  </a:txBody>
-                  <a:tcPr/>
-                </a:tc>
-                <a:tc>
-                  <a:txBody>
-                    <a:bodyPr/>
-                    <a:lstStyle/>
-                    <a:p>
-                      <a:pPr>
-                        <a:defRPr sz="1300"/>
-                      </a:pPr>
-                      <a:r>
-                        <a:t>1762.94</a:t>
-                      </a:r>
-                    </a:p>
-                  </a:txBody>
-                  <a:tcPr/>
-                </a:tc>
-                <a:tc>
-                  <a:txBody>
-                    <a:bodyPr/>
-                    <a:lstStyle/>
-                    <a:p>
-                      <a:pPr>
-                        <a:defRPr sz="1300"/>
-                      </a:pPr>
-                      <a:r>
-                        <a:t>547.98</a:t>
-                      </a:r>
-                    </a:p>
-                  </a:txBody>
-                  <a:tcPr/>
-                </a:tc>
-                <a:tc>
-                  <a:txBody>
-                    <a:bodyPr/>
-                    <a:lstStyle/>
-                    <a:p>
-                      <a:pPr>
-                        <a:defRPr sz="1300"/>
-                      </a:pPr>
-                      <a:r>
-                        <a:t>0.8081</a:t>
-                      </a:r>
-                    </a:p>
-                  </a:txBody>
-                  <a:tcPr/>
-                </a:tc>
-              </a:tr>
-              <a:tr h="807720">
-                <a:tc>
-                  <a:txBody>
-                    <a:bodyPr/>
-                    <a:lstStyle/>
-                    <a:p>
-                      <a:pPr>
-                        <a:defRPr sz="1300"/>
-                      </a:pPr>
-                      <a:r>
-                        <a:t>XGBoost</a:t>
-                      </a:r>
-                    </a:p>
-                  </a:txBody>
-                  <a:tcPr/>
-                </a:tc>
-                <a:tc>
-                  <a:txBody>
-                    <a:bodyPr/>
-                    <a:lstStyle/>
-                    <a:p>
-                      <a:pPr>
-                        <a:defRPr sz="1300"/>
-                      </a:pPr>
-                      <a:r>
-                        <a:t>2387.82</a:t>
-                      </a:r>
-                    </a:p>
-                  </a:txBody>
-                  <a:tcPr/>
-                </a:tc>
-                <a:tc>
-                  <a:txBody>
-                    <a:bodyPr/>
-                    <a:lstStyle/>
-                    <a:p>
-                      <a:pPr>
-                        <a:defRPr sz="1300"/>
-                      </a:pPr>
-                      <a:r>
-                        <a:t>534.66</a:t>
-                      </a:r>
-                    </a:p>
-                  </a:txBody>
-                  <a:tcPr/>
-                </a:tc>
-                <a:tc>
-                  <a:txBody>
-                    <a:bodyPr/>
-                    <a:lstStyle/>
-                    <a:p>
-                      <a:pPr>
-                        <a:defRPr sz="1300"/>
-                      </a:pPr>
-                      <a:r>
-                        <a:t>0.6479</a:t>
-                      </a:r>
-                    </a:p>
-                  </a:txBody>
-                  <a:tcPr/>
-                </a:tc>
-              </a:tr>
-            </a:tbl>
-          </a:graphicData>
-        </a:graphic>
-      </p:graphicFrame>
+          <p:cNvPr id="2" name="Rectangle 1"/>
+          <p:cNvSpPr/>
+          <p:nvPr/>
+        </p:nvSpPr>
+        <p:spPr>
+          <a:xfrm>
+            <a:off x="0" y="0"/>
+            <a:ext cx="12191695" cy="6858000"/>
+          </a:xfrm>
+          <a:prstGeom prst="rect">
+            <a:avLst/>
+          </a:prstGeom>
+          <a:solidFill>
+            <a:srgbClr val="F8F5F1"/>
+          </a:solidFill>
+          <a:ln>
+            <a:noFill/>
+          </a:ln>
+        </p:spPr>
+        <p:style>
+          <a:lnRef idx="1">
+            <a:schemeClr val="accent1"/>
+          </a:lnRef>
+          <a:fillRef idx="3">
+            <a:schemeClr val="accent1"/>
+          </a:fillRef>
+          <a:effectRef idx="2">
+            <a:schemeClr val="accent1"/>
+          </a:effectRef>
+          <a:fontRef idx="minor">
+            <a:schemeClr val="lt1"/>
+          </a:fontRef>
+        </p:style>
+        <p:txBody>
+          <a:bodyPr rtlCol="0" anchor="ctr"/>
+          <a:lstStyle/>
+          <a:p>
+            <a:pPr algn="ctr"/>
+          </a:p>
+        </p:txBody>
+      </p:sp>
+      <p:sp>
+        <p:nvSpPr>
+          <p:cNvPr id="3" name="Oval 2"/>
+          <p:cNvSpPr/>
+          <p:nvPr/>
+        </p:nvSpPr>
+        <p:spPr>
+          <a:xfrm>
+            <a:off x="9875520" y="-914400"/>
+            <a:ext cx="2743200" cy="2743200"/>
+          </a:xfrm>
+          <a:prstGeom prst="ellipse">
+            <a:avLst/>
+          </a:prstGeom>
+          <a:solidFill>
+            <a:srgbClr val="2EC4B6"/>
+          </a:solidFill>
+          <a:ln>
+            <a:noFill/>
+          </a:ln>
+        </p:spPr>
+        <p:style>
+          <a:lnRef idx="1">
+            <a:schemeClr val="accent1"/>
+          </a:lnRef>
+          <a:fillRef idx="3">
+            <a:schemeClr val="accent1"/>
+          </a:fillRef>
+          <a:effectRef idx="2">
+            <a:schemeClr val="accent1"/>
+          </a:effectRef>
+          <a:fontRef idx="minor">
+            <a:schemeClr val="lt1"/>
+          </a:fontRef>
+        </p:style>
+        <p:txBody>
+          <a:bodyPr rtlCol="0" anchor="ctr"/>
+          <a:lstStyle/>
+          <a:p>
+            <a:pPr algn="ctr"/>
+          </a:p>
+        </p:txBody>
+      </p:sp>
+      <p:sp>
+        <p:nvSpPr>
+          <p:cNvPr id="4" name="Oval 3"/>
+          <p:cNvSpPr/>
+          <p:nvPr/>
+        </p:nvSpPr>
+        <p:spPr>
+          <a:xfrm>
+            <a:off x="-1097280" y="5303520"/>
+            <a:ext cx="2926080" cy="2926080"/>
+          </a:xfrm>
+          <a:prstGeom prst="ellipse">
+            <a:avLst/>
+          </a:prstGeom>
+          <a:solidFill>
+            <a:srgbClr val="00A8E8"/>
+          </a:solidFill>
+          <a:ln>
+            <a:noFill/>
+          </a:ln>
+        </p:spPr>
+        <p:style>
+          <a:lnRef idx="1">
+            <a:schemeClr val="accent1"/>
+          </a:lnRef>
+          <a:fillRef idx="3">
+            <a:schemeClr val="accent1"/>
+          </a:fillRef>
+          <a:effectRef idx="2">
+            <a:schemeClr val="accent1"/>
+          </a:effectRef>
+          <a:fontRef idx="minor">
+            <a:schemeClr val="lt1"/>
+          </a:fontRef>
+        </p:style>
+        <p:txBody>
+          <a:bodyPr rtlCol="0" anchor="ctr"/>
+          <a:lstStyle/>
+          <a:p>
+            <a:pPr algn="ctr"/>
+          </a:p>
+        </p:txBody>
+      </p:sp>
+      <p:sp>
+        <p:nvSpPr>
+          <p:cNvPr id="5" name="TextBox 4"/>
+          <p:cNvSpPr txBox="1"/>
+          <p:nvPr/>
+        </p:nvSpPr>
+        <p:spPr>
+          <a:xfrm>
+            <a:off x="640080" y="365760"/>
+            <a:ext cx="5029200" cy="365760"/>
+          </a:xfrm>
+          <a:prstGeom prst="rect">
+            <a:avLst/>
+          </a:prstGeom>
+          <a:noFill/>
+        </p:spPr>
+        <p:txBody>
+          <a:bodyPr wrap="none">
+            <a:spAutoFit/>
+          </a:bodyPr>
+          <a:lstStyle/>
+          <a:p>
+            <a:pPr algn="l"/>
+            <a:r>
+              <a:rPr sz="1200" b="1">
+                <a:solidFill>
+                  <a:srgbClr val="236F96"/>
+                </a:solidFill>
+                <a:latin typeface="Avenir Next"/>
+              </a:rPr>
+              <a:t>Modeling</a:t>
+            </a:r>
+          </a:p>
+        </p:txBody>
+      </p:sp>
+      <p:sp>
+        <p:nvSpPr>
+          <p:cNvPr id="6" name="TextBox 5"/>
+          <p:cNvSpPr txBox="1"/>
+          <p:nvPr/>
+        </p:nvSpPr>
+        <p:spPr>
+          <a:xfrm>
+            <a:off x="640080" y="731520"/>
+            <a:ext cx="10881360" cy="1097280"/>
+          </a:xfrm>
+          <a:prstGeom prst="rect">
+            <a:avLst/>
+          </a:prstGeom>
+          <a:noFill/>
+        </p:spPr>
+        <p:txBody>
+          <a:bodyPr wrap="none">
+            <a:spAutoFit/>
+          </a:bodyPr>
+          <a:lstStyle/>
+          <a:p>
+            <a:pPr algn="l"/>
+            <a:r>
+              <a:rPr sz="3600" b="1">
+                <a:solidFill>
+                  <a:srgbClr val="0C1821"/>
+                </a:solidFill>
+                <a:latin typeface="Avenir Next"/>
+              </a:rPr>
+              <a:t>Modeling Approach and Evaluation (5.5, 5.6)</a:t>
+            </a:r>
+          </a:p>
+        </p:txBody>
+      </p:sp>
+      <p:sp>
+        <p:nvSpPr>
+          <p:cNvPr id="7" name="TextBox 6"/>
+          <p:cNvSpPr txBox="1"/>
+          <p:nvPr/>
+        </p:nvSpPr>
+        <p:spPr>
+          <a:xfrm>
+            <a:off x="731520" y="1828800"/>
+            <a:ext cx="10972800" cy="4389120"/>
+          </a:xfrm>
+          <a:prstGeom prst="rect">
+            <a:avLst/>
+          </a:prstGeom>
+          <a:noFill/>
+        </p:spPr>
+        <p:txBody>
+          <a:bodyPr wrap="square">
+            <a:spAutoFit/>
+          </a:bodyPr>
+          <a:lstStyle/>
+          <a:p>
+            <a:pPr>
+              <a:spcAft>
+                <a:spcPts val="800"/>
+              </a:spcAft>
+              <a:defRPr sz="2200" b="0">
+                <a:solidFill>
+                  <a:srgbClr val="12222F"/>
+                </a:solidFill>
+                <a:latin typeface="Avenir Next"/>
+              </a:defRPr>
+            </a:pPr>
+            <a:r>
+              <a:t>Train/val/test split: 80/10/10 at customer level; validation for tuning, test as final holdout.</a:t>
+            </a:r>
+          </a:p>
+          <a:p>
+            <a:pPr>
+              <a:spcAft>
+                <a:spcPts val="800"/>
+              </a:spcAft>
+              <a:defRPr sz="2200" b="0">
+                <a:solidFill>
+                  <a:srgbClr val="12222F"/>
+                </a:solidFill>
+                <a:latin typeface="Avenir Next"/>
+              </a:defRPr>
+            </a:pPr>
+            <a:r>
+              <a:t>Compared Linear, Ridge, Lasso, Random Forest, Gradient Boosting, XGBoost.</a:t>
+            </a:r>
+          </a:p>
+          <a:p>
+            <a:pPr>
+              <a:spcAft>
+                <a:spcPts val="800"/>
+              </a:spcAft>
+              <a:defRPr sz="2200" b="0">
+                <a:solidFill>
+                  <a:srgbClr val="12222F"/>
+                </a:solidFill>
+                <a:latin typeface="Avenir Next"/>
+              </a:defRPr>
+            </a:pPr>
+            <a:r>
+              <a:t>Metrics: RMSE, MAE, R2, MAPE and lift for business prioritization.</a:t>
+            </a:r>
+          </a:p>
+          <a:p>
+            <a:pPr>
+              <a:spcAft>
+                <a:spcPts val="800"/>
+              </a:spcAft>
+              <a:defRPr sz="2200" b="0">
+                <a:solidFill>
+                  <a:srgbClr val="12222F"/>
+                </a:solidFill>
+                <a:latin typeface="Avenir Next"/>
+              </a:defRPr>
+            </a:pPr>
+            <a:r>
+              <a:t>Randomized search used for fine-tuning top candidates.</a:t>
+            </a:r>
+          </a:p>
+        </p:txBody>
+      </p:sp>
     </p:spTree>
   </p:cSld>
   <p:clrMapOvr>
@@ -4895,35 +9930,143 @@
       <p:grpSpPr/>
       <p:sp>
         <p:nvSpPr>
-          <p:cNvPr id="2" name="Title 1"/>
-          <p:cNvSpPr>
-            <a:spLocks noGrp="1"/>
-          </p:cNvSpPr>
-          <p:nvPr>
-            <p:ph type="title"/>
-          </p:nvPr>
-        </p:nvSpPr>
-        <p:spPr/>
-        <p:txBody>
-          <a:bodyPr/>
-          <a:lstStyle/>
-          <a:p>
-            <a:r>
-              <a:t>8. Model Selection &amp; Fine-Tuning (5.7, 5.8)</a:t>
-            </a:r>
-          </a:p>
-        </p:txBody>
-      </p:sp>
-      <p:sp>
-        <p:nvSpPr>
-          <p:cNvPr id="3" name="TextBox 2"/>
+          <p:cNvPr id="2" name="Rectangle 1"/>
+          <p:cNvSpPr/>
+          <p:nvPr/>
+        </p:nvSpPr>
+        <p:spPr>
+          <a:xfrm>
+            <a:off x="0" y="0"/>
+            <a:ext cx="12191695" cy="6858000"/>
+          </a:xfrm>
+          <a:prstGeom prst="rect">
+            <a:avLst/>
+          </a:prstGeom>
+          <a:solidFill>
+            <a:srgbClr val="F8F5F1"/>
+          </a:solidFill>
+          <a:ln>
+            <a:noFill/>
+          </a:ln>
+        </p:spPr>
+        <p:style>
+          <a:lnRef idx="1">
+            <a:schemeClr val="accent1"/>
+          </a:lnRef>
+          <a:fillRef idx="3">
+            <a:schemeClr val="accent1"/>
+          </a:fillRef>
+          <a:effectRef idx="2">
+            <a:schemeClr val="accent1"/>
+          </a:effectRef>
+          <a:fontRef idx="minor">
+            <a:schemeClr val="lt1"/>
+          </a:fontRef>
+        </p:style>
+        <p:txBody>
+          <a:bodyPr rtlCol="0" anchor="ctr"/>
+          <a:lstStyle/>
+          <a:p>
+            <a:pPr algn="ctr"/>
+          </a:p>
+        </p:txBody>
+      </p:sp>
+      <p:sp>
+        <p:nvSpPr>
+          <p:cNvPr id="3" name="Oval 2"/>
+          <p:cNvSpPr/>
+          <p:nvPr/>
+        </p:nvSpPr>
+        <p:spPr>
+          <a:xfrm>
+            <a:off x="9875520" y="-914400"/>
+            <a:ext cx="2743200" cy="2743200"/>
+          </a:xfrm>
+          <a:prstGeom prst="ellipse">
+            <a:avLst/>
+          </a:prstGeom>
+          <a:solidFill>
+            <a:srgbClr val="2EC4B6"/>
+          </a:solidFill>
+          <a:ln>
+            <a:noFill/>
+          </a:ln>
+        </p:spPr>
+        <p:style>
+          <a:lnRef idx="1">
+            <a:schemeClr val="accent1"/>
+          </a:lnRef>
+          <a:fillRef idx="3">
+            <a:schemeClr val="accent1"/>
+          </a:fillRef>
+          <a:effectRef idx="2">
+            <a:schemeClr val="accent1"/>
+          </a:effectRef>
+          <a:fontRef idx="minor">
+            <a:schemeClr val="lt1"/>
+          </a:fontRef>
+        </p:style>
+        <p:txBody>
+          <a:bodyPr rtlCol="0" anchor="ctr"/>
+          <a:lstStyle/>
+          <a:p>
+            <a:pPr algn="ctr"/>
+          </a:p>
+        </p:txBody>
+      </p:sp>
+      <p:sp>
+        <p:nvSpPr>
+          <p:cNvPr id="4" name="Oval 3"/>
+          <p:cNvSpPr/>
+          <p:nvPr/>
+        </p:nvSpPr>
+        <p:spPr>
+          <a:xfrm>
+            <a:off x="-1097280" y="5303520"/>
+            <a:ext cx="2926080" cy="2926080"/>
+          </a:xfrm>
+          <a:prstGeom prst="ellipse">
+            <a:avLst/>
+          </a:prstGeom>
+          <a:solidFill>
+            <a:srgbClr val="00A8E8"/>
+          </a:solidFill>
+          <a:ln>
+            <a:noFill/>
+          </a:ln>
+        </p:spPr>
+        <p:style>
+          <a:lnRef idx="1">
+            <a:schemeClr val="accent1"/>
+          </a:lnRef>
+          <a:fillRef idx="3">
+            <a:schemeClr val="accent1"/>
+          </a:fillRef>
+          <a:effectRef idx="2">
+            <a:schemeClr val="accent1"/>
+          </a:effectRef>
+          <a:fontRef idx="minor">
+            <a:schemeClr val="lt1"/>
+          </a:fontRef>
+        </p:style>
+        <p:txBody>
+          <a:bodyPr rtlCol="0" anchor="ctr"/>
+          <a:lstStyle/>
+          <a:p>
+            <a:pPr algn="ctr"/>
+          </a:p>
+        </p:txBody>
+      </p:sp>
+      <p:sp>
+        <p:nvSpPr>
+          <p:cNvPr id="5" name="TextBox 4"/>
           <p:cNvSpPr txBox="1"/>
           <p:nvPr/>
         </p:nvSpPr>
         <p:spPr>
           <a:xfrm>
-            <a:off x="457200" y="1188720"/>
-            <a:ext cx="11430000" cy="5303520"/>
+            <a:off x="640080" y="365760"/>
+            <a:ext cx="5029200" cy="365760"/>
           </a:xfrm>
           <a:prstGeom prst="rect">
             <a:avLst/>
@@ -4931,44 +10074,675 @@
           <a:noFill/>
         </p:spPr>
         <p:txBody>
-          <a:bodyPr wrap="square">
+          <a:bodyPr wrap="none">
             <a:spAutoFit/>
           </a:bodyPr>
           <a:lstStyle/>
           <a:p>
-            <a:pPr>
-              <a:defRPr sz="2200"/>
-            </a:pPr>
-            <a:r>
-              <a:t>Selection criteria: lowest RMSE + interpretability + CV consistency.</a:t>
-            </a:r>
-          </a:p>
-          <a:p>
-            <a:pPr>
-              <a:defRPr sz="2200"/>
-            </a:pPr>
-            <a:r>
-              <a:t>Winner: tuned Lasso Regression.</a:t>
-            </a:r>
-          </a:p>
-          <a:p>
-            <a:pPr>
-              <a:defRPr sz="2200"/>
-            </a:pPr>
-            <a:r>
-              <a:t>Tuning: randomized hyperparameter search on top baseline candidates.</a:t>
-            </a:r>
-          </a:p>
-          <a:p>
-            <a:pPr>
-              <a:defRPr sz="2200"/>
-            </a:pPr>
-            <a:r>
-              <a:t>Outcome: tuned Lasso marginally outperformed untuned alternatives.</a:t>
-            </a:r>
-          </a:p>
-        </p:txBody>
-      </p:sp>
+            <a:pPr algn="l"/>
+            <a:r>
+              <a:rPr sz="1200" b="1">
+                <a:solidFill>
+                  <a:srgbClr val="236F96"/>
+                </a:solidFill>
+                <a:latin typeface="Avenir Next"/>
+              </a:rPr>
+              <a:t>Results</a:t>
+            </a:r>
+          </a:p>
+        </p:txBody>
+      </p:sp>
+      <p:sp>
+        <p:nvSpPr>
+          <p:cNvPr id="6" name="TextBox 5"/>
+          <p:cNvSpPr txBox="1"/>
+          <p:nvPr/>
+        </p:nvSpPr>
+        <p:spPr>
+          <a:xfrm>
+            <a:off x="640080" y="731520"/>
+            <a:ext cx="10881360" cy="1097280"/>
+          </a:xfrm>
+          <a:prstGeom prst="rect">
+            <a:avLst/>
+          </a:prstGeom>
+          <a:noFill/>
+        </p:spPr>
+        <p:txBody>
+          <a:bodyPr wrap="none">
+            <a:spAutoFit/>
+          </a:bodyPr>
+          <a:lstStyle/>
+          <a:p>
+            <a:pPr algn="l"/>
+            <a:r>
+              <a:rPr sz="3600" b="1">
+                <a:solidFill>
+                  <a:srgbClr val="0C1821"/>
+                </a:solidFill>
+                <a:latin typeface="Avenir Next"/>
+              </a:rPr>
+              <a:t>Predictive Performance (5.9.5)</a:t>
+            </a:r>
+          </a:p>
+        </p:txBody>
+      </p:sp>
+      <p:graphicFrame>
+        <p:nvGraphicFramePr>
+          <p:cNvPr id="7" name="Table 6"/>
+          <p:cNvGraphicFramePr>
+            <a:graphicFrameLocks noGrp="1"/>
+          </p:cNvGraphicFramePr>
+          <p:nvPr/>
+        </p:nvGraphicFramePr>
+        <p:xfrm>
+          <a:off x="548640" y="1828800"/>
+          <a:ext cx="11064240" cy="4389120"/>
+        </p:xfrm>
+        <a:graphic>
+          <a:graphicData uri="http://schemas.openxmlformats.org/drawingml/2006/table">
+            <a:tbl>
+              <a:tblPr firstRow="1" bandRow="1">
+                <a:tableStyleId>{5C22544A-7EE6-4342-B048-85BDC9FD1C3A}</a:tableStyleId>
+              </a:tblPr>
+              <a:tblGrid>
+                <a:gridCol w="2766060"/>
+                <a:gridCol w="2766060"/>
+                <a:gridCol w="2766060"/>
+                <a:gridCol w="2766060"/>
+              </a:tblGrid>
+              <a:tr h="731520">
+                <a:tc>
+                  <a:txBody>
+                    <a:bodyPr/>
+                    <a:lstStyle/>
+                    <a:p>
+                      <a:pPr>
+                        <a:defRPr sz="1400" b="1">
+                          <a:solidFill>
+                            <a:srgbClr val="F8FBFF"/>
+                          </a:solidFill>
+                          <a:latin typeface="Avenir Next"/>
+                        </a:defRPr>
+                      </a:pPr>
+                      <a:r>
+                        <a:t>Model</a:t>
+                      </a:r>
+                    </a:p>
+                  </a:txBody>
+                  <a:tcPr>
+                    <a:solidFill>
+                      <a:srgbClr val="102B40"/>
+                    </a:solidFill>
+                  </a:tcPr>
+                </a:tc>
+                <a:tc>
+                  <a:txBody>
+                    <a:bodyPr/>
+                    <a:lstStyle/>
+                    <a:p>
+                      <a:pPr>
+                        <a:defRPr sz="1400" b="1">
+                          <a:solidFill>
+                            <a:srgbClr val="F8FBFF"/>
+                          </a:solidFill>
+                          <a:latin typeface="Avenir Next"/>
+                        </a:defRPr>
+                      </a:pPr>
+                      <a:r>
+                        <a:t>RMSE</a:t>
+                      </a:r>
+                    </a:p>
+                  </a:txBody>
+                  <a:tcPr>
+                    <a:solidFill>
+                      <a:srgbClr val="102B40"/>
+                    </a:solidFill>
+                  </a:tcPr>
+                </a:tc>
+                <a:tc>
+                  <a:txBody>
+                    <a:bodyPr/>
+                    <a:lstStyle/>
+                    <a:p>
+                      <a:pPr>
+                        <a:defRPr sz="1400" b="1">
+                          <a:solidFill>
+                            <a:srgbClr val="F8FBFF"/>
+                          </a:solidFill>
+                          <a:latin typeface="Avenir Next"/>
+                        </a:defRPr>
+                      </a:pPr>
+                      <a:r>
+                        <a:t>MAE</a:t>
+                      </a:r>
+                    </a:p>
+                  </a:txBody>
+                  <a:tcPr>
+                    <a:solidFill>
+                      <a:srgbClr val="102B40"/>
+                    </a:solidFill>
+                  </a:tcPr>
+                </a:tc>
+                <a:tc>
+                  <a:txBody>
+                    <a:bodyPr/>
+                    <a:lstStyle/>
+                    <a:p>
+                      <a:pPr>
+                        <a:defRPr sz="1400" b="1">
+                          <a:solidFill>
+                            <a:srgbClr val="F8FBFF"/>
+                          </a:solidFill>
+                          <a:latin typeface="Avenir Next"/>
+                        </a:defRPr>
+                      </a:pPr>
+                      <a:r>
+                        <a:t>R2</a:t>
+                      </a:r>
+                    </a:p>
+                  </a:txBody>
+                  <a:tcPr>
+                    <a:solidFill>
+                      <a:srgbClr val="102B40"/>
+                    </a:solidFill>
+                  </a:tcPr>
+                </a:tc>
+              </a:tr>
+              <a:tr h="731520">
+                <a:tc>
+                  <a:txBody>
+                    <a:bodyPr/>
+                    <a:lstStyle/>
+                    <a:p>
+                      <a:pPr>
+                        <a:defRPr sz="1300">
+                          <a:solidFill>
+                            <a:srgbClr val="0C1821"/>
+                          </a:solidFill>
+                          <a:latin typeface="Avenir Next"/>
+                        </a:defRPr>
+                      </a:pPr>
+                      <a:r>
+                        <a:t>Random Forest</a:t>
+                      </a:r>
+                    </a:p>
+                  </a:txBody>
+                  <a:tcPr>
+                    <a:solidFill>
+                      <a:srgbClr val="FFFFFF"/>
+                    </a:solidFill>
+                  </a:tcPr>
+                </a:tc>
+                <a:tc>
+                  <a:txBody>
+                    <a:bodyPr/>
+                    <a:lstStyle/>
+                    <a:p>
+                      <a:pPr>
+                        <a:defRPr sz="1300">
+                          <a:solidFill>
+                            <a:srgbClr val="0C1821"/>
+                          </a:solidFill>
+                          <a:latin typeface="Avenir Next"/>
+                        </a:defRPr>
+                      </a:pPr>
+                      <a:r>
+                        <a:t>862.46</a:t>
+                      </a:r>
+                    </a:p>
+                  </a:txBody>
+                  <a:tcPr>
+                    <a:solidFill>
+                      <a:srgbClr val="FFFFFF"/>
+                    </a:solidFill>
+                  </a:tcPr>
+                </a:tc>
+                <a:tc>
+                  <a:txBody>
+                    <a:bodyPr/>
+                    <a:lstStyle/>
+                    <a:p>
+                      <a:pPr>
+                        <a:defRPr sz="1300">
+                          <a:solidFill>
+                            <a:srgbClr val="0C1821"/>
+                          </a:solidFill>
+                          <a:latin typeface="Avenir Next"/>
+                        </a:defRPr>
+                      </a:pPr>
+                      <a:r>
+                        <a:t>441.21</a:t>
+                      </a:r>
+                    </a:p>
+                  </a:txBody>
+                  <a:tcPr>
+                    <a:solidFill>
+                      <a:srgbClr val="FFFFFF"/>
+                    </a:solidFill>
+                  </a:tcPr>
+                </a:tc>
+                <a:tc>
+                  <a:txBody>
+                    <a:bodyPr/>
+                    <a:lstStyle/>
+                    <a:p>
+                      <a:pPr>
+                        <a:defRPr sz="1300">
+                          <a:solidFill>
+                            <a:srgbClr val="0C1821"/>
+                          </a:solidFill>
+                          <a:latin typeface="Avenir Next"/>
+                        </a:defRPr>
+                      </a:pPr>
+                      <a:r>
+                        <a:t>0.032</a:t>
+                      </a:r>
+                    </a:p>
+                  </a:txBody>
+                  <a:tcPr>
+                    <a:solidFill>
+                      <a:srgbClr val="FFFFFF"/>
+                    </a:solidFill>
+                  </a:tcPr>
+                </a:tc>
+              </a:tr>
+              <a:tr h="731520">
+                <a:tc>
+                  <a:txBody>
+                    <a:bodyPr/>
+                    <a:lstStyle/>
+                    <a:p>
+                      <a:pPr>
+                        <a:defRPr sz="1300">
+                          <a:solidFill>
+                            <a:srgbClr val="0C1821"/>
+                          </a:solidFill>
+                          <a:latin typeface="Avenir Next"/>
+                        </a:defRPr>
+                      </a:pPr>
+                      <a:r>
+                        <a:t>Lasso Regression</a:t>
+                      </a:r>
+                    </a:p>
+                  </a:txBody>
+                  <a:tcPr>
+                    <a:solidFill>
+                      <a:srgbClr val="F9FCFF"/>
+                    </a:solidFill>
+                  </a:tcPr>
+                </a:tc>
+                <a:tc>
+                  <a:txBody>
+                    <a:bodyPr/>
+                    <a:lstStyle/>
+                    <a:p>
+                      <a:pPr>
+                        <a:defRPr sz="1300">
+                          <a:solidFill>
+                            <a:srgbClr val="0C1821"/>
+                          </a:solidFill>
+                          <a:latin typeface="Avenir Next"/>
+                        </a:defRPr>
+                      </a:pPr>
+                      <a:r>
+                        <a:t>1761.83</a:t>
+                      </a:r>
+                    </a:p>
+                  </a:txBody>
+                  <a:tcPr>
+                    <a:solidFill>
+                      <a:srgbClr val="F9FCFF"/>
+                    </a:solidFill>
+                  </a:tcPr>
+                </a:tc>
+                <a:tc>
+                  <a:txBody>
+                    <a:bodyPr/>
+                    <a:lstStyle/>
+                    <a:p>
+                      <a:pPr>
+                        <a:defRPr sz="1300">
+                          <a:solidFill>
+                            <a:srgbClr val="0C1821"/>
+                          </a:solidFill>
+                          <a:latin typeface="Avenir Next"/>
+                        </a:defRPr>
+                      </a:pPr>
+                      <a:r>
+                        <a:t>547.71</a:t>
+                      </a:r>
+                    </a:p>
+                  </a:txBody>
+                  <a:tcPr>
+                    <a:solidFill>
+                      <a:srgbClr val="F9FCFF"/>
+                    </a:solidFill>
+                  </a:tcPr>
+                </a:tc>
+                <a:tc>
+                  <a:txBody>
+                    <a:bodyPr/>
+                    <a:lstStyle/>
+                    <a:p>
+                      <a:pPr>
+                        <a:defRPr sz="1300">
+                          <a:solidFill>
+                            <a:srgbClr val="0C1821"/>
+                          </a:solidFill>
+                          <a:latin typeface="Avenir Next"/>
+                        </a:defRPr>
+                      </a:pPr>
+                      <a:r>
+                        <a:t>0.808</a:t>
+                      </a:r>
+                    </a:p>
+                  </a:txBody>
+                  <a:tcPr>
+                    <a:solidFill>
+                      <a:srgbClr val="F9FCFF"/>
+                    </a:solidFill>
+                  </a:tcPr>
+                </a:tc>
+              </a:tr>
+              <a:tr h="731520">
+                <a:tc>
+                  <a:txBody>
+                    <a:bodyPr/>
+                    <a:lstStyle/>
+                    <a:p>
+                      <a:pPr>
+                        <a:defRPr sz="1300">
+                          <a:solidFill>
+                            <a:srgbClr val="0C1821"/>
+                          </a:solidFill>
+                          <a:latin typeface="Avenir Next"/>
+                        </a:defRPr>
+                      </a:pPr>
+                      <a:r>
+                        <a:t>Linear Regression</a:t>
+                      </a:r>
+                    </a:p>
+                  </a:txBody>
+                  <a:tcPr>
+                    <a:solidFill>
+                      <a:srgbClr val="FFFFFF"/>
+                    </a:solidFill>
+                  </a:tcPr>
+                </a:tc>
+                <a:tc>
+                  <a:txBody>
+                    <a:bodyPr/>
+                    <a:lstStyle/>
+                    <a:p>
+                      <a:pPr>
+                        <a:defRPr sz="1300">
+                          <a:solidFill>
+                            <a:srgbClr val="0C1821"/>
+                          </a:solidFill>
+                          <a:latin typeface="Avenir Next"/>
+                        </a:defRPr>
+                      </a:pPr>
+                      <a:r>
+                        <a:t>1762.46</a:t>
+                      </a:r>
+                    </a:p>
+                  </a:txBody>
+                  <a:tcPr>
+                    <a:solidFill>
+                      <a:srgbClr val="FFFFFF"/>
+                    </a:solidFill>
+                  </a:tcPr>
+                </a:tc>
+                <a:tc>
+                  <a:txBody>
+                    <a:bodyPr/>
+                    <a:lstStyle/>
+                    <a:p>
+                      <a:pPr>
+                        <a:defRPr sz="1300">
+                          <a:solidFill>
+                            <a:srgbClr val="0C1821"/>
+                          </a:solidFill>
+                          <a:latin typeface="Avenir Next"/>
+                        </a:defRPr>
+                      </a:pPr>
+                      <a:r>
+                        <a:t>547.99</a:t>
+                      </a:r>
+                    </a:p>
+                  </a:txBody>
+                  <a:tcPr>
+                    <a:solidFill>
+                      <a:srgbClr val="FFFFFF"/>
+                    </a:solidFill>
+                  </a:tcPr>
+                </a:tc>
+                <a:tc>
+                  <a:txBody>
+                    <a:bodyPr/>
+                    <a:lstStyle/>
+                    <a:p>
+                      <a:pPr>
+                        <a:defRPr sz="1300">
+                          <a:solidFill>
+                            <a:srgbClr val="0C1821"/>
+                          </a:solidFill>
+                          <a:latin typeface="Avenir Next"/>
+                        </a:defRPr>
+                      </a:pPr>
+                      <a:r>
+                        <a:t>0.808</a:t>
+                      </a:r>
+                    </a:p>
+                  </a:txBody>
+                  <a:tcPr>
+                    <a:solidFill>
+                      <a:srgbClr val="FFFFFF"/>
+                    </a:solidFill>
+                  </a:tcPr>
+                </a:tc>
+              </a:tr>
+              <a:tr h="731520">
+                <a:tc>
+                  <a:txBody>
+                    <a:bodyPr/>
+                    <a:lstStyle/>
+                    <a:p>
+                      <a:pPr>
+                        <a:defRPr sz="1300">
+                          <a:solidFill>
+                            <a:srgbClr val="0C1821"/>
+                          </a:solidFill>
+                          <a:latin typeface="Avenir Next"/>
+                        </a:defRPr>
+                      </a:pPr>
+                      <a:r>
+                        <a:t>Ridge Regression</a:t>
+                      </a:r>
+                    </a:p>
+                  </a:txBody>
+                  <a:tcPr>
+                    <a:solidFill>
+                      <a:srgbClr val="F9FCFF"/>
+                    </a:solidFill>
+                  </a:tcPr>
+                </a:tc>
+                <a:tc>
+                  <a:txBody>
+                    <a:bodyPr/>
+                    <a:lstStyle/>
+                    <a:p>
+                      <a:pPr>
+                        <a:defRPr sz="1300">
+                          <a:solidFill>
+                            <a:srgbClr val="0C1821"/>
+                          </a:solidFill>
+                          <a:latin typeface="Avenir Next"/>
+                        </a:defRPr>
+                      </a:pPr>
+                      <a:r>
+                        <a:t>1762.94</a:t>
+                      </a:r>
+                    </a:p>
+                  </a:txBody>
+                  <a:tcPr>
+                    <a:solidFill>
+                      <a:srgbClr val="F9FCFF"/>
+                    </a:solidFill>
+                  </a:tcPr>
+                </a:tc>
+                <a:tc>
+                  <a:txBody>
+                    <a:bodyPr/>
+                    <a:lstStyle/>
+                    <a:p>
+                      <a:pPr>
+                        <a:defRPr sz="1300">
+                          <a:solidFill>
+                            <a:srgbClr val="0C1821"/>
+                          </a:solidFill>
+                          <a:latin typeface="Avenir Next"/>
+                        </a:defRPr>
+                      </a:pPr>
+                      <a:r>
+                        <a:t>547.98</a:t>
+                      </a:r>
+                    </a:p>
+                  </a:txBody>
+                  <a:tcPr>
+                    <a:solidFill>
+                      <a:srgbClr val="F9FCFF"/>
+                    </a:solidFill>
+                  </a:tcPr>
+                </a:tc>
+                <a:tc>
+                  <a:txBody>
+                    <a:bodyPr/>
+                    <a:lstStyle/>
+                    <a:p>
+                      <a:pPr>
+                        <a:defRPr sz="1300">
+                          <a:solidFill>
+                            <a:srgbClr val="0C1821"/>
+                          </a:solidFill>
+                          <a:latin typeface="Avenir Next"/>
+                        </a:defRPr>
+                      </a:pPr>
+                      <a:r>
+                        <a:t>0.808</a:t>
+                      </a:r>
+                    </a:p>
+                  </a:txBody>
+                  <a:tcPr>
+                    <a:solidFill>
+                      <a:srgbClr val="F9FCFF"/>
+                    </a:solidFill>
+                  </a:tcPr>
+                </a:tc>
+              </a:tr>
+              <a:tr h="731520">
+                <a:tc>
+                  <a:txBody>
+                    <a:bodyPr/>
+                    <a:lstStyle/>
+                    <a:p>
+                      <a:pPr>
+                        <a:defRPr sz="1300">
+                          <a:solidFill>
+                            <a:srgbClr val="0C1821"/>
+                          </a:solidFill>
+                          <a:latin typeface="Avenir Next"/>
+                        </a:defRPr>
+                      </a:pPr>
+                      <a:r>
+                        <a:t>XGBoost</a:t>
+                      </a:r>
+                    </a:p>
+                  </a:txBody>
+                  <a:tcPr>
+                    <a:solidFill>
+                      <a:srgbClr val="FFFFFF"/>
+                    </a:solidFill>
+                  </a:tcPr>
+                </a:tc>
+                <a:tc>
+                  <a:txBody>
+                    <a:bodyPr/>
+                    <a:lstStyle/>
+                    <a:p>
+                      <a:pPr>
+                        <a:defRPr sz="1300">
+                          <a:solidFill>
+                            <a:srgbClr val="0C1821"/>
+                          </a:solidFill>
+                          <a:latin typeface="Avenir Next"/>
+                        </a:defRPr>
+                      </a:pPr>
+                      <a:r>
+                        <a:t>2387.82</a:t>
+                      </a:r>
+                    </a:p>
+                  </a:txBody>
+                  <a:tcPr>
+                    <a:solidFill>
+                      <a:srgbClr val="FFFFFF"/>
+                    </a:solidFill>
+                  </a:tcPr>
+                </a:tc>
+                <a:tc>
+                  <a:txBody>
+                    <a:bodyPr/>
+                    <a:lstStyle/>
+                    <a:p>
+                      <a:pPr>
+                        <a:defRPr sz="1300">
+                          <a:solidFill>
+                            <a:srgbClr val="0C1821"/>
+                          </a:solidFill>
+                          <a:latin typeface="Avenir Next"/>
+                        </a:defRPr>
+                      </a:pPr>
+                      <a:r>
+                        <a:t>534.66</a:t>
+                      </a:r>
+                    </a:p>
+                  </a:txBody>
+                  <a:tcPr>
+                    <a:solidFill>
+                      <a:srgbClr val="FFFFFF"/>
+                    </a:solidFill>
+                  </a:tcPr>
+                </a:tc>
+                <a:tc>
+                  <a:txBody>
+                    <a:bodyPr/>
+                    <a:lstStyle/>
+                    <a:p>
+                      <a:pPr>
+                        <a:defRPr sz="1300">
+                          <a:solidFill>
+                            <a:srgbClr val="0C1821"/>
+                          </a:solidFill>
+                          <a:latin typeface="Avenir Next"/>
+                        </a:defRPr>
+                      </a:pPr>
+                      <a:r>
+                        <a:t>0.648</a:t>
+                      </a:r>
+                    </a:p>
+                  </a:txBody>
+                  <a:tcPr>
+                    <a:solidFill>
+                      <a:srgbClr val="FFFFFF"/>
+                    </a:solidFill>
+                  </a:tcPr>
+                </a:tc>
+              </a:tr>
+            </a:tbl>
+          </a:graphicData>
+        </a:graphic>
+      </p:graphicFrame>
     </p:spTree>
   </p:cSld>
   <p:clrMapOvr>
@@ -4989,35 +10763,213 @@
       <p:grpSpPr/>
       <p:sp>
         <p:nvSpPr>
-          <p:cNvPr id="2" name="Title 1"/>
-          <p:cNvSpPr>
-            <a:spLocks noGrp="1"/>
-          </p:cNvSpPr>
-          <p:nvPr>
-            <p:ph type="title"/>
-          </p:nvPr>
-        </p:nvSpPr>
-        <p:spPr/>
-        <p:txBody>
-          <a:bodyPr/>
-          <a:lstStyle/>
-          <a:p>
-            <a:r>
-              <a:t>9. Explainability (5.9.6)</a:t>
-            </a:r>
-          </a:p>
-        </p:txBody>
-      </p:sp>
-      <p:sp>
-        <p:nvSpPr>
-          <p:cNvPr id="3" name="TextBox 2"/>
+          <p:cNvPr id="2" name="Rectangle 1"/>
+          <p:cNvSpPr/>
+          <p:nvPr/>
+        </p:nvSpPr>
+        <p:spPr>
+          <a:xfrm>
+            <a:off x="0" y="0"/>
+            <a:ext cx="12191695" cy="6858000"/>
+          </a:xfrm>
+          <a:prstGeom prst="rect">
+            <a:avLst/>
+          </a:prstGeom>
+          <a:solidFill>
+            <a:srgbClr val="F8F5F1"/>
+          </a:solidFill>
+          <a:ln>
+            <a:noFill/>
+          </a:ln>
+        </p:spPr>
+        <p:style>
+          <a:lnRef idx="1">
+            <a:schemeClr val="accent1"/>
+          </a:lnRef>
+          <a:fillRef idx="3">
+            <a:schemeClr val="accent1"/>
+          </a:fillRef>
+          <a:effectRef idx="2">
+            <a:schemeClr val="accent1"/>
+          </a:effectRef>
+          <a:fontRef idx="minor">
+            <a:schemeClr val="lt1"/>
+          </a:fontRef>
+        </p:style>
+        <p:txBody>
+          <a:bodyPr rtlCol="0" anchor="ctr"/>
+          <a:lstStyle/>
+          <a:p>
+            <a:pPr algn="ctr"/>
+          </a:p>
+        </p:txBody>
+      </p:sp>
+      <p:sp>
+        <p:nvSpPr>
+          <p:cNvPr id="3" name="Oval 2"/>
+          <p:cNvSpPr/>
+          <p:nvPr/>
+        </p:nvSpPr>
+        <p:spPr>
+          <a:xfrm>
+            <a:off x="9875520" y="-914400"/>
+            <a:ext cx="2743200" cy="2743200"/>
+          </a:xfrm>
+          <a:prstGeom prst="ellipse">
+            <a:avLst/>
+          </a:prstGeom>
+          <a:solidFill>
+            <a:srgbClr val="2EC4B6"/>
+          </a:solidFill>
+          <a:ln>
+            <a:noFill/>
+          </a:ln>
+        </p:spPr>
+        <p:style>
+          <a:lnRef idx="1">
+            <a:schemeClr val="accent1"/>
+          </a:lnRef>
+          <a:fillRef idx="3">
+            <a:schemeClr val="accent1"/>
+          </a:fillRef>
+          <a:effectRef idx="2">
+            <a:schemeClr val="accent1"/>
+          </a:effectRef>
+          <a:fontRef idx="minor">
+            <a:schemeClr val="lt1"/>
+          </a:fontRef>
+        </p:style>
+        <p:txBody>
+          <a:bodyPr rtlCol="0" anchor="ctr"/>
+          <a:lstStyle/>
+          <a:p>
+            <a:pPr algn="ctr"/>
+          </a:p>
+        </p:txBody>
+      </p:sp>
+      <p:sp>
+        <p:nvSpPr>
+          <p:cNvPr id="4" name="Oval 3"/>
+          <p:cNvSpPr/>
+          <p:nvPr/>
+        </p:nvSpPr>
+        <p:spPr>
+          <a:xfrm>
+            <a:off x="-1097280" y="5303520"/>
+            <a:ext cx="2926080" cy="2926080"/>
+          </a:xfrm>
+          <a:prstGeom prst="ellipse">
+            <a:avLst/>
+          </a:prstGeom>
+          <a:solidFill>
+            <a:srgbClr val="00A8E8"/>
+          </a:solidFill>
+          <a:ln>
+            <a:noFill/>
+          </a:ln>
+        </p:spPr>
+        <p:style>
+          <a:lnRef idx="1">
+            <a:schemeClr val="accent1"/>
+          </a:lnRef>
+          <a:fillRef idx="3">
+            <a:schemeClr val="accent1"/>
+          </a:fillRef>
+          <a:effectRef idx="2">
+            <a:schemeClr val="accent1"/>
+          </a:effectRef>
+          <a:fontRef idx="minor">
+            <a:schemeClr val="lt1"/>
+          </a:fontRef>
+        </p:style>
+        <p:txBody>
+          <a:bodyPr rtlCol="0" anchor="ctr"/>
+          <a:lstStyle/>
+          <a:p>
+            <a:pPr algn="ctr"/>
+          </a:p>
+        </p:txBody>
+      </p:sp>
+      <p:sp>
+        <p:nvSpPr>
+          <p:cNvPr id="5" name="TextBox 4"/>
           <p:cNvSpPr txBox="1"/>
           <p:nvPr/>
         </p:nvSpPr>
         <p:spPr>
           <a:xfrm>
-            <a:off x="457200" y="1188720"/>
-            <a:ext cx="7315200" cy="5303520"/>
+            <a:off x="640080" y="365760"/>
+            <a:ext cx="5029200" cy="365760"/>
+          </a:xfrm>
+          <a:prstGeom prst="rect">
+            <a:avLst/>
+          </a:prstGeom>
+          <a:noFill/>
+        </p:spPr>
+        <p:txBody>
+          <a:bodyPr wrap="none">
+            <a:spAutoFit/>
+          </a:bodyPr>
+          <a:lstStyle/>
+          <a:p>
+            <a:pPr algn="l"/>
+            <a:r>
+              <a:rPr sz="1200" b="1">
+                <a:solidFill>
+                  <a:srgbClr val="236F96"/>
+                </a:solidFill>
+                <a:latin typeface="Avenir Next"/>
+              </a:rPr>
+              <a:t>Model Diagnostics</a:t>
+            </a:r>
+          </a:p>
+        </p:txBody>
+      </p:sp>
+      <p:sp>
+        <p:nvSpPr>
+          <p:cNvPr id="6" name="TextBox 5"/>
+          <p:cNvSpPr txBox="1"/>
+          <p:nvPr/>
+        </p:nvSpPr>
+        <p:spPr>
+          <a:xfrm>
+            <a:off x="640080" y="731520"/>
+            <a:ext cx="10881360" cy="1097280"/>
+          </a:xfrm>
+          <a:prstGeom prst="rect">
+            <a:avLst/>
+          </a:prstGeom>
+          <a:noFill/>
+        </p:spPr>
+        <p:txBody>
+          <a:bodyPr wrap="none">
+            <a:spAutoFit/>
+          </a:bodyPr>
+          <a:lstStyle/>
+          <a:p>
+            <a:pPr algn="l"/>
+            <a:r>
+              <a:rPr sz="3600" b="1">
+                <a:solidFill>
+                  <a:srgbClr val="0C1821"/>
+                </a:solidFill>
+                <a:latin typeface="Avenir Next"/>
+              </a:rPr>
+              <a:t>Diagnostics and Business Utility (5.7, 5.8, 5.9.6)</a:t>
+            </a:r>
+          </a:p>
+        </p:txBody>
+      </p:sp>
+      <p:sp>
+        <p:nvSpPr>
+          <p:cNvPr id="7" name="TextBox 6"/>
+          <p:cNvSpPr txBox="1"/>
+          <p:nvPr/>
+        </p:nvSpPr>
+        <p:spPr>
+          <a:xfrm>
+            <a:off x="731520" y="1645920"/>
+            <a:ext cx="10972800" cy="502920"/>
           </a:xfrm>
           <a:prstGeom prst="rect">
             <a:avLst/>
@@ -5031,41 +10983,86 @@
           <a:lstStyle/>
           <a:p>
             <a:pPr>
-              <a:defRPr sz="2200"/>
+              <a:spcAft>
+                <a:spcPts val="300"/>
+              </a:spcAft>
+              <a:defRPr sz="1400" b="0">
+                <a:solidFill>
+                  <a:srgbClr val="192D3C"/>
+                </a:solidFill>
+                <a:latin typeface="Avenir Next"/>
+              </a:defRPr>
             </a:pPr>
             <a:r>
-              <a:t>Global interpretability done with feature importance + SHAP.</a:t>
+              <a:t>• Model ranking, residual diagnostics, and lift all support selection of a tuned regularized model.</a:t>
             </a:r>
           </a:p>
           <a:p>
             <a:pPr>
-              <a:defRPr sz="2200"/>
+              <a:spcAft>
+                <a:spcPts val="300"/>
+              </a:spcAft>
+              <a:defRPr sz="1400" b="0">
+                <a:solidFill>
+                  <a:srgbClr val="192D3C"/>
+                </a:solidFill>
+                <a:latin typeface="Avenir Next"/>
+              </a:defRPr>
             </a:pPr>
             <a:r>
-              <a:t>Top drivers: Monetary, Frequency, AvgOrderValue, AvgBasketSize.</a:t>
-            </a:r>
-          </a:p>
-          <a:p>
-            <a:pPr>
-              <a:defRPr sz="2200"/>
-            </a:pPr>
-            <a:r>
-              <a:t>SHAP confirms directional contribution consistency across features.</a:t>
-            </a:r>
-          </a:p>
-          <a:p>
-            <a:pPr>
-              <a:defRPr sz="2200"/>
-            </a:pPr>
-            <a:r>
-              <a:t>Supports actionable business segmentation and budget allocation.</a:t>
-            </a:r>
+              <a:t>• The top-decile lift demonstrates strong practical targeting value.</a:t>
+            </a:r>
+          </a:p>
+        </p:txBody>
+      </p:sp>
+      <p:sp>
+        <p:nvSpPr>
+          <p:cNvPr id="8" name="Rounded Rectangle 7"/>
+          <p:cNvSpPr/>
+          <p:nvPr/>
+        </p:nvSpPr>
+        <p:spPr>
+          <a:xfrm>
+            <a:off x="640080" y="1965960"/>
+            <a:ext cx="5394960" cy="2057400"/>
+          </a:xfrm>
+          <a:prstGeom prst="roundRect">
+            <a:avLst/>
+          </a:prstGeom>
+          <a:solidFill>
+            <a:srgbClr val="FFFFFF"/>
+          </a:solidFill>
+          <a:ln w="12700">
+            <a:solidFill>
+              <a:srgbClr val="E1EAF2"/>
+            </a:solidFill>
+          </a:ln>
+        </p:spPr>
+        <p:style>
+          <a:lnRef idx="1">
+            <a:schemeClr val="accent1"/>
+          </a:lnRef>
+          <a:fillRef idx="3">
+            <a:schemeClr val="accent1"/>
+          </a:fillRef>
+          <a:effectRef idx="2">
+            <a:schemeClr val="accent1"/>
+          </a:effectRef>
+          <a:fontRef idx="minor">
+            <a:schemeClr val="lt1"/>
+          </a:fontRef>
+        </p:style>
+        <p:txBody>
+          <a:bodyPr rtlCol="0" anchor="ctr"/>
+          <a:lstStyle/>
+          <a:p>
+            <a:pPr algn="ctr"/>
           </a:p>
         </p:txBody>
       </p:sp>
       <p:pic>
         <p:nvPicPr>
-          <p:cNvPr id="4" name="Picture 3" descr="shap_summary.png"/>
+          <p:cNvPr id="9" name="Picture 8" descr="model_comparison.png"/>
           <p:cNvPicPr>
             <a:picLocks noChangeAspect="1"/>
           </p:cNvPicPr>
@@ -5079,14 +11076,361 @@
         </p:blipFill>
         <p:spPr>
           <a:xfrm>
-            <a:off x="7863840" y="1280160"/>
-            <a:ext cx="4206240" cy="4754880"/>
+            <a:off x="747979" y="2039112"/>
+            <a:ext cx="5179161" cy="1618488"/>
           </a:xfrm>
           <a:prstGeom prst="rect">
             <a:avLst/>
           </a:prstGeom>
         </p:spPr>
       </p:pic>
+      <p:sp>
+        <p:nvSpPr>
+          <p:cNvPr id="10" name="TextBox 9"/>
+          <p:cNvSpPr txBox="1"/>
+          <p:nvPr/>
+        </p:nvSpPr>
+        <p:spPr>
+          <a:xfrm>
+            <a:off x="731519" y="3721608"/>
+            <a:ext cx="5212080" cy="228600"/>
+          </a:xfrm>
+          <a:prstGeom prst="rect">
+            <a:avLst/>
+          </a:prstGeom>
+          <a:noFill/>
+        </p:spPr>
+        <p:txBody>
+          <a:bodyPr wrap="none">
+            <a:spAutoFit/>
+          </a:bodyPr>
+          <a:lstStyle/>
+          <a:p>
+            <a:pPr algn="ctr"/>
+            <a:r>
+              <a:rPr sz="1100" b="0">
+                <a:solidFill>
+                  <a:srgbClr val="293B4B"/>
+                </a:solidFill>
+                <a:latin typeface="Avenir Next"/>
+              </a:rPr>
+              <a:t>Model metric comparison</a:t>
+            </a:r>
+          </a:p>
+        </p:txBody>
+      </p:sp>
+      <p:sp>
+        <p:nvSpPr>
+          <p:cNvPr id="11" name="Rounded Rectangle 10"/>
+          <p:cNvSpPr/>
+          <p:nvPr/>
+        </p:nvSpPr>
+        <p:spPr>
+          <a:xfrm>
+            <a:off x="6172200" y="1965960"/>
+            <a:ext cx="5394960" cy="2057400"/>
+          </a:xfrm>
+          <a:prstGeom prst="roundRect">
+            <a:avLst/>
+          </a:prstGeom>
+          <a:solidFill>
+            <a:srgbClr val="FFFFFF"/>
+          </a:solidFill>
+          <a:ln w="12700">
+            <a:solidFill>
+              <a:srgbClr val="E1EAF2"/>
+            </a:solidFill>
+          </a:ln>
+        </p:spPr>
+        <p:style>
+          <a:lnRef idx="1">
+            <a:schemeClr val="accent1"/>
+          </a:lnRef>
+          <a:fillRef idx="3">
+            <a:schemeClr val="accent1"/>
+          </a:fillRef>
+          <a:effectRef idx="2">
+            <a:schemeClr val="accent1"/>
+          </a:effectRef>
+          <a:fontRef idx="minor">
+            <a:schemeClr val="lt1"/>
+          </a:fontRef>
+        </p:style>
+        <p:txBody>
+          <a:bodyPr rtlCol="0" anchor="ctr"/>
+          <a:lstStyle/>
+          <a:p>
+            <a:pPr algn="ctr"/>
+          </a:p>
+        </p:txBody>
+      </p:sp>
+      <p:pic>
+        <p:nvPicPr>
+          <p:cNvPr id="12" name="Picture 11" descr="feature_importance.png"/>
+          <p:cNvPicPr>
+            <a:picLocks noChangeAspect="1"/>
+          </p:cNvPicPr>
+          <p:nvPr/>
+        </p:nvPicPr>
+        <p:blipFill>
+          <a:blip r:embed="rId3"/>
+          <a:stretch>
+            <a:fillRect/>
+          </a:stretch>
+        </p:blipFill>
+        <p:spPr>
+          <a:xfrm>
+            <a:off x="7655814" y="2039112"/>
+            <a:ext cx="2427732" cy="1618488"/>
+          </a:xfrm>
+          <a:prstGeom prst="rect">
+            <a:avLst/>
+          </a:prstGeom>
+        </p:spPr>
+      </p:pic>
+      <p:sp>
+        <p:nvSpPr>
+          <p:cNvPr id="13" name="TextBox 12"/>
+          <p:cNvSpPr txBox="1"/>
+          <p:nvPr/>
+        </p:nvSpPr>
+        <p:spPr>
+          <a:xfrm>
+            <a:off x="6263640" y="3721608"/>
+            <a:ext cx="5212080" cy="228600"/>
+          </a:xfrm>
+          <a:prstGeom prst="rect">
+            <a:avLst/>
+          </a:prstGeom>
+          <a:noFill/>
+        </p:spPr>
+        <p:txBody>
+          <a:bodyPr wrap="none">
+            <a:spAutoFit/>
+          </a:bodyPr>
+          <a:lstStyle/>
+          <a:p>
+            <a:pPr algn="ctr"/>
+            <a:r>
+              <a:rPr sz="1100" b="0">
+                <a:solidFill>
+                  <a:srgbClr val="293B4B"/>
+                </a:solidFill>
+                <a:latin typeface="Avenir Next"/>
+              </a:rPr>
+              <a:t>Global feature importance</a:t>
+            </a:r>
+          </a:p>
+        </p:txBody>
+      </p:sp>
+      <p:sp>
+        <p:nvSpPr>
+          <p:cNvPr id="14" name="Rounded Rectangle 13"/>
+          <p:cNvSpPr/>
+          <p:nvPr/>
+        </p:nvSpPr>
+        <p:spPr>
+          <a:xfrm>
+            <a:off x="640080" y="4160520"/>
+            <a:ext cx="5394960" cy="2057400"/>
+          </a:xfrm>
+          <a:prstGeom prst="roundRect">
+            <a:avLst/>
+          </a:prstGeom>
+          <a:solidFill>
+            <a:srgbClr val="FFFFFF"/>
+          </a:solidFill>
+          <a:ln w="12700">
+            <a:solidFill>
+              <a:srgbClr val="E1EAF2"/>
+            </a:solidFill>
+          </a:ln>
+        </p:spPr>
+        <p:style>
+          <a:lnRef idx="1">
+            <a:schemeClr val="accent1"/>
+          </a:lnRef>
+          <a:fillRef idx="3">
+            <a:schemeClr val="accent1"/>
+          </a:fillRef>
+          <a:effectRef idx="2">
+            <a:schemeClr val="accent1"/>
+          </a:effectRef>
+          <a:fontRef idx="minor">
+            <a:schemeClr val="lt1"/>
+          </a:fontRef>
+        </p:style>
+        <p:txBody>
+          <a:bodyPr rtlCol="0" anchor="ctr"/>
+          <a:lstStyle/>
+          <a:p>
+            <a:pPr algn="ctr"/>
+          </a:p>
+        </p:txBody>
+      </p:sp>
+      <p:pic>
+        <p:nvPicPr>
+          <p:cNvPr id="15" name="Picture 14" descr="best_model_analysis.png"/>
+          <p:cNvPicPr>
+            <a:picLocks noChangeAspect="1"/>
+          </p:cNvPicPr>
+          <p:nvPr/>
+        </p:nvPicPr>
+        <p:blipFill>
+          <a:blip r:embed="rId4"/>
+          <a:stretch>
+            <a:fillRect/>
+          </a:stretch>
+        </p:blipFill>
+        <p:spPr>
+          <a:xfrm>
+            <a:off x="1071676" y="4233672"/>
+            <a:ext cx="4531766" cy="1618488"/>
+          </a:xfrm>
+          <a:prstGeom prst="rect">
+            <a:avLst/>
+          </a:prstGeom>
+        </p:spPr>
+      </p:pic>
+      <p:sp>
+        <p:nvSpPr>
+          <p:cNvPr id="16" name="TextBox 15"/>
+          <p:cNvSpPr txBox="1"/>
+          <p:nvPr/>
+        </p:nvSpPr>
+        <p:spPr>
+          <a:xfrm>
+            <a:off x="731519" y="5916168"/>
+            <a:ext cx="5212080" cy="228600"/>
+          </a:xfrm>
+          <a:prstGeom prst="rect">
+            <a:avLst/>
+          </a:prstGeom>
+          <a:noFill/>
+        </p:spPr>
+        <p:txBody>
+          <a:bodyPr wrap="none">
+            <a:spAutoFit/>
+          </a:bodyPr>
+          <a:lstStyle/>
+          <a:p>
+            <a:pPr algn="ctr"/>
+            <a:r>
+              <a:rPr sz="1100" b="0">
+                <a:solidFill>
+                  <a:srgbClr val="293B4B"/>
+                </a:solidFill>
+                <a:latin typeface="Avenir Next"/>
+              </a:rPr>
+              <a:t>Residual and fit diagnostics</a:t>
+            </a:r>
+          </a:p>
+        </p:txBody>
+      </p:sp>
+      <p:sp>
+        <p:nvSpPr>
+          <p:cNvPr id="17" name="Rounded Rectangle 16"/>
+          <p:cNvSpPr/>
+          <p:nvPr/>
+        </p:nvSpPr>
+        <p:spPr>
+          <a:xfrm>
+            <a:off x="6172200" y="4160520"/>
+            <a:ext cx="5394960" cy="2057400"/>
+          </a:xfrm>
+          <a:prstGeom prst="roundRect">
+            <a:avLst/>
+          </a:prstGeom>
+          <a:solidFill>
+            <a:srgbClr val="FFFFFF"/>
+          </a:solidFill>
+          <a:ln w="12700">
+            <a:solidFill>
+              <a:srgbClr val="E1EAF2"/>
+            </a:solidFill>
+          </a:ln>
+        </p:spPr>
+        <p:style>
+          <a:lnRef idx="1">
+            <a:schemeClr val="accent1"/>
+          </a:lnRef>
+          <a:fillRef idx="3">
+            <a:schemeClr val="accent1"/>
+          </a:fillRef>
+          <a:effectRef idx="2">
+            <a:schemeClr val="accent1"/>
+          </a:effectRef>
+          <a:fontRef idx="minor">
+            <a:schemeClr val="lt1"/>
+          </a:fontRef>
+        </p:style>
+        <p:txBody>
+          <a:bodyPr rtlCol="0" anchor="ctr"/>
+          <a:lstStyle/>
+          <a:p>
+            <a:pPr algn="ctr"/>
+          </a:p>
+        </p:txBody>
+      </p:sp>
+      <p:pic>
+        <p:nvPicPr>
+          <p:cNvPr id="18" name="Picture 17" descr="lift_chart.png"/>
+          <p:cNvPicPr>
+            <a:picLocks noChangeAspect="1"/>
+          </p:cNvPicPr>
+          <p:nvPr/>
+        </p:nvPicPr>
+        <p:blipFill>
+          <a:blip r:embed="rId5"/>
+          <a:stretch>
+            <a:fillRect/>
+          </a:stretch>
+        </p:blipFill>
+        <p:spPr>
+          <a:xfrm>
+            <a:off x="7520940" y="4233672"/>
+            <a:ext cx="2697480" cy="1618488"/>
+          </a:xfrm>
+          <a:prstGeom prst="rect">
+            <a:avLst/>
+          </a:prstGeom>
+        </p:spPr>
+      </p:pic>
+      <p:sp>
+        <p:nvSpPr>
+          <p:cNvPr id="19" name="TextBox 18"/>
+          <p:cNvSpPr txBox="1"/>
+          <p:nvPr/>
+        </p:nvSpPr>
+        <p:spPr>
+          <a:xfrm>
+            <a:off x="6263640" y="5916168"/>
+            <a:ext cx="5212080" cy="228600"/>
+          </a:xfrm>
+          <a:prstGeom prst="rect">
+            <a:avLst/>
+          </a:prstGeom>
+          <a:noFill/>
+        </p:spPr>
+        <p:txBody>
+          <a:bodyPr wrap="none">
+            <a:spAutoFit/>
+          </a:bodyPr>
+          <a:lstStyle/>
+          <a:p>
+            <a:pPr algn="ctr"/>
+            <a:r>
+              <a:rPr sz="1100" b="0">
+                <a:solidFill>
+                  <a:srgbClr val="293B4B"/>
+                </a:solidFill>
+                <a:latin typeface="Avenir Next"/>
+              </a:rPr>
+              <a:t>Lift chart (business impact)</a:t>
+            </a:r>
+          </a:p>
+        </p:txBody>
+      </p:sp>
     </p:spTree>
   </p:cSld>
   <p:clrMapOvr>
